--- a/seminar ppt.pptx
+++ b/seminar ppt.pptx
@@ -5,29 +5,30 @@
     <p:sldMasterId id="2147483648" r:id="rId1"/>
   </p:sldMasterIdLst>
   <p:notesMasterIdLst>
-    <p:notesMasterId r:id="rId22"/>
+    <p:notesMasterId r:id="rId23"/>
   </p:notesMasterIdLst>
   <p:sldIdLst>
     <p:sldId id="256" r:id="rId2"/>
-    <p:sldId id="260" r:id="rId3"/>
-    <p:sldId id="261" r:id="rId4"/>
-    <p:sldId id="265" r:id="rId5"/>
-    <p:sldId id="266" r:id="rId6"/>
-    <p:sldId id="267" r:id="rId7"/>
-    <p:sldId id="268" r:id="rId8"/>
-    <p:sldId id="269" r:id="rId9"/>
-    <p:sldId id="270" r:id="rId10"/>
-    <p:sldId id="271" r:id="rId11"/>
-    <p:sldId id="272" r:id="rId12"/>
-    <p:sldId id="273" r:id="rId13"/>
-    <p:sldId id="274" r:id="rId14"/>
-    <p:sldId id="275" r:id="rId15"/>
-    <p:sldId id="276" r:id="rId16"/>
-    <p:sldId id="277" r:id="rId17"/>
-    <p:sldId id="278" r:id="rId18"/>
-    <p:sldId id="279" r:id="rId19"/>
-    <p:sldId id="280" r:id="rId20"/>
-    <p:sldId id="258" r:id="rId21"/>
+    <p:sldId id="281" r:id="rId3"/>
+    <p:sldId id="260" r:id="rId4"/>
+    <p:sldId id="261" r:id="rId5"/>
+    <p:sldId id="265" r:id="rId6"/>
+    <p:sldId id="266" r:id="rId7"/>
+    <p:sldId id="267" r:id="rId8"/>
+    <p:sldId id="268" r:id="rId9"/>
+    <p:sldId id="269" r:id="rId10"/>
+    <p:sldId id="270" r:id="rId11"/>
+    <p:sldId id="271" r:id="rId12"/>
+    <p:sldId id="272" r:id="rId13"/>
+    <p:sldId id="273" r:id="rId14"/>
+    <p:sldId id="274" r:id="rId15"/>
+    <p:sldId id="275" r:id="rId16"/>
+    <p:sldId id="276" r:id="rId17"/>
+    <p:sldId id="277" r:id="rId18"/>
+    <p:sldId id="278" r:id="rId19"/>
+    <p:sldId id="279" r:id="rId20"/>
+    <p:sldId id="280" r:id="rId21"/>
+    <p:sldId id="258" r:id="rId22"/>
   </p:sldIdLst>
   <p:sldSz cx="12192000" cy="6858000"/>
   <p:notesSz cx="6858000" cy="9144000"/>
@@ -1171,7 +1172,7 @@
             <a:fld id="{ED4EDF8B-684A-4260-8B04-CE71A75B3088}" type="slidenum">
               <a:rPr lang="en-US"/>
               <a:pPr/>
-              <a:t>20</a:t>
+              <a:t>21</a:t>
             </a:fld>
             <a:endParaRPr lang="en-US"/>
           </a:p>
@@ -1438,7 +1439,7 @@
                   <a:tab pos="10058400" algn="l"/>
                 </a:tabLst>
               </a:pPr>
-              <a:t>20</a:t>
+              <a:t>21</a:t>
             </a:fld>
             <a:endParaRPr lang="en-US" sz="1200">
               <a:solidFill>
@@ -5644,13 +5645,17 @@
       <p:sp>
         <p:nvSpPr>
           <p:cNvPr id="2" name="object 2"/>
-          <p:cNvSpPr txBox="1"/>
-          <p:nvPr/>
+          <p:cNvSpPr txBox="1">
+            <a:spLocks noGrp="1"/>
+          </p:cNvSpPr>
+          <p:nvPr>
+            <p:ph type="title"/>
+          </p:nvPr>
         </p:nvSpPr>
         <p:spPr>
           <a:xfrm>
-            <a:off x="756310" y="685800"/>
-            <a:ext cx="8802370" cy="566822"/>
+            <a:off x="756310" y="744556"/>
+            <a:ext cx="7799071" cy="574040"/>
           </a:xfrm>
           <a:prstGeom prst="rect">
             <a:avLst/>
@@ -5671,16 +5676,22 @@
               </a:spcBef>
             </a:pPr>
             <a:r>
-              <a:rPr sz="3600" b="1" spc="-25" dirty="0">
-                <a:solidFill>
-                  <a:srgbClr val="3333CC"/>
-                </a:solidFill>
-                <a:latin typeface="+mj-lt"/>
-                <a:ea typeface="+mj-ea"/>
-                <a:cs typeface="+mj-cs"/>
-              </a:rPr>
-              <a:t>ICP AS A MATRIX POLYMER</a:t>
-            </a:r>
+              <a:rPr sz="3600" spc="-25" dirty="0"/>
+              <a:t>PROPERTIES </a:t>
+            </a:r>
+            <a:r>
+              <a:rPr sz="3600" spc="-5" dirty="0"/>
+              <a:t>OF</a:t>
+            </a:r>
+            <a:r>
+              <a:rPr sz="3600" spc="-20" dirty="0"/>
+              <a:t> </a:t>
+            </a:r>
+            <a:r>
+              <a:rPr sz="3600" spc="-5" dirty="0"/>
+              <a:t>ICP</a:t>
+            </a:r>
+            <a:endParaRPr sz="3600" dirty="0"/>
           </a:p>
         </p:txBody>
       </p:sp>
@@ -5692,8 +5703,8 @@
         </p:nvSpPr>
         <p:spPr>
           <a:xfrm>
-            <a:off x="793764" y="1252622"/>
-            <a:ext cx="8802370" cy="1608454"/>
+            <a:off x="756310" y="1489129"/>
+            <a:ext cx="4427220" cy="3757760"/>
           </a:xfrm>
           <a:prstGeom prst="rect">
             <a:avLst/>
@@ -5705,7 +5716,7 @@
           </a:bodyPr>
           <a:lstStyle/>
           <a:p>
-            <a:pPr marL="355600" marR="5080" indent="-342900">
+            <a:pPr marL="355600" indent="-342900">
               <a:lnSpc>
                 <a:spcPct val="150000"/>
               </a:lnSpc>
@@ -5725,7 +5736,85 @@
                 </a:solidFill>
                 <a:cs typeface="Times New Roman" pitchFamily="16" charset="0"/>
               </a:rPr>
-              <a:t>It provide design flexibility, good filler incorporation-ability, specific  interactions with fillers and microwave non-transparency.</a:t>
+              <a:t>Electrical conductivity</a:t>
+            </a:r>
+          </a:p>
+          <a:p>
+            <a:pPr marL="457200" indent="-457200">
+              <a:lnSpc>
+                <a:spcPct val="150000"/>
+              </a:lnSpc>
+              <a:buFont typeface="Wingdings" panose="05000000000000000000" pitchFamily="2" charset="2"/>
+              <a:buChar char="q"/>
+            </a:pPr>
+            <a:endParaRPr b="1" dirty="0">
+              <a:solidFill>
+                <a:srgbClr val="000000"/>
+              </a:solidFill>
+              <a:cs typeface="Times New Roman" pitchFamily="16" charset="0"/>
+            </a:endParaRPr>
+          </a:p>
+          <a:p>
+            <a:pPr marL="355600" indent="-342900">
+              <a:lnSpc>
+                <a:spcPct val="150000"/>
+              </a:lnSpc>
+              <a:spcBef>
+                <a:spcPts val="1895"/>
+              </a:spcBef>
+              <a:buFont typeface="Wingdings" panose="05000000000000000000" pitchFamily="2" charset="2"/>
+              <a:buChar char="q"/>
+              <a:tabLst>
+                <a:tab pos="354965" algn="l"/>
+              </a:tabLst>
+            </a:pPr>
+            <a:r>
+              <a:rPr b="1" dirty="0">
+                <a:solidFill>
+                  <a:srgbClr val="000000"/>
+                </a:solidFill>
+                <a:cs typeface="Times New Roman" pitchFamily="16" charset="0"/>
+              </a:rPr>
+              <a:t>Ability to store an electric charge</a:t>
+            </a:r>
+          </a:p>
+          <a:p>
+            <a:pPr marL="457200" indent="-457200">
+              <a:lnSpc>
+                <a:spcPct val="150000"/>
+              </a:lnSpc>
+              <a:buFont typeface="Wingdings" panose="05000000000000000000" pitchFamily="2" charset="2"/>
+              <a:buChar char="q"/>
+            </a:pPr>
+            <a:endParaRPr b="1" dirty="0">
+              <a:solidFill>
+                <a:srgbClr val="000000"/>
+              </a:solidFill>
+              <a:cs typeface="Times New Roman" pitchFamily="16" charset="0"/>
+            </a:endParaRPr>
+          </a:p>
+          <a:p>
+            <a:pPr marL="355600" indent="-342900">
+              <a:lnSpc>
+                <a:spcPct val="150000"/>
+              </a:lnSpc>
+              <a:spcBef>
+                <a:spcPts val="1885"/>
+              </a:spcBef>
+              <a:buFont typeface="Wingdings" panose="05000000000000000000" pitchFamily="2" charset="2"/>
+              <a:buChar char="q"/>
+              <a:tabLst>
+                <a:tab pos="354965" algn="l"/>
+              </a:tabLst>
+            </a:pPr>
+            <a:r>
+              <a:rPr b="1" dirty="0">
+                <a:solidFill>
+                  <a:srgbClr val="000000"/>
+                </a:solidFill>
+                <a:cs typeface="Times New Roman" pitchFamily="16" charset="0"/>
+              </a:rPr>
+              <a:t>Ability to exchange ions</a:t>
             </a:r>
           </a:p>
         </p:txBody>
@@ -5738,8 +5827,8 @@
         </p:nvSpPr>
         <p:spPr>
           <a:xfrm>
-            <a:off x="2819400" y="3048000"/>
-            <a:ext cx="5603748" cy="3124200"/>
+            <a:off x="6173976" y="1524000"/>
+            <a:ext cx="5637024" cy="4431330"/>
           </a:xfrm>
           <a:prstGeom prst="rect">
             <a:avLst/>
@@ -5770,15 +5859,113 @@
           </p:nvPr>
         </p:nvSpPr>
         <p:spPr>
+          <a:xfrm>
+            <a:off x="9026397" y="6147883"/>
+            <a:ext cx="195579" cy="158114"/>
+          </a:xfrm>
           <a:prstGeom prst="rect">
             <a:avLst/>
           </a:prstGeom>
         </p:spPr>
         <p:txBody>
-          <a:bodyPr vert="horz" wrap="square" lIns="0" tIns="5715" rIns="0" bIns="0" rtlCol="0">
+          <a:bodyPr vert="horz" wrap="square" lIns="0" tIns="0" rIns="0" bIns="0" rtlCol="0">
             <a:spAutoFit/>
           </a:bodyPr>
-          <a:lstStyle/>
+          <a:lstStyle>
+            <a:defPPr>
+              <a:defRPr lang="en-US"/>
+            </a:defPPr>
+            <a:lvl1pPr marL="0" algn="l" defTabSz="914400" rtl="0" eaLnBrk="1" latinLnBrk="0" hangingPunct="1">
+              <a:defRPr sz="900" b="0" i="0" kern="1200">
+                <a:solidFill>
+                  <a:srgbClr val="90C225"/>
+                </a:solidFill>
+                <a:latin typeface="Trebuchet MS"/>
+                <a:ea typeface="+mn-ea"/>
+                <a:cs typeface="Trebuchet MS"/>
+              </a:defRPr>
+            </a:lvl1pPr>
+            <a:lvl2pPr marL="457200" algn="l" defTabSz="914400" rtl="0" eaLnBrk="1" latinLnBrk="0" hangingPunct="1">
+              <a:defRPr sz="1800" kern="1200">
+                <a:solidFill>
+                  <a:schemeClr val="tx1"/>
+                </a:solidFill>
+                <a:latin typeface="+mn-lt"/>
+                <a:ea typeface="+mn-ea"/>
+                <a:cs typeface="+mn-cs"/>
+              </a:defRPr>
+            </a:lvl2pPr>
+            <a:lvl3pPr marL="914400" algn="l" defTabSz="914400" rtl="0" eaLnBrk="1" latinLnBrk="0" hangingPunct="1">
+              <a:defRPr sz="1800" kern="1200">
+                <a:solidFill>
+                  <a:schemeClr val="tx1"/>
+                </a:solidFill>
+                <a:latin typeface="+mn-lt"/>
+                <a:ea typeface="+mn-ea"/>
+                <a:cs typeface="+mn-cs"/>
+              </a:defRPr>
+            </a:lvl3pPr>
+            <a:lvl4pPr marL="1371600" algn="l" defTabSz="914400" rtl="0" eaLnBrk="1" latinLnBrk="0" hangingPunct="1">
+              <a:defRPr sz="1800" kern="1200">
+                <a:solidFill>
+                  <a:schemeClr val="tx1"/>
+                </a:solidFill>
+                <a:latin typeface="+mn-lt"/>
+                <a:ea typeface="+mn-ea"/>
+                <a:cs typeface="+mn-cs"/>
+              </a:defRPr>
+            </a:lvl4pPr>
+            <a:lvl5pPr marL="1828800" algn="l" defTabSz="914400" rtl="0" eaLnBrk="1" latinLnBrk="0" hangingPunct="1">
+              <a:defRPr sz="1800" kern="1200">
+                <a:solidFill>
+                  <a:schemeClr val="tx1"/>
+                </a:solidFill>
+                <a:latin typeface="+mn-lt"/>
+                <a:ea typeface="+mn-ea"/>
+                <a:cs typeface="+mn-cs"/>
+              </a:defRPr>
+            </a:lvl5pPr>
+            <a:lvl6pPr marL="2286000" algn="l" defTabSz="914400" rtl="0" eaLnBrk="1" latinLnBrk="0" hangingPunct="1">
+              <a:defRPr sz="1800" kern="1200">
+                <a:solidFill>
+                  <a:schemeClr val="tx1"/>
+                </a:solidFill>
+                <a:latin typeface="+mn-lt"/>
+                <a:ea typeface="+mn-ea"/>
+                <a:cs typeface="+mn-cs"/>
+              </a:defRPr>
+            </a:lvl6pPr>
+            <a:lvl7pPr marL="2743200" algn="l" defTabSz="914400" rtl="0" eaLnBrk="1" latinLnBrk="0" hangingPunct="1">
+              <a:defRPr sz="1800" kern="1200">
+                <a:solidFill>
+                  <a:schemeClr val="tx1"/>
+                </a:solidFill>
+                <a:latin typeface="+mn-lt"/>
+                <a:ea typeface="+mn-ea"/>
+                <a:cs typeface="+mn-cs"/>
+              </a:defRPr>
+            </a:lvl7pPr>
+            <a:lvl8pPr marL="3200400" algn="l" defTabSz="914400" rtl="0" eaLnBrk="1" latinLnBrk="0" hangingPunct="1">
+              <a:defRPr sz="1800" kern="1200">
+                <a:solidFill>
+                  <a:schemeClr val="tx1"/>
+                </a:solidFill>
+                <a:latin typeface="+mn-lt"/>
+                <a:ea typeface="+mn-ea"/>
+                <a:cs typeface="+mn-cs"/>
+              </a:defRPr>
+            </a:lvl8pPr>
+            <a:lvl9pPr marL="3657600" algn="l" defTabSz="914400" rtl="0" eaLnBrk="1" latinLnBrk="0" hangingPunct="1">
+              <a:defRPr sz="1800" kern="1200">
+                <a:solidFill>
+                  <a:schemeClr val="tx1"/>
+                </a:solidFill>
+                <a:latin typeface="+mn-lt"/>
+                <a:ea typeface="+mn-ea"/>
+                <a:cs typeface="+mn-cs"/>
+              </a:defRPr>
+            </a:lvl9pPr>
+          </a:lstStyle>
           <a:p>
             <a:pPr marL="38100">
               <a:lnSpc>
@@ -5789,7 +5976,15 @@
               </a:spcBef>
             </a:pPr>
             <a:fld id="{81D60167-4931-47E6-BA6A-407CBD079E47}" type="slidenum">
-              <a:rPr dirty="0"/>
+              <a:rPr lang="en-IN" smtClean="0"/>
+              <a:pPr marL="38100">
+                <a:lnSpc>
+                  <a:spcPct val="100000"/>
+                </a:lnSpc>
+                <a:spcBef>
+                  <a:spcPts val="45"/>
+                </a:spcBef>
+              </a:pPr>
               <a:t>10</a:t>
             </a:fld>
             <a:endParaRPr dirty="0"/>
@@ -5824,55 +6019,42 @@
       <p:sp>
         <p:nvSpPr>
           <p:cNvPr id="2" name="object 2"/>
-          <p:cNvSpPr txBox="1">
-            <a:spLocks noGrp="1"/>
-          </p:cNvSpPr>
-          <p:nvPr>
-            <p:ph type="title"/>
-          </p:nvPr>
+          <p:cNvSpPr txBox="1"/>
+          <p:nvPr/>
         </p:nvSpPr>
         <p:spPr>
           <a:xfrm>
-            <a:off x="740044" y="787342"/>
-            <a:ext cx="11430000" cy="444352"/>
+            <a:off x="756310" y="685800"/>
+            <a:ext cx="8802370" cy="566822"/>
           </a:xfrm>
           <a:prstGeom prst="rect">
             <a:avLst/>
           </a:prstGeom>
         </p:spPr>
         <p:txBody>
-          <a:bodyPr vert="horz" wrap="square" lIns="0" tIns="13335" rIns="0" bIns="0" rtlCol="0">
+          <a:bodyPr vert="horz" wrap="square" lIns="0" tIns="12700" rIns="0" bIns="0" rtlCol="0">
             <a:spAutoFit/>
           </a:bodyPr>
           <a:lstStyle/>
           <a:p>
-            <a:pPr marL="2013585" marR="5080" indent="-2001520">
+            <a:pPr marL="12700">
               <a:lnSpc>
                 <a:spcPct val="100000"/>
               </a:lnSpc>
               <a:spcBef>
-                <a:spcPts val="105"/>
+                <a:spcPts val="100"/>
               </a:spcBef>
             </a:pPr>
             <a:r>
-              <a:rPr sz="2800" dirty="0"/>
-              <a:t>ELECTRICAL </a:t>
-            </a:r>
-            <a:r>
-              <a:rPr sz="2800" spc="-20" dirty="0"/>
-              <a:t>PROPERTIES </a:t>
-            </a:r>
-            <a:r>
-              <a:rPr sz="2800" dirty="0"/>
-              <a:t>OF ICP</a:t>
-            </a:r>
-            <a:r>
-              <a:rPr sz="2800" spc="-360" dirty="0"/>
-              <a:t> </a:t>
-            </a:r>
-            <a:r>
-              <a:rPr sz="2800" dirty="0"/>
-              <a:t>BASED  NANOCOMPOSITES</a:t>
+              <a:rPr sz="3600" b="1" spc="-25" dirty="0">
+                <a:solidFill>
+                  <a:srgbClr val="3333CC"/>
+                </a:solidFill>
+                <a:latin typeface="+mj-lt"/>
+                <a:ea typeface="+mj-ea"/>
+                <a:cs typeface="+mj-cs"/>
+              </a:rPr>
+              <a:t>ICP AS A MATRIX POLYMER</a:t>
             </a:r>
           </a:p>
         </p:txBody>
@@ -5880,13 +6062,59 @@
       <p:sp>
         <p:nvSpPr>
           <p:cNvPr id="3" name="object 3"/>
+          <p:cNvSpPr txBox="1"/>
+          <p:nvPr/>
+        </p:nvSpPr>
+        <p:spPr>
+          <a:xfrm>
+            <a:off x="793764" y="1252622"/>
+            <a:ext cx="8802370" cy="1608454"/>
+          </a:xfrm>
+          <a:prstGeom prst="rect">
+            <a:avLst/>
+          </a:prstGeom>
+        </p:spPr>
+        <p:txBody>
+          <a:bodyPr vert="horz" wrap="square" lIns="0" tIns="12700" rIns="0" bIns="0" rtlCol="0">
+            <a:spAutoFit/>
+          </a:bodyPr>
+          <a:lstStyle/>
+          <a:p>
+            <a:pPr marL="355600" marR="5080" indent="-342900">
+              <a:lnSpc>
+                <a:spcPct val="150000"/>
+              </a:lnSpc>
+              <a:spcBef>
+                <a:spcPts val="100"/>
+              </a:spcBef>
+              <a:buFont typeface="Wingdings" panose="05000000000000000000" pitchFamily="2" charset="2"/>
+              <a:buChar char="q"/>
+              <a:tabLst>
+                <a:tab pos="354965" algn="l"/>
+              </a:tabLst>
+            </a:pPr>
+            <a:r>
+              <a:rPr b="1" dirty="0">
+                <a:solidFill>
+                  <a:srgbClr val="000000"/>
+                </a:solidFill>
+                <a:cs typeface="Times New Roman" pitchFamily="16" charset="0"/>
+              </a:rPr>
+              <a:t>It provide design flexibility, good filler incorporation-ability, specific  interactions with fillers and microwave non-transparency.</a:t>
+            </a:r>
+          </a:p>
+        </p:txBody>
+      </p:sp>
+      <p:sp>
+        <p:nvSpPr>
+          <p:cNvPr id="4" name="object 4"/>
           <p:cNvSpPr/>
           <p:nvPr/>
         </p:nvSpPr>
         <p:spPr>
           <a:xfrm>
-            <a:off x="3523042" y="1989120"/>
-            <a:ext cx="5967983" cy="3751153"/>
+            <a:off x="2819400" y="3048000"/>
+            <a:ext cx="5603748" cy="3124200"/>
           </a:xfrm>
           <a:prstGeom prst="rect">
             <a:avLst/>
@@ -5908,390 +6136,38 @@
       </p:sp>
       <p:sp>
         <p:nvSpPr>
-          <p:cNvPr id="4" name="object 4"/>
-          <p:cNvSpPr txBox="1"/>
-          <p:nvPr/>
+          <p:cNvPr id="5" name="object 5"/>
+          <p:cNvSpPr txBox="1">
+            <a:spLocks noGrp="1"/>
+          </p:cNvSpPr>
+          <p:nvPr>
+            <p:ph type="sldNum" sz="quarter" idx="7"/>
+          </p:nvPr>
         </p:nvSpPr>
         <p:spPr>
-          <a:xfrm>
-            <a:off x="470712" y="5661761"/>
-            <a:ext cx="9653905" cy="574040"/>
-          </a:xfrm>
           <a:prstGeom prst="rect">
             <a:avLst/>
           </a:prstGeom>
         </p:spPr>
         <p:txBody>
-          <a:bodyPr vert="horz" wrap="square" lIns="0" tIns="12700" rIns="0" bIns="0" rtlCol="0">
+          <a:bodyPr vert="horz" wrap="square" lIns="0" tIns="5715" rIns="0" bIns="0" rtlCol="0">
             <a:spAutoFit/>
           </a:bodyPr>
           <a:lstStyle/>
           <a:p>
-            <a:pPr marL="12700">
+            <a:pPr marL="38100">
               <a:lnSpc>
                 <a:spcPct val="100000"/>
               </a:lnSpc>
               <a:spcBef>
-                <a:spcPts val="100"/>
+                <a:spcPts val="45"/>
               </a:spcBef>
             </a:pPr>
-            <a:r>
-              <a:rPr sz="1800" spc="-25" dirty="0">
-                <a:latin typeface="Times New Roman"/>
-                <a:cs typeface="Times New Roman"/>
-              </a:rPr>
-              <a:t>Variation </a:t>
-            </a:r>
-            <a:r>
-              <a:rPr sz="1800" dirty="0">
-                <a:latin typeface="Times New Roman"/>
-                <a:cs typeface="Times New Roman"/>
-              </a:rPr>
-              <a:t>of electrical conductivity (ln </a:t>
-            </a:r>
-            <a:r>
-              <a:rPr sz="1800" spc="-5" dirty="0">
-                <a:latin typeface="Times New Roman"/>
-                <a:cs typeface="Times New Roman"/>
-              </a:rPr>
-              <a:t>σdc) </a:t>
-            </a:r>
-            <a:r>
-              <a:rPr sz="1800" dirty="0">
-                <a:latin typeface="Times New Roman"/>
-                <a:cs typeface="Times New Roman"/>
-              </a:rPr>
-              <a:t>of hydrochloric acid </a:t>
-            </a:r>
-            <a:r>
-              <a:rPr sz="1800" spc="-5" dirty="0">
-                <a:latin typeface="Times New Roman"/>
-                <a:cs typeface="Times New Roman"/>
-              </a:rPr>
-              <a:t>(HCl) </a:t>
-            </a:r>
-            <a:r>
-              <a:rPr sz="1800" dirty="0">
-                <a:latin typeface="Times New Roman"/>
-                <a:cs typeface="Times New Roman"/>
-              </a:rPr>
-              <a:t>doped</a:t>
-            </a:r>
-            <a:r>
-              <a:rPr sz="1800" spc="-70" dirty="0">
-                <a:latin typeface="Times New Roman"/>
-                <a:cs typeface="Times New Roman"/>
-              </a:rPr>
-              <a:t> </a:t>
-            </a:r>
-            <a:r>
-              <a:rPr sz="1800" dirty="0">
-                <a:latin typeface="Times New Roman"/>
-                <a:cs typeface="Times New Roman"/>
-              </a:rPr>
-              <a:t>Emeraldine</a:t>
-            </a:r>
-            <a:endParaRPr sz="1800">
-              <a:latin typeface="Times New Roman"/>
-              <a:cs typeface="Times New Roman"/>
-            </a:endParaRPr>
-          </a:p>
-          <a:p>
-            <a:pPr marL="12700">
-              <a:lnSpc>
-                <a:spcPct val="100000"/>
-              </a:lnSpc>
-            </a:pPr>
-            <a:r>
-              <a:rPr sz="1800" spc="-5" dirty="0">
-                <a:latin typeface="Times New Roman"/>
-                <a:cs typeface="Times New Roman"/>
-              </a:rPr>
-              <a:t>base (EB) samples as </a:t>
-            </a:r>
-            <a:r>
-              <a:rPr sz="1800" dirty="0">
-                <a:latin typeface="Times New Roman"/>
-                <a:cs typeface="Times New Roman"/>
-              </a:rPr>
-              <a:t>a function of dopant </a:t>
-            </a:r>
-            <a:r>
-              <a:rPr sz="1800" spc="-5" dirty="0">
-                <a:latin typeface="Times New Roman"/>
-                <a:cs typeface="Times New Roman"/>
-              </a:rPr>
-              <a:t>(HCl) </a:t>
-            </a:r>
-            <a:r>
-              <a:rPr sz="1800" dirty="0">
-                <a:latin typeface="Times New Roman"/>
-                <a:cs typeface="Times New Roman"/>
-              </a:rPr>
-              <a:t>concentration (a) 0.0 </a:t>
-            </a:r>
-            <a:r>
-              <a:rPr sz="1800" spc="-5" dirty="0">
-                <a:latin typeface="Times New Roman"/>
-                <a:cs typeface="Times New Roman"/>
-              </a:rPr>
-              <a:t>M </a:t>
-            </a:r>
-            <a:r>
-              <a:rPr sz="1800" dirty="0">
-                <a:latin typeface="Times New Roman"/>
-                <a:cs typeface="Times New Roman"/>
-              </a:rPr>
-              <a:t>(b) 0.001 </a:t>
-            </a:r>
-            <a:r>
-              <a:rPr sz="1800" spc="-5" dirty="0">
-                <a:latin typeface="Times New Roman"/>
-                <a:cs typeface="Times New Roman"/>
-              </a:rPr>
-              <a:t>M, </a:t>
-            </a:r>
-            <a:r>
-              <a:rPr sz="1800" dirty="0">
-                <a:latin typeface="Times New Roman"/>
-                <a:cs typeface="Times New Roman"/>
-              </a:rPr>
-              <a:t>(c) 0.01 </a:t>
-            </a:r>
-            <a:r>
-              <a:rPr sz="1800" spc="-5" dirty="0">
-                <a:latin typeface="Times New Roman"/>
-                <a:cs typeface="Times New Roman"/>
-              </a:rPr>
-              <a:t>M, </a:t>
-            </a:r>
-            <a:r>
-              <a:rPr sz="1800" dirty="0">
-                <a:latin typeface="Times New Roman"/>
-                <a:cs typeface="Times New Roman"/>
-              </a:rPr>
-              <a:t>(d)</a:t>
-            </a:r>
-            <a:r>
-              <a:rPr sz="1800" spc="15" dirty="0">
-                <a:latin typeface="Times New Roman"/>
-                <a:cs typeface="Times New Roman"/>
-              </a:rPr>
-              <a:t> </a:t>
-            </a:r>
-            <a:r>
-              <a:rPr sz="1800" dirty="0">
-                <a:latin typeface="Times New Roman"/>
-                <a:cs typeface="Times New Roman"/>
-              </a:rPr>
-              <a:t>0.1</a:t>
-            </a:r>
-            <a:endParaRPr sz="1800">
-              <a:latin typeface="Times New Roman"/>
-              <a:cs typeface="Times New Roman"/>
-            </a:endParaRPr>
-          </a:p>
-        </p:txBody>
-      </p:sp>
-      <p:sp>
-        <p:nvSpPr>
-          <p:cNvPr id="6" name="object 6"/>
-          <p:cNvSpPr txBox="1"/>
-          <p:nvPr/>
-        </p:nvSpPr>
-        <p:spPr>
-          <a:xfrm>
-            <a:off x="3817492" y="5873818"/>
-            <a:ext cx="5379085" cy="278765"/>
-          </a:xfrm>
-          <a:prstGeom prst="rect">
-            <a:avLst/>
-          </a:prstGeom>
-        </p:spPr>
-        <p:txBody>
-          <a:bodyPr vert="horz" wrap="square" lIns="0" tIns="0" rIns="0" bIns="0" rtlCol="0">
-            <a:spAutoFit/>
-          </a:bodyPr>
-          <a:lstStyle/>
-          <a:p>
-            <a:pPr marL="12700">
-              <a:lnSpc>
-                <a:spcPts val="2065"/>
-              </a:lnSpc>
-            </a:pPr>
-            <a:r>
-              <a:rPr sz="1800" spc="-5" dirty="0">
-                <a:solidFill>
-                  <a:schemeClr val="tx1"/>
-                </a:solidFill>
-                <a:latin typeface="Times New Roman"/>
-                <a:cs typeface="Times New Roman"/>
-              </a:rPr>
-              <a:t>M, </a:t>
-            </a:r>
-            <a:r>
-              <a:rPr sz="1800" dirty="0">
-                <a:solidFill>
-                  <a:schemeClr val="tx1"/>
-                </a:solidFill>
-                <a:latin typeface="Times New Roman"/>
-                <a:cs typeface="Times New Roman"/>
-              </a:rPr>
-              <a:t>(e) 0.3 </a:t>
-            </a:r>
-            <a:r>
-              <a:rPr sz="1800" spc="-5" dirty="0">
-                <a:solidFill>
-                  <a:schemeClr val="tx1"/>
-                </a:solidFill>
-                <a:latin typeface="Times New Roman"/>
-                <a:cs typeface="Times New Roman"/>
-              </a:rPr>
-              <a:t>M, </a:t>
-            </a:r>
-            <a:r>
-              <a:rPr sz="1800" dirty="0">
-                <a:solidFill>
-                  <a:schemeClr val="tx1"/>
-                </a:solidFill>
-                <a:latin typeface="Times New Roman"/>
-                <a:cs typeface="Times New Roman"/>
-              </a:rPr>
-              <a:t>(f) 0.5 </a:t>
-            </a:r>
-            <a:r>
-              <a:rPr sz="1800" spc="-5" dirty="0">
-                <a:solidFill>
-                  <a:schemeClr val="tx1"/>
-                </a:solidFill>
-                <a:latin typeface="Times New Roman"/>
-                <a:cs typeface="Times New Roman"/>
-              </a:rPr>
-              <a:t>M, </a:t>
-            </a:r>
-            <a:r>
-              <a:rPr sz="1800" dirty="0">
-                <a:solidFill>
-                  <a:schemeClr val="tx1"/>
-                </a:solidFill>
-                <a:latin typeface="Times New Roman"/>
-                <a:cs typeface="Times New Roman"/>
-              </a:rPr>
-              <a:t>(g) 0.7 </a:t>
-            </a:r>
-            <a:r>
-              <a:rPr sz="1800" spc="-5" dirty="0">
-                <a:solidFill>
-                  <a:schemeClr val="tx1"/>
-                </a:solidFill>
-                <a:latin typeface="Times New Roman"/>
-                <a:cs typeface="Times New Roman"/>
-              </a:rPr>
-              <a:t>M, </a:t>
-            </a:r>
-            <a:r>
-              <a:rPr sz="1800" dirty="0">
-                <a:solidFill>
-                  <a:schemeClr val="tx1"/>
-                </a:solidFill>
-                <a:latin typeface="Times New Roman"/>
-                <a:cs typeface="Times New Roman"/>
-              </a:rPr>
-              <a:t>(h) 0.9 </a:t>
-            </a:r>
-            <a:r>
-              <a:rPr sz="1800" spc="-5" dirty="0">
-                <a:solidFill>
-                  <a:schemeClr val="tx1"/>
-                </a:solidFill>
-                <a:latin typeface="Times New Roman"/>
-                <a:cs typeface="Times New Roman"/>
-              </a:rPr>
-              <a:t>M </a:t>
-            </a:r>
-            <a:r>
-              <a:rPr sz="1800" dirty="0">
-                <a:solidFill>
-                  <a:schemeClr val="tx1"/>
-                </a:solidFill>
-                <a:latin typeface="Times New Roman"/>
-                <a:cs typeface="Times New Roman"/>
-              </a:rPr>
-              <a:t>and (i) 1.0</a:t>
-            </a:r>
-            <a:r>
-              <a:rPr sz="1800" spc="-80" dirty="0">
-                <a:solidFill>
-                  <a:schemeClr val="tx1"/>
-                </a:solidFill>
-                <a:latin typeface="Times New Roman"/>
-                <a:cs typeface="Times New Roman"/>
-              </a:rPr>
-              <a:t> </a:t>
-            </a:r>
-            <a:r>
-              <a:rPr sz="1800" spc="-5" dirty="0">
-                <a:solidFill>
-                  <a:schemeClr val="tx1"/>
-                </a:solidFill>
-                <a:latin typeface="Times New Roman"/>
-                <a:cs typeface="Times New Roman"/>
-              </a:rPr>
-              <a:t>M</a:t>
-            </a:r>
-            <a:endParaRPr sz="1800" dirty="0">
-              <a:solidFill>
-                <a:schemeClr val="tx1"/>
-              </a:solidFill>
-              <a:latin typeface="Times New Roman"/>
-              <a:cs typeface="Times New Roman"/>
-            </a:endParaRPr>
-          </a:p>
-        </p:txBody>
-      </p:sp>
-      <p:sp>
-        <p:nvSpPr>
-          <p:cNvPr id="5" name="object 5"/>
-          <p:cNvSpPr txBox="1"/>
-          <p:nvPr/>
-        </p:nvSpPr>
-        <p:spPr>
-          <a:xfrm>
-            <a:off x="9051797" y="6140907"/>
-            <a:ext cx="144780" cy="162560"/>
-          </a:xfrm>
-          <a:prstGeom prst="rect">
-            <a:avLst/>
-          </a:prstGeom>
-        </p:spPr>
-        <p:txBody>
-          <a:bodyPr vert="horz" wrap="square" lIns="0" tIns="12700" rIns="0" bIns="0" rtlCol="0">
-            <a:spAutoFit/>
-          </a:bodyPr>
-          <a:lstStyle/>
-          <a:p>
-            <a:pPr marL="12700">
-              <a:lnSpc>
-                <a:spcPct val="100000"/>
-              </a:lnSpc>
-              <a:spcBef>
-                <a:spcPts val="100"/>
-              </a:spcBef>
-            </a:pPr>
-            <a:r>
-              <a:rPr sz="900" spc="-5" dirty="0">
-                <a:solidFill>
-                  <a:srgbClr val="90C225"/>
-                </a:solidFill>
-                <a:latin typeface="Trebuchet MS"/>
-                <a:cs typeface="Trebuchet MS"/>
-              </a:rPr>
+            <a:fld id="{81D60167-4931-47E6-BA6A-407CBD079E47}" type="slidenum">
+              <a:rPr dirty="0"/>
               <a:t>11</a:t>
-            </a:r>
-            <a:endParaRPr sz="900">
-              <a:latin typeface="Trebuchet MS"/>
-              <a:cs typeface="Trebuchet MS"/>
-            </a:endParaRPr>
+            </a:fld>
+            <a:endParaRPr dirty="0"/>
           </a:p>
         </p:txBody>
       </p:sp>
@@ -6332,8 +6208,89 @@
         </p:nvSpPr>
         <p:spPr>
           <a:xfrm>
-            <a:off x="781556" y="748081"/>
-            <a:ext cx="8440420" cy="574040"/>
+            <a:off x="740044" y="787342"/>
+            <a:ext cx="11430000" cy="444352"/>
+          </a:xfrm>
+          <a:prstGeom prst="rect">
+            <a:avLst/>
+          </a:prstGeom>
+        </p:spPr>
+        <p:txBody>
+          <a:bodyPr vert="horz" wrap="square" lIns="0" tIns="13335" rIns="0" bIns="0" rtlCol="0">
+            <a:spAutoFit/>
+          </a:bodyPr>
+          <a:lstStyle/>
+          <a:p>
+            <a:pPr marL="2013585" marR="5080" indent="-2001520">
+              <a:lnSpc>
+                <a:spcPct val="100000"/>
+              </a:lnSpc>
+              <a:spcBef>
+                <a:spcPts val="105"/>
+              </a:spcBef>
+            </a:pPr>
+            <a:r>
+              <a:rPr sz="2800" dirty="0"/>
+              <a:t>ELECTRICAL </a:t>
+            </a:r>
+            <a:r>
+              <a:rPr sz="2800" spc="-20" dirty="0"/>
+              <a:t>PROPERTIES </a:t>
+            </a:r>
+            <a:r>
+              <a:rPr sz="2800" dirty="0"/>
+              <a:t>OF ICP</a:t>
+            </a:r>
+            <a:r>
+              <a:rPr sz="2800" spc="-360" dirty="0"/>
+              <a:t> </a:t>
+            </a:r>
+            <a:r>
+              <a:rPr sz="2800" dirty="0"/>
+              <a:t>BASED  NANOCOMPOSITES</a:t>
+            </a:r>
+          </a:p>
+        </p:txBody>
+      </p:sp>
+      <p:sp>
+        <p:nvSpPr>
+          <p:cNvPr id="3" name="object 3"/>
+          <p:cNvSpPr/>
+          <p:nvPr/>
+        </p:nvSpPr>
+        <p:spPr>
+          <a:xfrm>
+            <a:off x="3523042" y="1989120"/>
+            <a:ext cx="5967983" cy="3751153"/>
+          </a:xfrm>
+          <a:prstGeom prst="rect">
+            <a:avLst/>
+          </a:prstGeom>
+          <a:blipFill>
+            <a:blip r:embed="rId2" cstate="print"/>
+            <a:stretch>
+              <a:fillRect/>
+            </a:stretch>
+          </a:blipFill>
+        </p:spPr>
+        <p:txBody>
+          <a:bodyPr wrap="square" lIns="0" tIns="0" rIns="0" bIns="0" rtlCol="0"/>
+          <a:lstStyle/>
+          <a:p>
+            <a:endParaRPr/>
+          </a:p>
+        </p:txBody>
+      </p:sp>
+      <p:sp>
+        <p:nvSpPr>
+          <p:cNvPr id="4" name="object 4"/>
+          <p:cNvSpPr txBox="1"/>
+          <p:nvPr/>
+        </p:nvSpPr>
+        <p:spPr>
+          <a:xfrm>
+            <a:off x="470712" y="5661761"/>
+            <a:ext cx="9653905" cy="574040"/>
           </a:xfrm>
           <a:prstGeom prst="rect">
             <a:avLst/>
@@ -6354,27 +6311,173 @@
               </a:spcBef>
             </a:pPr>
             <a:r>
-              <a:rPr sz="3600" spc="-40" dirty="0"/>
-              <a:t>APPLICATION</a:t>
-            </a:r>
-            <a:endParaRPr sz="3600" dirty="0"/>
+              <a:rPr sz="1800" spc="-25" dirty="0">
+                <a:latin typeface="Times New Roman"/>
+                <a:cs typeface="Times New Roman"/>
+              </a:rPr>
+              <a:t>Variation </a:t>
+            </a:r>
+            <a:r>
+              <a:rPr sz="1800" dirty="0">
+                <a:latin typeface="Times New Roman"/>
+                <a:cs typeface="Times New Roman"/>
+              </a:rPr>
+              <a:t>of electrical conductivity (ln </a:t>
+            </a:r>
+            <a:r>
+              <a:rPr sz="1800" spc="-5" dirty="0">
+                <a:latin typeface="Times New Roman"/>
+                <a:cs typeface="Times New Roman"/>
+              </a:rPr>
+              <a:t>σdc) </a:t>
+            </a:r>
+            <a:r>
+              <a:rPr sz="1800" dirty="0">
+                <a:latin typeface="Times New Roman"/>
+                <a:cs typeface="Times New Roman"/>
+              </a:rPr>
+              <a:t>of hydrochloric acid </a:t>
+            </a:r>
+            <a:r>
+              <a:rPr sz="1800" spc="-5" dirty="0">
+                <a:latin typeface="Times New Roman"/>
+                <a:cs typeface="Times New Roman"/>
+              </a:rPr>
+              <a:t>(HCl) </a:t>
+            </a:r>
+            <a:r>
+              <a:rPr sz="1800" dirty="0">
+                <a:latin typeface="Times New Roman"/>
+                <a:cs typeface="Times New Roman"/>
+              </a:rPr>
+              <a:t>doped</a:t>
+            </a:r>
+            <a:r>
+              <a:rPr sz="1800" spc="-70" dirty="0">
+                <a:latin typeface="Times New Roman"/>
+                <a:cs typeface="Times New Roman"/>
+              </a:rPr>
+              <a:t> </a:t>
+            </a:r>
+            <a:r>
+              <a:rPr sz="1800" dirty="0">
+                <a:latin typeface="Times New Roman"/>
+                <a:cs typeface="Times New Roman"/>
+              </a:rPr>
+              <a:t>Emeraldine</a:t>
+            </a:r>
+            <a:endParaRPr sz="1800">
+              <a:latin typeface="Times New Roman"/>
+              <a:cs typeface="Times New Roman"/>
+            </a:endParaRPr>
+          </a:p>
+          <a:p>
+            <a:pPr marL="12700">
+              <a:lnSpc>
+                <a:spcPct val="100000"/>
+              </a:lnSpc>
+            </a:pPr>
+            <a:r>
+              <a:rPr sz="1800" spc="-5" dirty="0">
+                <a:latin typeface="Times New Roman"/>
+                <a:cs typeface="Times New Roman"/>
+              </a:rPr>
+              <a:t>base (EB) samples as </a:t>
+            </a:r>
+            <a:r>
+              <a:rPr sz="1800" dirty="0">
+                <a:latin typeface="Times New Roman"/>
+                <a:cs typeface="Times New Roman"/>
+              </a:rPr>
+              <a:t>a function of dopant </a:t>
+            </a:r>
+            <a:r>
+              <a:rPr sz="1800" spc="-5" dirty="0">
+                <a:latin typeface="Times New Roman"/>
+                <a:cs typeface="Times New Roman"/>
+              </a:rPr>
+              <a:t>(HCl) </a:t>
+            </a:r>
+            <a:r>
+              <a:rPr sz="1800" dirty="0">
+                <a:latin typeface="Times New Roman"/>
+                <a:cs typeface="Times New Roman"/>
+              </a:rPr>
+              <a:t>concentration (a) 0.0 </a:t>
+            </a:r>
+            <a:r>
+              <a:rPr sz="1800" spc="-5" dirty="0">
+                <a:latin typeface="Times New Roman"/>
+                <a:cs typeface="Times New Roman"/>
+              </a:rPr>
+              <a:t>M </a:t>
+            </a:r>
+            <a:r>
+              <a:rPr sz="1800" dirty="0">
+                <a:latin typeface="Times New Roman"/>
+                <a:cs typeface="Times New Roman"/>
+              </a:rPr>
+              <a:t>(b) 0.001 </a:t>
+            </a:r>
+            <a:r>
+              <a:rPr sz="1800" spc="-5" dirty="0">
+                <a:latin typeface="Times New Roman"/>
+                <a:cs typeface="Times New Roman"/>
+              </a:rPr>
+              <a:t>M, </a:t>
+            </a:r>
+            <a:r>
+              <a:rPr sz="1800" dirty="0">
+                <a:latin typeface="Times New Roman"/>
+                <a:cs typeface="Times New Roman"/>
+              </a:rPr>
+              <a:t>(c) 0.01 </a:t>
+            </a:r>
+            <a:r>
+              <a:rPr sz="1800" spc="-5" dirty="0">
+                <a:latin typeface="Times New Roman"/>
+                <a:cs typeface="Times New Roman"/>
+              </a:rPr>
+              <a:t>M, </a:t>
+            </a:r>
+            <a:r>
+              <a:rPr sz="1800" dirty="0">
+                <a:latin typeface="Times New Roman"/>
+                <a:cs typeface="Times New Roman"/>
+              </a:rPr>
+              <a:t>(d)</a:t>
+            </a:r>
+            <a:r>
+              <a:rPr sz="1800" spc="15" dirty="0">
+                <a:latin typeface="Times New Roman"/>
+                <a:cs typeface="Times New Roman"/>
+              </a:rPr>
+              <a:t> </a:t>
+            </a:r>
+            <a:r>
+              <a:rPr sz="1800" dirty="0">
+                <a:latin typeface="Times New Roman"/>
+                <a:cs typeface="Times New Roman"/>
+              </a:rPr>
+              <a:t>0.1</a:t>
+            </a:r>
+            <a:endParaRPr sz="1800">
+              <a:latin typeface="Times New Roman"/>
+              <a:cs typeface="Times New Roman"/>
+            </a:endParaRPr>
           </a:p>
         </p:txBody>
       </p:sp>
       <p:sp>
         <p:nvSpPr>
           <p:cNvPr id="6" name="object 6"/>
-          <p:cNvSpPr txBox="1">
-            <a:spLocks noGrp="1"/>
-          </p:cNvSpPr>
-          <p:nvPr>
-            <p:ph type="sldNum" sz="quarter" idx="7"/>
-          </p:nvPr>
+          <p:cNvSpPr txBox="1"/>
+          <p:nvPr/>
         </p:nvSpPr>
         <p:spPr>
           <a:xfrm>
-            <a:off x="9026397" y="6147883"/>
-            <a:ext cx="195579" cy="158114"/>
+            <a:off x="3817492" y="5873818"/>
+            <a:ext cx="5379085" cy="278765"/>
           </a:xfrm>
           <a:prstGeom prst="rect">
             <a:avLst/>
@@ -6384,136 +6487,153 @@
           <a:bodyPr vert="horz" wrap="square" lIns="0" tIns="0" rIns="0" bIns="0" rtlCol="0">
             <a:spAutoFit/>
           </a:bodyPr>
-          <a:lstStyle>
-            <a:defPPr>
-              <a:defRPr lang="en-US"/>
-            </a:defPPr>
-            <a:lvl1pPr marL="0" algn="l" defTabSz="914400" rtl="0" eaLnBrk="1" latinLnBrk="0" hangingPunct="1">
-              <a:defRPr sz="900" b="0" i="0" kern="1200">
-                <a:solidFill>
-                  <a:srgbClr val="90C225"/>
-                </a:solidFill>
-                <a:latin typeface="Trebuchet MS"/>
-                <a:ea typeface="+mn-ea"/>
-                <a:cs typeface="Trebuchet MS"/>
-              </a:defRPr>
-            </a:lvl1pPr>
-            <a:lvl2pPr marL="457200" algn="l" defTabSz="914400" rtl="0" eaLnBrk="1" latinLnBrk="0" hangingPunct="1">
-              <a:defRPr sz="1800" kern="1200">
+          <a:lstStyle/>
+          <a:p>
+            <a:pPr marL="12700">
+              <a:lnSpc>
+                <a:spcPts val="2065"/>
+              </a:lnSpc>
+            </a:pPr>
+            <a:r>
+              <a:rPr sz="1800" spc="-5" dirty="0">
                 <a:solidFill>
                   <a:schemeClr val="tx1"/>
                 </a:solidFill>
-                <a:latin typeface="+mn-lt"/>
-                <a:ea typeface="+mn-ea"/>
-                <a:cs typeface="+mn-cs"/>
-              </a:defRPr>
-            </a:lvl2pPr>
-            <a:lvl3pPr marL="914400" algn="l" defTabSz="914400" rtl="0" eaLnBrk="1" latinLnBrk="0" hangingPunct="1">
-              <a:defRPr sz="1800" kern="1200">
+                <a:latin typeface="Times New Roman"/>
+                <a:cs typeface="Times New Roman"/>
+              </a:rPr>
+              <a:t>M, </a:t>
+            </a:r>
+            <a:r>
+              <a:rPr sz="1800" dirty="0">
                 <a:solidFill>
                   <a:schemeClr val="tx1"/>
                 </a:solidFill>
-                <a:latin typeface="+mn-lt"/>
-                <a:ea typeface="+mn-ea"/>
-                <a:cs typeface="+mn-cs"/>
-              </a:defRPr>
-            </a:lvl3pPr>
-            <a:lvl4pPr marL="1371600" algn="l" defTabSz="914400" rtl="0" eaLnBrk="1" latinLnBrk="0" hangingPunct="1">
-              <a:defRPr sz="1800" kern="1200">
+                <a:latin typeface="Times New Roman"/>
+                <a:cs typeface="Times New Roman"/>
+              </a:rPr>
+              <a:t>(e) 0.3 </a:t>
+            </a:r>
+            <a:r>
+              <a:rPr sz="1800" spc="-5" dirty="0">
                 <a:solidFill>
                   <a:schemeClr val="tx1"/>
                 </a:solidFill>
-                <a:latin typeface="+mn-lt"/>
-                <a:ea typeface="+mn-ea"/>
-                <a:cs typeface="+mn-cs"/>
-              </a:defRPr>
-            </a:lvl4pPr>
-            <a:lvl5pPr marL="1828800" algn="l" defTabSz="914400" rtl="0" eaLnBrk="1" latinLnBrk="0" hangingPunct="1">
-              <a:defRPr sz="1800" kern="1200">
+                <a:latin typeface="Times New Roman"/>
+                <a:cs typeface="Times New Roman"/>
+              </a:rPr>
+              <a:t>M, </a:t>
+            </a:r>
+            <a:r>
+              <a:rPr sz="1800" dirty="0">
                 <a:solidFill>
                   <a:schemeClr val="tx1"/>
                 </a:solidFill>
-                <a:latin typeface="+mn-lt"/>
-                <a:ea typeface="+mn-ea"/>
-                <a:cs typeface="+mn-cs"/>
-              </a:defRPr>
-            </a:lvl5pPr>
-            <a:lvl6pPr marL="2286000" algn="l" defTabSz="914400" rtl="0" eaLnBrk="1" latinLnBrk="0" hangingPunct="1">
-              <a:defRPr sz="1800" kern="1200">
+                <a:latin typeface="Times New Roman"/>
+                <a:cs typeface="Times New Roman"/>
+              </a:rPr>
+              <a:t>(f) 0.5 </a:t>
+            </a:r>
+            <a:r>
+              <a:rPr sz="1800" spc="-5" dirty="0">
                 <a:solidFill>
                   <a:schemeClr val="tx1"/>
                 </a:solidFill>
-                <a:latin typeface="+mn-lt"/>
-                <a:ea typeface="+mn-ea"/>
-                <a:cs typeface="+mn-cs"/>
-              </a:defRPr>
-            </a:lvl6pPr>
-            <a:lvl7pPr marL="2743200" algn="l" defTabSz="914400" rtl="0" eaLnBrk="1" latinLnBrk="0" hangingPunct="1">
-              <a:defRPr sz="1800" kern="1200">
+                <a:latin typeface="Times New Roman"/>
+                <a:cs typeface="Times New Roman"/>
+              </a:rPr>
+              <a:t>M, </a:t>
+            </a:r>
+            <a:r>
+              <a:rPr sz="1800" dirty="0">
                 <a:solidFill>
                   <a:schemeClr val="tx1"/>
                 </a:solidFill>
-                <a:latin typeface="+mn-lt"/>
-                <a:ea typeface="+mn-ea"/>
-                <a:cs typeface="+mn-cs"/>
-              </a:defRPr>
-            </a:lvl7pPr>
-            <a:lvl8pPr marL="3200400" algn="l" defTabSz="914400" rtl="0" eaLnBrk="1" latinLnBrk="0" hangingPunct="1">
-              <a:defRPr sz="1800" kern="1200">
+                <a:latin typeface="Times New Roman"/>
+                <a:cs typeface="Times New Roman"/>
+              </a:rPr>
+              <a:t>(g) 0.7 </a:t>
+            </a:r>
+            <a:r>
+              <a:rPr sz="1800" spc="-5" dirty="0">
                 <a:solidFill>
                   <a:schemeClr val="tx1"/>
                 </a:solidFill>
-                <a:latin typeface="+mn-lt"/>
-                <a:ea typeface="+mn-ea"/>
-                <a:cs typeface="+mn-cs"/>
-              </a:defRPr>
-            </a:lvl8pPr>
-            <a:lvl9pPr marL="3657600" algn="l" defTabSz="914400" rtl="0" eaLnBrk="1" latinLnBrk="0" hangingPunct="1">
-              <a:defRPr sz="1800" kern="1200">
+                <a:latin typeface="Times New Roman"/>
+                <a:cs typeface="Times New Roman"/>
+              </a:rPr>
+              <a:t>M, </a:t>
+            </a:r>
+            <a:r>
+              <a:rPr sz="1800" dirty="0">
                 <a:solidFill>
                   <a:schemeClr val="tx1"/>
                 </a:solidFill>
-                <a:latin typeface="+mn-lt"/>
-                <a:ea typeface="+mn-ea"/>
-                <a:cs typeface="+mn-cs"/>
-              </a:defRPr>
-            </a:lvl9pPr>
-          </a:lstStyle>
-          <a:p>
-            <a:pPr marL="38100">
-              <a:lnSpc>
-                <a:spcPct val="100000"/>
-              </a:lnSpc>
-              <a:spcBef>
-                <a:spcPts val="45"/>
-              </a:spcBef>
-            </a:pPr>
-            <a:fld id="{81D60167-4931-47E6-BA6A-407CBD079E47}" type="slidenum">
-              <a:rPr lang="en-IN" smtClean="0"/>
-              <a:pPr marL="38100">
-                <a:lnSpc>
-                  <a:spcPct val="100000"/>
-                </a:lnSpc>
-                <a:spcBef>
-                  <a:spcPts val="45"/>
-                </a:spcBef>
-              </a:pPr>
-              <a:t>12</a:t>
-            </a:fld>
-            <a:endParaRPr dirty="0"/>
-          </a:p>
-        </p:txBody>
-      </p:sp>
-      <p:sp>
-        <p:nvSpPr>
-          <p:cNvPr id="3" name="object 3"/>
+                <a:latin typeface="Times New Roman"/>
+                <a:cs typeface="Times New Roman"/>
+              </a:rPr>
+              <a:t>(h) 0.9 </a:t>
+            </a:r>
+            <a:r>
+              <a:rPr sz="1800" spc="-5" dirty="0">
+                <a:solidFill>
+                  <a:schemeClr val="tx1"/>
+                </a:solidFill>
+                <a:latin typeface="Times New Roman"/>
+                <a:cs typeface="Times New Roman"/>
+              </a:rPr>
+              <a:t>M </a:t>
+            </a:r>
+            <a:r>
+              <a:rPr sz="1800" dirty="0">
+                <a:solidFill>
+                  <a:schemeClr val="tx1"/>
+                </a:solidFill>
+                <a:latin typeface="Times New Roman"/>
+                <a:cs typeface="Times New Roman"/>
+              </a:rPr>
+              <a:t>and (i) 1.0</a:t>
+            </a:r>
+            <a:r>
+              <a:rPr sz="1800" spc="-80" dirty="0">
+                <a:solidFill>
+                  <a:schemeClr val="tx1"/>
+                </a:solidFill>
+                <a:latin typeface="Times New Roman"/>
+                <a:cs typeface="Times New Roman"/>
+              </a:rPr>
+              <a:t> </a:t>
+            </a:r>
+            <a:r>
+              <a:rPr sz="1800" spc="-5" dirty="0">
+                <a:solidFill>
+                  <a:schemeClr val="tx1"/>
+                </a:solidFill>
+                <a:latin typeface="Times New Roman"/>
+                <a:cs typeface="Times New Roman"/>
+              </a:rPr>
+              <a:t>M</a:t>
+            </a:r>
+            <a:endParaRPr sz="1800" dirty="0">
+              <a:solidFill>
+                <a:schemeClr val="tx1"/>
+              </a:solidFill>
+              <a:latin typeface="Times New Roman"/>
+              <a:cs typeface="Times New Roman"/>
+            </a:endParaRPr>
+          </a:p>
+        </p:txBody>
+      </p:sp>
+      <p:sp>
+        <p:nvSpPr>
+          <p:cNvPr id="5" name="object 5"/>
           <p:cNvSpPr txBox="1"/>
           <p:nvPr/>
         </p:nvSpPr>
         <p:spPr>
           <a:xfrm>
-            <a:off x="756310" y="1375917"/>
-            <a:ext cx="11435690" cy="5337359"/>
+            <a:off x="9051797" y="6140907"/>
+            <a:ext cx="144780" cy="162560"/>
           </a:xfrm>
           <a:prstGeom prst="rect">
             <a:avLst/>
@@ -6524,425 +6644,28 @@
             <a:spAutoFit/>
           </a:bodyPr>
           <a:lstStyle/>
-          <a:p>
-            <a:pPr marL="355600" indent="-342900">
-              <a:spcBef>
-                <a:spcPts val="100"/>
-              </a:spcBef>
-              <a:buFont typeface="Wingdings" panose="05000000000000000000" pitchFamily="2" charset="2"/>
-              <a:buChar char="q"/>
-              <a:tabLst>
-                <a:tab pos="354965" algn="l"/>
-              </a:tabLst>
-            </a:pPr>
-            <a:r>
-              <a:rPr b="1" dirty="0">
-                <a:solidFill>
-                  <a:srgbClr val="000000"/>
-                </a:solidFill>
-                <a:cs typeface="Times New Roman" pitchFamily="16" charset="0"/>
-              </a:rPr>
-              <a:t>Fabrication of organic thin film transistors</a:t>
-            </a:r>
-            <a:r>
-              <a:rPr lang="en-IN" b="1" dirty="0">
-                <a:solidFill>
-                  <a:srgbClr val="000000"/>
-                </a:solidFill>
-                <a:cs typeface="Times New Roman" pitchFamily="16" charset="0"/>
-              </a:rPr>
-              <a:t>.</a:t>
-            </a:r>
-            <a:endParaRPr b="1" dirty="0">
-              <a:solidFill>
-                <a:srgbClr val="000000"/>
-              </a:solidFill>
-              <a:cs typeface="Times New Roman" pitchFamily="16" charset="0"/>
-            </a:endParaRPr>
-          </a:p>
-          <a:p>
-            <a:pPr marL="355600" indent="-342900">
-              <a:spcBef>
-                <a:spcPts val="130"/>
-              </a:spcBef>
-              <a:buFont typeface="Wingdings" panose="05000000000000000000" pitchFamily="2" charset="2"/>
-              <a:buChar char="q"/>
-              <a:tabLst>
-                <a:tab pos="354965" algn="l"/>
-              </a:tabLst>
-            </a:pPr>
-            <a:r>
-              <a:rPr b="1" dirty="0">
-                <a:solidFill>
-                  <a:srgbClr val="000000"/>
-                </a:solidFill>
-                <a:cs typeface="Times New Roman" pitchFamily="16" charset="0"/>
-              </a:rPr>
-              <a:t>Non-volatile memory devices based on organic transistors</a:t>
-            </a:r>
-            <a:r>
-              <a:rPr lang="en-IN" b="1" dirty="0">
-                <a:solidFill>
-                  <a:srgbClr val="000000"/>
-                </a:solidFill>
-                <a:cs typeface="Times New Roman" pitchFamily="16" charset="0"/>
-              </a:rPr>
-              <a:t>.</a:t>
-            </a:r>
-            <a:endParaRPr b="1" dirty="0">
-              <a:solidFill>
-                <a:srgbClr val="000000"/>
-              </a:solidFill>
-              <a:cs typeface="Times New Roman" pitchFamily="16" charset="0"/>
-            </a:endParaRPr>
-          </a:p>
-          <a:p>
-            <a:pPr marL="355600" indent="-342900">
-              <a:spcBef>
-                <a:spcPts val="145"/>
-              </a:spcBef>
-              <a:buFont typeface="Wingdings" panose="05000000000000000000" pitchFamily="2" charset="2"/>
-              <a:buChar char="q"/>
-              <a:tabLst>
-                <a:tab pos="354965" algn="l"/>
-                <a:tab pos="2188845" algn="l"/>
-                <a:tab pos="2633980" algn="l"/>
-                <a:tab pos="3502660" algn="l"/>
-                <a:tab pos="5029835" algn="l"/>
-                <a:tab pos="6355715" algn="l"/>
-                <a:tab pos="6903084" algn="l"/>
-              </a:tabLst>
-            </a:pPr>
-            <a:r>
-              <a:rPr b="1" dirty="0">
-                <a:solidFill>
-                  <a:srgbClr val="000000"/>
-                </a:solidFill>
-                <a:cs typeface="Times New Roman" pitchFamily="16" charset="0"/>
-              </a:rPr>
-              <a:t>Development	of	novel	conjugated	polymers	for	photovoltaic</a:t>
-            </a:r>
-            <a:r>
-              <a:rPr lang="en-IN" b="1" dirty="0">
-                <a:solidFill>
-                  <a:srgbClr val="000000"/>
-                </a:solidFill>
-                <a:cs typeface="Times New Roman" pitchFamily="16" charset="0"/>
-              </a:rPr>
-              <a:t> </a:t>
-            </a:r>
-            <a:r>
-              <a:rPr b="1" dirty="0">
-                <a:solidFill>
-                  <a:srgbClr val="000000"/>
-                </a:solidFill>
-                <a:cs typeface="Times New Roman" pitchFamily="16" charset="0"/>
-              </a:rPr>
-              <a:t>device applications</a:t>
-            </a:r>
-            <a:r>
-              <a:rPr lang="en-IN" b="1" dirty="0">
-                <a:solidFill>
-                  <a:srgbClr val="000000"/>
-                </a:solidFill>
-                <a:cs typeface="Times New Roman" pitchFamily="16" charset="0"/>
-              </a:rPr>
-              <a:t>.</a:t>
-            </a:r>
-            <a:endParaRPr b="1" dirty="0">
-              <a:solidFill>
-                <a:srgbClr val="000000"/>
-              </a:solidFill>
-              <a:cs typeface="Times New Roman" pitchFamily="16" charset="0"/>
-            </a:endParaRPr>
-          </a:p>
-          <a:p>
-            <a:pPr marL="355600" indent="-342900">
-              <a:spcBef>
-                <a:spcPts val="130"/>
-              </a:spcBef>
-              <a:buFont typeface="Wingdings" panose="05000000000000000000" pitchFamily="2" charset="2"/>
-              <a:buChar char="q"/>
-              <a:tabLst>
-                <a:tab pos="354965" algn="l"/>
-              </a:tabLst>
-            </a:pPr>
-            <a:r>
-              <a:rPr b="1" dirty="0">
-                <a:solidFill>
-                  <a:srgbClr val="000000"/>
-                </a:solidFill>
-                <a:cs typeface="Times New Roman" pitchFamily="16" charset="0"/>
-              </a:rPr>
-              <a:t>Fabrication of organic photovoltaic cells</a:t>
-            </a:r>
-            <a:r>
-              <a:rPr lang="en-IN" b="1" dirty="0">
-                <a:solidFill>
-                  <a:srgbClr val="000000"/>
-                </a:solidFill>
-                <a:cs typeface="Times New Roman" pitchFamily="16" charset="0"/>
-              </a:rPr>
-              <a:t>.</a:t>
-            </a:r>
-            <a:endParaRPr b="1" dirty="0">
-              <a:solidFill>
-                <a:srgbClr val="000000"/>
-              </a:solidFill>
-              <a:cs typeface="Times New Roman" pitchFamily="16" charset="0"/>
-            </a:endParaRPr>
-          </a:p>
-          <a:p>
-            <a:pPr marL="355600" indent="-342900">
-              <a:spcBef>
-                <a:spcPts val="135"/>
-              </a:spcBef>
-              <a:buFont typeface="Wingdings" panose="05000000000000000000" pitchFamily="2" charset="2"/>
-              <a:buChar char="q"/>
-              <a:tabLst>
-                <a:tab pos="354965" algn="l"/>
-              </a:tabLst>
-            </a:pPr>
-            <a:r>
-              <a:rPr b="1" dirty="0">
-                <a:solidFill>
-                  <a:srgbClr val="000000"/>
-                </a:solidFill>
-                <a:cs typeface="Times New Roman" pitchFamily="16" charset="0"/>
-              </a:rPr>
-              <a:t>Fabrication of organic light-emitting devices (OLED)</a:t>
-            </a:r>
-            <a:r>
-              <a:rPr lang="en-IN" b="1" dirty="0">
-                <a:solidFill>
-                  <a:srgbClr val="000000"/>
-                </a:solidFill>
-                <a:cs typeface="Times New Roman" pitchFamily="16" charset="0"/>
-              </a:rPr>
-              <a:t>.</a:t>
-            </a:r>
-            <a:endParaRPr b="1" dirty="0">
-              <a:solidFill>
-                <a:srgbClr val="000000"/>
-              </a:solidFill>
-              <a:cs typeface="Times New Roman" pitchFamily="16" charset="0"/>
-            </a:endParaRPr>
-          </a:p>
-          <a:p>
-            <a:pPr marL="355600" indent="-342900">
-              <a:spcBef>
-                <a:spcPts val="140"/>
-              </a:spcBef>
-              <a:buFont typeface="Wingdings" panose="05000000000000000000" pitchFamily="2" charset="2"/>
-              <a:buChar char="q"/>
-              <a:tabLst>
-                <a:tab pos="354965" algn="l"/>
-              </a:tabLst>
-            </a:pPr>
-            <a:r>
-              <a:rPr b="1" dirty="0">
-                <a:solidFill>
-                  <a:srgbClr val="000000"/>
-                </a:solidFill>
-                <a:cs typeface="Times New Roman" pitchFamily="16" charset="0"/>
-              </a:rPr>
-              <a:t>Ferroelectric polymers for thin film devices</a:t>
-            </a:r>
-            <a:r>
-              <a:rPr lang="en-IN" b="1" dirty="0">
-                <a:solidFill>
-                  <a:srgbClr val="000000"/>
-                </a:solidFill>
-                <a:cs typeface="Times New Roman" pitchFamily="16" charset="0"/>
-              </a:rPr>
-              <a:t>.</a:t>
-            </a:r>
-            <a:endParaRPr b="1" dirty="0">
-              <a:solidFill>
-                <a:srgbClr val="000000"/>
-              </a:solidFill>
-              <a:cs typeface="Times New Roman" pitchFamily="16" charset="0"/>
-            </a:endParaRPr>
-          </a:p>
-          <a:p>
-            <a:pPr marL="355600" indent="-342900">
-              <a:spcBef>
-                <a:spcPts val="135"/>
-              </a:spcBef>
-              <a:buFont typeface="Wingdings" panose="05000000000000000000" pitchFamily="2" charset="2"/>
-              <a:buChar char="q"/>
-              <a:tabLst>
-                <a:tab pos="354965" algn="l"/>
-              </a:tabLst>
-            </a:pPr>
-            <a:r>
-              <a:rPr b="1" dirty="0">
-                <a:solidFill>
-                  <a:srgbClr val="000000"/>
-                </a:solidFill>
-                <a:cs typeface="Times New Roman" pitchFamily="16" charset="0"/>
-              </a:rPr>
-              <a:t>Gene Sensors</a:t>
-            </a:r>
-            <a:r>
-              <a:rPr lang="en-IN" b="1" dirty="0">
-                <a:solidFill>
-                  <a:srgbClr val="000000"/>
-                </a:solidFill>
-                <a:cs typeface="Times New Roman" pitchFamily="16" charset="0"/>
-              </a:rPr>
-              <a:t>.</a:t>
-            </a:r>
-            <a:endParaRPr b="1" dirty="0">
-              <a:solidFill>
-                <a:srgbClr val="000000"/>
-              </a:solidFill>
-              <a:cs typeface="Times New Roman" pitchFamily="16" charset="0"/>
-            </a:endParaRPr>
-          </a:p>
-          <a:p>
-            <a:pPr marL="355600" indent="-342900">
-              <a:spcBef>
-                <a:spcPts val="135"/>
-              </a:spcBef>
-              <a:buFont typeface="Wingdings" panose="05000000000000000000" pitchFamily="2" charset="2"/>
-              <a:buChar char="q"/>
-              <a:tabLst>
-                <a:tab pos="354965" algn="l"/>
-              </a:tabLst>
-            </a:pPr>
-            <a:r>
-              <a:rPr b="1" dirty="0">
-                <a:solidFill>
-                  <a:srgbClr val="000000"/>
-                </a:solidFill>
-                <a:cs typeface="Times New Roman" pitchFamily="16" charset="0"/>
-              </a:rPr>
-              <a:t>Printed Electronics</a:t>
-            </a:r>
-            <a:r>
-              <a:rPr lang="en-IN" b="1" dirty="0">
-                <a:solidFill>
-                  <a:srgbClr val="000000"/>
-                </a:solidFill>
-                <a:cs typeface="Times New Roman" pitchFamily="16" charset="0"/>
-              </a:rPr>
-              <a:t>.</a:t>
-            </a:r>
-            <a:endParaRPr b="1" dirty="0">
-              <a:solidFill>
-                <a:srgbClr val="000000"/>
-              </a:solidFill>
-              <a:cs typeface="Times New Roman" pitchFamily="16" charset="0"/>
-            </a:endParaRPr>
-          </a:p>
-          <a:p>
-            <a:pPr marL="355600" indent="-342900">
-              <a:spcBef>
-                <a:spcPts val="140"/>
-              </a:spcBef>
-              <a:buFont typeface="Wingdings" panose="05000000000000000000" pitchFamily="2" charset="2"/>
-              <a:buChar char="q"/>
-              <a:tabLst>
-                <a:tab pos="354965" algn="l"/>
-              </a:tabLst>
-            </a:pPr>
-            <a:r>
-              <a:rPr b="1" dirty="0">
-                <a:solidFill>
-                  <a:srgbClr val="000000"/>
-                </a:solidFill>
-                <a:cs typeface="Times New Roman" pitchFamily="16" charset="0"/>
-              </a:rPr>
-              <a:t>Conducting Polymer Actuators and Micropumps.</a:t>
-            </a:r>
-          </a:p>
-          <a:p>
-            <a:pPr marL="355600" indent="-342900">
-              <a:spcBef>
-                <a:spcPts val="135"/>
-              </a:spcBef>
-              <a:buFont typeface="Wingdings" panose="05000000000000000000" pitchFamily="2" charset="2"/>
-              <a:buChar char="q"/>
-              <a:tabLst>
-                <a:tab pos="354965" algn="l"/>
-              </a:tabLst>
-            </a:pPr>
-            <a:r>
-              <a:rPr b="1" dirty="0">
-                <a:solidFill>
-                  <a:srgbClr val="000000"/>
-                </a:solidFill>
-                <a:cs typeface="Times New Roman" pitchFamily="16" charset="0"/>
-              </a:rPr>
-              <a:t>Responsive Membranes/Hybrid Plastics.</a:t>
-            </a:r>
-            <a:endParaRPr lang="en-IN" b="1" dirty="0">
-              <a:solidFill>
-                <a:srgbClr val="000000"/>
-              </a:solidFill>
-              <a:cs typeface="Times New Roman" pitchFamily="16" charset="0"/>
-            </a:endParaRPr>
-          </a:p>
-          <a:p>
-            <a:pPr marL="355600" indent="-342900">
-              <a:spcBef>
-                <a:spcPts val="135"/>
-              </a:spcBef>
-              <a:buFont typeface="Wingdings" panose="05000000000000000000" pitchFamily="2" charset="2"/>
-              <a:buChar char="q"/>
-              <a:tabLst>
-                <a:tab pos="354965" algn="l"/>
-              </a:tabLst>
-            </a:pPr>
-            <a:r>
-              <a:rPr lang="en-IN" b="1" dirty="0" err="1">
-                <a:solidFill>
-                  <a:srgbClr val="000000"/>
-                </a:solidFill>
-                <a:cs typeface="Times New Roman" pitchFamily="16" charset="0"/>
-              </a:rPr>
-              <a:t>focusednupon</a:t>
-            </a:r>
-            <a:r>
-              <a:rPr lang="en-IN" b="1" dirty="0">
-                <a:solidFill>
-                  <a:srgbClr val="000000"/>
-                </a:solidFill>
-                <a:cs typeface="Times New Roman" pitchFamily="16" charset="0"/>
-              </a:rPr>
-              <a:t>	polymer membranes	that incorporated electronically conducting polymers and piezoelectric polymers.</a:t>
-            </a:r>
-          </a:p>
-          <a:p>
-            <a:pPr marL="12700">
-              <a:spcBef>
-                <a:spcPts val="135"/>
-              </a:spcBef>
-              <a:tabLst>
-                <a:tab pos="354965" algn="l"/>
-              </a:tabLst>
-            </a:pPr>
-            <a:endParaRPr lang="en-IN" sz="2400" dirty="0">
-              <a:latin typeface="Times New Roman"/>
-              <a:cs typeface="Times New Roman"/>
-            </a:endParaRPr>
-          </a:p>
           <a:p>
             <a:pPr marL="12700">
               <a:lnSpc>
                 <a:spcPct val="100000"/>
               </a:lnSpc>
               <a:spcBef>
-                <a:spcPts val="135"/>
+                <a:spcPts val="100"/>
               </a:spcBef>
-              <a:tabLst>
-                <a:tab pos="354965" algn="l"/>
-              </a:tabLst>
-            </a:pPr>
-            <a:endParaRPr sz="2400" dirty="0">
-              <a:latin typeface="Times New Roman"/>
-              <a:cs typeface="Times New Roman"/>
+            </a:pPr>
+            <a:r>
+              <a:rPr sz="900" spc="-5" dirty="0">
+                <a:solidFill>
+                  <a:srgbClr val="90C225"/>
+                </a:solidFill>
+                <a:latin typeface="Trebuchet MS"/>
+                <a:cs typeface="Trebuchet MS"/>
+              </a:rPr>
+              <a:t>11</a:t>
+            </a:r>
+            <a:endParaRPr sz="900">
+              <a:latin typeface="Trebuchet MS"/>
+              <a:cs typeface="Trebuchet MS"/>
             </a:endParaRPr>
           </a:p>
         </p:txBody>
@@ -6984,8 +6707,8 @@
         </p:nvSpPr>
         <p:spPr>
           <a:xfrm>
-            <a:off x="785792" y="757650"/>
-            <a:ext cx="7514464" cy="574040"/>
+            <a:off x="781556" y="748081"/>
+            <a:ext cx="8440420" cy="574040"/>
           </a:xfrm>
           <a:prstGeom prst="rect">
             <a:avLst/>
@@ -7006,338 +6729,16 @@
               </a:spcBef>
             </a:pPr>
             <a:r>
-              <a:rPr sz="3600" dirty="0"/>
-              <a:t>PRINTED</a:t>
-            </a:r>
-            <a:r>
-              <a:rPr sz="3600" spc="-75" dirty="0"/>
-              <a:t> </a:t>
-            </a:r>
-            <a:r>
-              <a:rPr sz="3600" dirty="0"/>
-              <a:t>ELECTRONICS</a:t>
-            </a:r>
+              <a:rPr sz="3600" spc="-40" dirty="0"/>
+              <a:t>APPLICATION</a:t>
+            </a:r>
+            <a:endParaRPr sz="3600" dirty="0"/>
           </a:p>
         </p:txBody>
       </p:sp>
       <p:sp>
         <p:nvSpPr>
           <p:cNvPr id="6" name="object 6"/>
-          <p:cNvSpPr txBox="1"/>
-          <p:nvPr/>
-        </p:nvSpPr>
-        <p:spPr>
-          <a:xfrm>
-            <a:off x="1676400" y="2842869"/>
-            <a:ext cx="5038725" cy="391795"/>
-          </a:xfrm>
-          <a:prstGeom prst="rect">
-            <a:avLst/>
-          </a:prstGeom>
-        </p:spPr>
-        <p:txBody>
-          <a:bodyPr vert="horz" wrap="square" lIns="0" tIns="12700" rIns="0" bIns="0" rtlCol="0">
-            <a:spAutoFit/>
-          </a:bodyPr>
-          <a:lstStyle/>
-          <a:p>
-            <a:pPr marL="12700">
-              <a:lnSpc>
-                <a:spcPct val="100000"/>
-              </a:lnSpc>
-              <a:spcBef>
-                <a:spcPts val="100"/>
-              </a:spcBef>
-              <a:tabLst>
-                <a:tab pos="486409" algn="l"/>
-                <a:tab pos="1080770" algn="l"/>
-                <a:tab pos="2266950" algn="l"/>
-                <a:tab pos="3400425" algn="l"/>
-                <a:tab pos="4601845" algn="l"/>
-              </a:tabLst>
-            </a:pPr>
-            <a:r>
-              <a:rPr sz="2400" spc="-5" dirty="0">
-                <a:latin typeface="Times New Roman"/>
-                <a:cs typeface="Times New Roman"/>
-              </a:rPr>
-              <a:t>o</a:t>
-            </a:r>
-            <a:r>
-              <a:rPr sz="2400" dirty="0">
-                <a:latin typeface="Times New Roman"/>
-                <a:cs typeface="Times New Roman"/>
-              </a:rPr>
-              <a:t>f	the	prin</a:t>
-            </a:r>
-            <a:r>
-              <a:rPr sz="2400" spc="-15" dirty="0">
-                <a:latin typeface="Times New Roman"/>
-                <a:cs typeface="Times New Roman"/>
-              </a:rPr>
-              <a:t>t</a:t>
-            </a:r>
-            <a:r>
-              <a:rPr sz="2400" dirty="0">
-                <a:latin typeface="Times New Roman"/>
-                <a:cs typeface="Times New Roman"/>
-              </a:rPr>
-              <a:t>ing	pro</a:t>
-            </a:r>
-            <a:r>
-              <a:rPr sz="2400" spc="-10" dirty="0">
-                <a:latin typeface="Times New Roman"/>
-                <a:cs typeface="Times New Roman"/>
-              </a:rPr>
-              <a:t>c</a:t>
-            </a:r>
-            <a:r>
-              <a:rPr sz="2400" dirty="0">
-                <a:latin typeface="Times New Roman"/>
-                <a:cs typeface="Times New Roman"/>
-              </a:rPr>
-              <a:t>e</a:t>
-            </a:r>
-            <a:r>
-              <a:rPr sz="2400" spc="-10" dirty="0">
-                <a:latin typeface="Times New Roman"/>
-                <a:cs typeface="Times New Roman"/>
-              </a:rPr>
-              <a:t>s</a:t>
-            </a:r>
-            <a:r>
-              <a:rPr sz="2400" dirty="0">
-                <a:latin typeface="Times New Roman"/>
-                <a:cs typeface="Times New Roman"/>
-              </a:rPr>
-              <a:t>s	sele</a:t>
-            </a:r>
-            <a:r>
-              <a:rPr sz="2400" spc="-15" dirty="0">
-                <a:latin typeface="Times New Roman"/>
-                <a:cs typeface="Times New Roman"/>
-              </a:rPr>
-              <a:t>c</a:t>
-            </a:r>
-            <a:r>
-              <a:rPr sz="2400" dirty="0">
-                <a:latin typeface="Times New Roman"/>
-                <a:cs typeface="Times New Roman"/>
-              </a:rPr>
-              <a:t>ted	can</a:t>
-            </a:r>
-          </a:p>
-        </p:txBody>
-      </p:sp>
-      <p:sp>
-        <p:nvSpPr>
-          <p:cNvPr id="8" name="object 8"/>
-          <p:cNvSpPr txBox="1"/>
-          <p:nvPr/>
-        </p:nvSpPr>
-        <p:spPr>
-          <a:xfrm>
-            <a:off x="2351277" y="4813807"/>
-            <a:ext cx="2013585" cy="757555"/>
-          </a:xfrm>
-          <a:prstGeom prst="rect">
-            <a:avLst/>
-          </a:prstGeom>
-        </p:spPr>
-        <p:txBody>
-          <a:bodyPr vert="horz" wrap="square" lIns="0" tIns="12700" rIns="0" bIns="0" rtlCol="0">
-            <a:spAutoFit/>
-          </a:bodyPr>
-          <a:lstStyle/>
-          <a:p>
-            <a:pPr marL="123825" marR="5080" indent="-111760">
-              <a:lnSpc>
-                <a:spcPct val="100000"/>
-              </a:lnSpc>
-              <a:spcBef>
-                <a:spcPts val="100"/>
-              </a:spcBef>
-            </a:pPr>
-            <a:r>
-              <a:rPr sz="2400" spc="-5" dirty="0">
-                <a:latin typeface="Times New Roman"/>
-                <a:cs typeface="Times New Roman"/>
-              </a:rPr>
-              <a:t>se</a:t>
-            </a:r>
-            <a:r>
-              <a:rPr sz="2400" spc="-20" dirty="0">
-                <a:latin typeface="Times New Roman"/>
-                <a:cs typeface="Times New Roman"/>
-              </a:rPr>
-              <a:t>m</a:t>
-            </a:r>
-            <a:r>
-              <a:rPr sz="2400" dirty="0">
-                <a:latin typeface="Times New Roman"/>
-                <a:cs typeface="Times New Roman"/>
-              </a:rPr>
-              <a:t>icondu</a:t>
-            </a:r>
-            <a:r>
-              <a:rPr sz="2400" spc="5" dirty="0">
-                <a:latin typeface="Times New Roman"/>
-                <a:cs typeface="Times New Roman"/>
-              </a:rPr>
-              <a:t>c</a:t>
-            </a:r>
-            <a:r>
-              <a:rPr sz="2400" dirty="0">
-                <a:latin typeface="Times New Roman"/>
-                <a:cs typeface="Times New Roman"/>
-              </a:rPr>
-              <a:t>t</a:t>
-            </a:r>
-            <a:r>
-              <a:rPr sz="2400" spc="-10" dirty="0">
-                <a:latin typeface="Times New Roman"/>
-                <a:cs typeface="Times New Roman"/>
-              </a:rPr>
-              <a:t>o</a:t>
-            </a:r>
-            <a:r>
-              <a:rPr sz="2400" spc="-5" dirty="0">
-                <a:latin typeface="Times New Roman"/>
-                <a:cs typeface="Times New Roman"/>
-              </a:rPr>
-              <a:t>rs</a:t>
-            </a:r>
-            <a:r>
-              <a:rPr sz="2400" dirty="0">
-                <a:latin typeface="Times New Roman"/>
-                <a:cs typeface="Times New Roman"/>
-              </a:rPr>
-              <a:t>,  </a:t>
-            </a:r>
-            <a:r>
-              <a:rPr sz="2400" spc="-5" dirty="0">
-                <a:latin typeface="Times New Roman"/>
-                <a:cs typeface="Times New Roman"/>
-              </a:rPr>
-              <a:t>nanoparticles,</a:t>
-            </a:r>
-            <a:endParaRPr sz="2400" dirty="0">
-              <a:latin typeface="Times New Roman"/>
-              <a:cs typeface="Times New Roman"/>
-            </a:endParaRPr>
-          </a:p>
-        </p:txBody>
-      </p:sp>
-      <p:sp>
-        <p:nvSpPr>
-          <p:cNvPr id="10" name="object 10"/>
-          <p:cNvSpPr txBox="1"/>
-          <p:nvPr/>
-        </p:nvSpPr>
-        <p:spPr>
-          <a:xfrm>
-            <a:off x="1798573" y="4699273"/>
-            <a:ext cx="1439545" cy="751488"/>
-          </a:xfrm>
-          <a:prstGeom prst="rect">
-            <a:avLst/>
-          </a:prstGeom>
-        </p:spPr>
-        <p:txBody>
-          <a:bodyPr vert="horz" wrap="square" lIns="0" tIns="12700" rIns="0" bIns="0" rtlCol="0">
-            <a:spAutoFit/>
-          </a:bodyPr>
-          <a:lstStyle/>
-          <a:p>
-            <a:pPr marL="12700" marR="5080">
-              <a:lnSpc>
-                <a:spcPct val="100000"/>
-              </a:lnSpc>
-              <a:spcBef>
-                <a:spcPts val="100"/>
-              </a:spcBef>
-            </a:pPr>
-            <a:r>
-              <a:rPr sz="2400" spc="-10" dirty="0">
-                <a:latin typeface="Times New Roman"/>
-                <a:cs typeface="Times New Roman"/>
-              </a:rPr>
-              <a:t>inorganic  </a:t>
-            </a:r>
-            <a:r>
-              <a:rPr sz="2400" dirty="0">
-                <a:latin typeface="Times New Roman"/>
-                <a:cs typeface="Times New Roman"/>
-              </a:rPr>
-              <a:t>condu</a:t>
-            </a:r>
-            <a:r>
-              <a:rPr sz="2400" spc="-10" dirty="0">
-                <a:latin typeface="Times New Roman"/>
-                <a:cs typeface="Times New Roman"/>
-              </a:rPr>
-              <a:t>c</a:t>
-            </a:r>
-            <a:r>
-              <a:rPr sz="2400" dirty="0">
-                <a:latin typeface="Times New Roman"/>
-                <a:cs typeface="Times New Roman"/>
-              </a:rPr>
-              <a:t>to</a:t>
-            </a:r>
-            <a:r>
-              <a:rPr sz="2400" spc="5" dirty="0">
-                <a:latin typeface="Times New Roman"/>
-                <a:cs typeface="Times New Roman"/>
-              </a:rPr>
-              <a:t>r</a:t>
-            </a:r>
-            <a:r>
-              <a:rPr sz="2400" spc="-5" dirty="0">
-                <a:latin typeface="Times New Roman"/>
-                <a:cs typeface="Times New Roman"/>
-              </a:rPr>
-              <a:t>s,  </a:t>
-            </a:r>
-            <a:endParaRPr sz="2400" dirty="0">
-              <a:latin typeface="Times New Roman"/>
-              <a:cs typeface="Times New Roman"/>
-            </a:endParaRPr>
-          </a:p>
-        </p:txBody>
-      </p:sp>
-      <p:sp>
-        <p:nvSpPr>
-          <p:cNvPr id="11" name="object 11"/>
-          <p:cNvSpPr/>
-          <p:nvPr/>
-        </p:nvSpPr>
-        <p:spPr>
-          <a:xfrm>
-            <a:off x="8365419" y="1492594"/>
-            <a:ext cx="5181600" cy="4974307"/>
-          </a:xfrm>
-          <a:prstGeom prst="rect">
-            <a:avLst/>
-          </a:prstGeom>
-          <a:blipFill>
-            <a:blip r:embed="rId2" cstate="print"/>
-            <a:stretch>
-              <a:fillRect/>
-            </a:stretch>
-          </a:blipFill>
-        </p:spPr>
-        <p:txBody>
-          <a:bodyPr wrap="square" lIns="0" tIns="0" rIns="0" bIns="0" rtlCol="0"/>
-          <a:lstStyle/>
-          <a:p>
-            <a:endParaRPr/>
-          </a:p>
-        </p:txBody>
-      </p:sp>
-      <p:sp>
-        <p:nvSpPr>
-          <p:cNvPr id="12" name="object 12"/>
           <p:cNvSpPr txBox="1">
             <a:spLocks noGrp="1"/>
           </p:cNvSpPr>
@@ -7480,39 +6881,44 @@
       </p:sp>
       <p:sp>
         <p:nvSpPr>
-          <p:cNvPr id="16" name="TextBox 15">
-            <a:extLst>
-              <a:ext uri="{FF2B5EF4-FFF2-40B4-BE49-F238E27FC236}">
-                <a16:creationId xmlns:a16="http://schemas.microsoft.com/office/drawing/2014/main" id="{A56C6EA1-416A-4BA7-998E-E82AA50EBA48}"/>
-              </a:ext>
-            </a:extLst>
-          </p:cNvPr>
+          <p:cNvPr id="3" name="object 3"/>
           <p:cNvSpPr txBox="1"/>
           <p:nvPr/>
         </p:nvSpPr>
         <p:spPr>
           <a:xfrm>
-            <a:off x="990600" y="1494471"/>
-            <a:ext cx="7514464" cy="5262979"/>
+            <a:off x="756310" y="1375917"/>
+            <a:ext cx="11435690" cy="5337359"/>
           </a:xfrm>
           <a:prstGeom prst="rect">
             <a:avLst/>
           </a:prstGeom>
-          <a:noFill/>
-        </p:spPr>
-        <p:txBody>
-          <a:bodyPr wrap="square">
+        </p:spPr>
+        <p:txBody>
+          <a:bodyPr vert="horz" wrap="square" lIns="0" tIns="12700" rIns="0" bIns="0" rtlCol="0">
             <a:spAutoFit/>
           </a:bodyPr>
           <a:lstStyle/>
           <a:p>
-            <a:pPr marL="342900" indent="-342900">
-              <a:lnSpc>
-                <a:spcPct val="150000"/>
-              </a:lnSpc>
+            <a:pPr marL="355600" indent="-342900">
+              <a:spcBef>
+                <a:spcPts val="100"/>
+              </a:spcBef>
               <a:buFont typeface="Wingdings" panose="05000000000000000000" pitchFamily="2" charset="2"/>
               <a:buChar char="q"/>
-            </a:pPr>
+              <a:tabLst>
+                <a:tab pos="354965" algn="l"/>
+              </a:tabLst>
+            </a:pPr>
+            <a:r>
+              <a:rPr b="1" dirty="0">
+                <a:solidFill>
+                  <a:srgbClr val="000000"/>
+                </a:solidFill>
+                <a:cs typeface="Times New Roman" pitchFamily="16" charset="0"/>
+              </a:rPr>
+              <a:t>Fabrication of organic thin film transistors</a:t>
+            </a:r>
             <a:r>
               <a:rPr lang="en-IN" b="1" dirty="0">
                 <a:solidFill>
@@ -7520,35 +6926,35 @@
                 </a:solidFill>
                 <a:cs typeface="Times New Roman" pitchFamily="16" charset="0"/>
               </a:rPr>
-              <a:t>It	is	a set	printing	create	electrical	devices on various </a:t>
-            </a:r>
-            <a:r>
-              <a:rPr lang="en-IN" b="1" dirty="0" err="1">
-                <a:solidFill>
-                  <a:srgbClr val="000000"/>
-                </a:solidFill>
-                <a:cs typeface="Times New Roman" pitchFamily="16" charset="0"/>
-              </a:rPr>
-              <a:t>substract</a:t>
-            </a:r>
-            <a:r>
-              <a:rPr lang="en-IN" b="1" dirty="0">
-                <a:solidFill>
-                  <a:srgbClr val="000000"/>
-                </a:solidFill>
-                <a:cs typeface="Times New Roman" pitchFamily="16" charset="0"/>
-              </a:rPr>
               <a:t>.</a:t>
             </a:r>
-          </a:p>
-          <a:p>
-            <a:pPr marL="342900" indent="-342900">
-              <a:lnSpc>
-                <a:spcPct val="150000"/>
-              </a:lnSpc>
+            <a:endParaRPr b="1" dirty="0">
+              <a:solidFill>
+                <a:srgbClr val="000000"/>
+              </a:solidFill>
+              <a:cs typeface="Times New Roman" pitchFamily="16" charset="0"/>
+            </a:endParaRPr>
+          </a:p>
+          <a:p>
+            <a:pPr marL="355600" indent="-342900">
+              <a:spcBef>
+                <a:spcPts val="130"/>
+              </a:spcBef>
               <a:buFont typeface="Wingdings" panose="05000000000000000000" pitchFamily="2" charset="2"/>
               <a:buChar char="q"/>
-            </a:pPr>
+              <a:tabLst>
+                <a:tab pos="354965" algn="l"/>
+              </a:tabLst>
+            </a:pPr>
+            <a:r>
+              <a:rPr b="1" dirty="0">
+                <a:solidFill>
+                  <a:srgbClr val="000000"/>
+                </a:solidFill>
+                <a:cs typeface="Times New Roman" pitchFamily="16" charset="0"/>
+              </a:rPr>
+              <a:t>Non-volatile memory devices based on organic transistors</a:t>
+            </a:r>
             <a:r>
               <a:rPr lang="en-IN" b="1" dirty="0">
                 <a:solidFill>
@@ -7556,17 +6962,41 @@
                 </a:solidFill>
                 <a:cs typeface="Times New Roman" pitchFamily="16" charset="0"/>
               </a:rPr>
-              <a:t>Printed electronics, specifies the process  and subject to the specific requirements of	the	printing	process	selected can utilize any solution-based material.</a:t>
-            </a:r>
-          </a:p>
-          <a:p>
-            <a:pPr marL="342900" indent="-342900">
-              <a:lnSpc>
-                <a:spcPct val="150000"/>
-              </a:lnSpc>
+              <a:t>.</a:t>
+            </a:r>
+            <a:endParaRPr b="1" dirty="0">
+              <a:solidFill>
+                <a:srgbClr val="000000"/>
+              </a:solidFill>
+              <a:cs typeface="Times New Roman" pitchFamily="16" charset="0"/>
+            </a:endParaRPr>
+          </a:p>
+          <a:p>
+            <a:pPr marL="355600" indent="-342900">
+              <a:spcBef>
+                <a:spcPts val="145"/>
+              </a:spcBef>
               <a:buFont typeface="Wingdings" panose="05000000000000000000" pitchFamily="2" charset="2"/>
               <a:buChar char="q"/>
-            </a:pPr>
+              <a:tabLst>
+                <a:tab pos="354965" algn="l"/>
+                <a:tab pos="2188845" algn="l"/>
+                <a:tab pos="2633980" algn="l"/>
+                <a:tab pos="3502660" algn="l"/>
+                <a:tab pos="5029835" algn="l"/>
+                <a:tab pos="6355715" algn="l"/>
+                <a:tab pos="6903084" algn="l"/>
+              </a:tabLst>
+            </a:pPr>
+            <a:r>
+              <a:rPr b="1" dirty="0">
+                <a:solidFill>
+                  <a:srgbClr val="000000"/>
+                </a:solidFill>
+                <a:cs typeface="Times New Roman" pitchFamily="16" charset="0"/>
+              </a:rPr>
+              <a:t>Development	of	novel	conjugated	polymers	for	photovoltaic</a:t>
+            </a:r>
             <a:r>
               <a:rPr lang="en-IN" b="1" dirty="0">
                 <a:solidFill>
@@ -7574,16 +7004,16 @@
                 </a:solidFill>
                 <a:cs typeface="Times New Roman" pitchFamily="16" charset="0"/>
               </a:rPr>
-              <a:t>This	includes	organic	semiconductors, inorganic </a:t>
-            </a:r>
-            <a:r>
-              <a:rPr lang="en-IN" b="1" dirty="0" err="1">
+              <a:t> </a:t>
+            </a:r>
+            <a:r>
+              <a:rPr b="1" dirty="0">
                 <a:solidFill>
                   <a:srgbClr val="000000"/>
                 </a:solidFill>
                 <a:cs typeface="Times New Roman" pitchFamily="16" charset="0"/>
               </a:rPr>
-              <a:t>semiconductors,metallic</a:t>
+              <a:t>device applications</a:t>
             </a:r>
             <a:r>
               <a:rPr lang="en-IN" b="1" dirty="0">
@@ -7592,95 +7022,303 @@
                 </a:solidFill>
                 <a:cs typeface="Times New Roman" pitchFamily="16" charset="0"/>
               </a:rPr>
-              <a:t> </a:t>
-            </a:r>
-            <a:r>
-              <a:rPr lang="en-IN" b="1" dirty="0" err="1">
-                <a:solidFill>
-                  <a:srgbClr val="000000"/>
-                </a:solidFill>
-                <a:cs typeface="Times New Roman" pitchFamily="16" charset="0"/>
-              </a:rPr>
-              <a:t>conductors,nano</a:t>
-            </a:r>
-            <a:r>
-              <a:rPr lang="en-IN" b="1" dirty="0">
-                <a:solidFill>
-                  <a:srgbClr val="000000"/>
-                </a:solidFill>
-                <a:cs typeface="Times New Roman" pitchFamily="16" charset="0"/>
-              </a:rPr>
-              <a:t> </a:t>
-            </a:r>
-            <a:r>
-              <a:rPr lang="en-IN" b="1" dirty="0" err="1">
-                <a:solidFill>
-                  <a:srgbClr val="000000"/>
-                </a:solidFill>
-                <a:cs typeface="Times New Roman" pitchFamily="16" charset="0"/>
-              </a:rPr>
-              <a:t>particles,nano</a:t>
-            </a:r>
-            <a:r>
-              <a:rPr lang="en-IN" b="1" dirty="0">
-                <a:solidFill>
-                  <a:srgbClr val="000000"/>
-                </a:solidFill>
-                <a:cs typeface="Times New Roman" pitchFamily="16" charset="0"/>
-              </a:rPr>
-              <a:t> tubes etc.</a:t>
-            </a:r>
-          </a:p>
-          <a:p>
-            <a:pPr marL="342900" indent="-342900">
+              <a:t>.</a:t>
+            </a:r>
+            <a:endParaRPr b="1" dirty="0">
+              <a:solidFill>
+                <a:srgbClr val="000000"/>
+              </a:solidFill>
+              <a:cs typeface="Times New Roman" pitchFamily="16" charset="0"/>
+            </a:endParaRPr>
+          </a:p>
+          <a:p>
+            <a:pPr marL="355600" indent="-342900">
+              <a:spcBef>
+                <a:spcPts val="130"/>
+              </a:spcBef>
               <a:buFont typeface="Wingdings" panose="05000000000000000000" pitchFamily="2" charset="2"/>
               <a:buChar char="q"/>
+              <a:tabLst>
+                <a:tab pos="354965" algn="l"/>
+              </a:tabLst>
+            </a:pPr>
+            <a:r>
+              <a:rPr b="1" dirty="0">
+                <a:solidFill>
+                  <a:srgbClr val="000000"/>
+                </a:solidFill>
+                <a:cs typeface="Times New Roman" pitchFamily="16" charset="0"/>
+              </a:rPr>
+              <a:t>Fabrication of organic photovoltaic cells</a:t>
+            </a:r>
+            <a:r>
+              <a:rPr lang="en-IN" b="1" dirty="0">
+                <a:solidFill>
+                  <a:srgbClr val="000000"/>
+                </a:solidFill>
+                <a:cs typeface="Times New Roman" pitchFamily="16" charset="0"/>
+              </a:rPr>
+              <a:t>.</a:t>
+            </a:r>
+            <a:endParaRPr b="1" dirty="0">
+              <a:solidFill>
+                <a:srgbClr val="000000"/>
+              </a:solidFill>
+              <a:cs typeface="Times New Roman" pitchFamily="16" charset="0"/>
+            </a:endParaRPr>
+          </a:p>
+          <a:p>
+            <a:pPr marL="355600" indent="-342900">
+              <a:spcBef>
+                <a:spcPts val="135"/>
+              </a:spcBef>
+              <a:buFont typeface="Wingdings" panose="05000000000000000000" pitchFamily="2" charset="2"/>
+              <a:buChar char="q"/>
+              <a:tabLst>
+                <a:tab pos="354965" algn="l"/>
+              </a:tabLst>
+            </a:pPr>
+            <a:r>
+              <a:rPr b="1" dirty="0">
+                <a:solidFill>
+                  <a:srgbClr val="000000"/>
+                </a:solidFill>
+                <a:cs typeface="Times New Roman" pitchFamily="16" charset="0"/>
+              </a:rPr>
+              <a:t>Fabrication of organic light-emitting devices (OLED)</a:t>
+            </a:r>
+            <a:r>
+              <a:rPr lang="en-IN" b="1" dirty="0">
+                <a:solidFill>
+                  <a:srgbClr val="000000"/>
+                </a:solidFill>
+                <a:cs typeface="Times New Roman" pitchFamily="16" charset="0"/>
+              </a:rPr>
+              <a:t>.</a:t>
+            </a:r>
+            <a:endParaRPr b="1" dirty="0">
+              <a:solidFill>
+                <a:srgbClr val="000000"/>
+              </a:solidFill>
+              <a:cs typeface="Times New Roman" pitchFamily="16" charset="0"/>
+            </a:endParaRPr>
+          </a:p>
+          <a:p>
+            <a:pPr marL="355600" indent="-342900">
+              <a:spcBef>
+                <a:spcPts val="140"/>
+              </a:spcBef>
+              <a:buFont typeface="Wingdings" panose="05000000000000000000" pitchFamily="2" charset="2"/>
+              <a:buChar char="q"/>
+              <a:tabLst>
+                <a:tab pos="354965" algn="l"/>
+              </a:tabLst>
+            </a:pPr>
+            <a:r>
+              <a:rPr b="1" dirty="0">
+                <a:solidFill>
+                  <a:srgbClr val="000000"/>
+                </a:solidFill>
+                <a:cs typeface="Times New Roman" pitchFamily="16" charset="0"/>
+              </a:rPr>
+              <a:t>Ferroelectric polymers for thin film devices</a:t>
+            </a:r>
+            <a:r>
+              <a:rPr lang="en-IN" b="1" dirty="0">
+                <a:solidFill>
+                  <a:srgbClr val="000000"/>
+                </a:solidFill>
+                <a:cs typeface="Times New Roman" pitchFamily="16" charset="0"/>
+              </a:rPr>
+              <a:t>.</a:t>
+            </a:r>
+            <a:endParaRPr b="1" dirty="0">
+              <a:solidFill>
+                <a:srgbClr val="000000"/>
+              </a:solidFill>
+              <a:cs typeface="Times New Roman" pitchFamily="16" charset="0"/>
+            </a:endParaRPr>
+          </a:p>
+          <a:p>
+            <a:pPr marL="355600" indent="-342900">
+              <a:spcBef>
+                <a:spcPts val="135"/>
+              </a:spcBef>
+              <a:buFont typeface="Wingdings" panose="05000000000000000000" pitchFamily="2" charset="2"/>
+              <a:buChar char="q"/>
+              <a:tabLst>
+                <a:tab pos="354965" algn="l"/>
+              </a:tabLst>
+            </a:pPr>
+            <a:r>
+              <a:rPr b="1" dirty="0">
+                <a:solidFill>
+                  <a:srgbClr val="000000"/>
+                </a:solidFill>
+                <a:cs typeface="Times New Roman" pitchFamily="16" charset="0"/>
+              </a:rPr>
+              <a:t>Gene Sensors</a:t>
+            </a:r>
+            <a:r>
+              <a:rPr lang="en-IN" b="1" dirty="0">
+                <a:solidFill>
+                  <a:srgbClr val="000000"/>
+                </a:solidFill>
+                <a:cs typeface="Times New Roman" pitchFamily="16" charset="0"/>
+              </a:rPr>
+              <a:t>.</a:t>
+            </a:r>
+            <a:endParaRPr b="1" dirty="0">
+              <a:solidFill>
+                <a:srgbClr val="000000"/>
+              </a:solidFill>
+              <a:cs typeface="Times New Roman" pitchFamily="16" charset="0"/>
+            </a:endParaRPr>
+          </a:p>
+          <a:p>
+            <a:pPr marL="355600" indent="-342900">
+              <a:spcBef>
+                <a:spcPts val="135"/>
+              </a:spcBef>
+              <a:buFont typeface="Wingdings" panose="05000000000000000000" pitchFamily="2" charset="2"/>
+              <a:buChar char="q"/>
+              <a:tabLst>
+                <a:tab pos="354965" algn="l"/>
+              </a:tabLst>
+            </a:pPr>
+            <a:r>
+              <a:rPr b="1" dirty="0">
+                <a:solidFill>
+                  <a:srgbClr val="000000"/>
+                </a:solidFill>
+                <a:cs typeface="Times New Roman" pitchFamily="16" charset="0"/>
+              </a:rPr>
+              <a:t>Printed Electronics</a:t>
+            </a:r>
+            <a:r>
+              <a:rPr lang="en-IN" b="1" dirty="0">
+                <a:solidFill>
+                  <a:srgbClr val="000000"/>
+                </a:solidFill>
+                <a:cs typeface="Times New Roman" pitchFamily="16" charset="0"/>
+              </a:rPr>
+              <a:t>.</a:t>
+            </a:r>
+            <a:endParaRPr b="1" dirty="0">
+              <a:solidFill>
+                <a:srgbClr val="000000"/>
+              </a:solidFill>
+              <a:cs typeface="Times New Roman" pitchFamily="16" charset="0"/>
+            </a:endParaRPr>
+          </a:p>
+          <a:p>
+            <a:pPr marL="355600" indent="-342900">
+              <a:spcBef>
+                <a:spcPts val="140"/>
+              </a:spcBef>
+              <a:buFont typeface="Wingdings" panose="05000000000000000000" pitchFamily="2" charset="2"/>
+              <a:buChar char="q"/>
+              <a:tabLst>
+                <a:tab pos="354965" algn="l"/>
+              </a:tabLst>
+            </a:pPr>
+            <a:r>
+              <a:rPr b="1" dirty="0">
+                <a:solidFill>
+                  <a:srgbClr val="000000"/>
+                </a:solidFill>
+                <a:cs typeface="Times New Roman" pitchFamily="16" charset="0"/>
+              </a:rPr>
+              <a:t>Conducting Polymer Actuators and Micropumps.</a:t>
+            </a:r>
+          </a:p>
+          <a:p>
+            <a:pPr marL="355600" indent="-342900">
+              <a:spcBef>
+                <a:spcPts val="135"/>
+              </a:spcBef>
+              <a:buFont typeface="Wingdings" panose="05000000000000000000" pitchFamily="2" charset="2"/>
+              <a:buChar char="q"/>
+              <a:tabLst>
+                <a:tab pos="354965" algn="l"/>
+              </a:tabLst>
+            </a:pPr>
+            <a:r>
+              <a:rPr b="1" dirty="0">
+                <a:solidFill>
+                  <a:srgbClr val="000000"/>
+                </a:solidFill>
+                <a:cs typeface="Times New Roman" pitchFamily="16" charset="0"/>
+              </a:rPr>
+              <a:t>Responsive Membranes/Hybrid Plastics.</a:t>
+            </a:r>
+            <a:endParaRPr lang="en-IN" b="1" dirty="0">
+              <a:solidFill>
+                <a:srgbClr val="000000"/>
+              </a:solidFill>
+              <a:cs typeface="Times New Roman" pitchFamily="16" charset="0"/>
+            </a:endParaRPr>
+          </a:p>
+          <a:p>
+            <a:pPr marL="355600" indent="-342900">
+              <a:spcBef>
+                <a:spcPts val="135"/>
+              </a:spcBef>
+              <a:buFont typeface="Wingdings" panose="05000000000000000000" pitchFamily="2" charset="2"/>
+              <a:buChar char="q"/>
+              <a:tabLst>
+                <a:tab pos="354965" algn="l"/>
+              </a:tabLst>
+            </a:pPr>
+            <a:r>
+              <a:rPr lang="en-IN" b="1" dirty="0" err="1">
+                <a:solidFill>
+                  <a:srgbClr val="000000"/>
+                </a:solidFill>
+                <a:cs typeface="Times New Roman" pitchFamily="16" charset="0"/>
+              </a:rPr>
+              <a:t>focusednupon</a:t>
+            </a:r>
+            <a:r>
+              <a:rPr lang="en-IN" b="1" dirty="0">
+                <a:solidFill>
+                  <a:srgbClr val="000000"/>
+                </a:solidFill>
+                <a:cs typeface="Times New Roman" pitchFamily="16" charset="0"/>
+              </a:rPr>
+              <a:t>	polymer membranes	that incorporated electronically conducting polymers and piezoelectric polymers.</a:t>
+            </a:r>
+          </a:p>
+          <a:p>
+            <a:pPr marL="12700">
+              <a:spcBef>
+                <a:spcPts val="135"/>
+              </a:spcBef>
+              <a:tabLst>
+                <a:tab pos="354965" algn="l"/>
+              </a:tabLst>
             </a:pPr>
             <a:endParaRPr lang="en-IN" sz="2400" dirty="0">
-              <a:solidFill>
-                <a:srgbClr val="2C3B43"/>
-              </a:solidFill>
               <a:latin typeface="Times New Roman"/>
               <a:cs typeface="Times New Roman"/>
             </a:endParaRPr>
           </a:p>
           <a:p>
-            <a:r>
-              <a:rPr lang="en-IN" sz="2400" spc="-20" dirty="0">
-                <a:latin typeface="Times New Roman"/>
-                <a:cs typeface="Times New Roman"/>
-              </a:rPr>
-              <a:t>m</a:t>
-            </a:r>
-            <a:r>
-              <a:rPr lang="en-IN" sz="2400" dirty="0">
-                <a:latin typeface="Times New Roman"/>
-                <a:cs typeface="Times New Roman"/>
-              </a:rPr>
-              <a:t>ethods	</a:t>
-            </a:r>
-            <a:r>
-              <a:rPr lang="en-IN" sz="2400" spc="-5" dirty="0">
-                <a:latin typeface="Times New Roman"/>
-                <a:cs typeface="Times New Roman"/>
-              </a:rPr>
-              <a:t>us</a:t>
-            </a:r>
-            <a:r>
-              <a:rPr lang="en-IN" sz="2400" dirty="0">
-                <a:latin typeface="Times New Roman"/>
-                <a:cs typeface="Times New Roman"/>
-              </a:rPr>
-              <a:t>ed	</a:t>
-            </a:r>
-            <a:r>
-              <a:rPr lang="en-IN" sz="2400" spc="5" dirty="0">
-                <a:latin typeface="Times New Roman"/>
-                <a:cs typeface="Times New Roman"/>
-              </a:rPr>
-              <a:t>to</a:t>
-            </a:r>
-            <a:endParaRPr lang="en-IN" dirty="0"/>
+            <a:pPr marL="12700">
+              <a:lnSpc>
+                <a:spcPct val="100000"/>
+              </a:lnSpc>
+              <a:spcBef>
+                <a:spcPts val="135"/>
+              </a:spcBef>
+              <a:tabLst>
+                <a:tab pos="354965" algn="l"/>
+              </a:tabLst>
+            </a:pPr>
+            <a:endParaRPr sz="2400" dirty="0">
+              <a:latin typeface="Times New Roman"/>
+              <a:cs typeface="Times New Roman"/>
+            </a:endParaRPr>
           </a:p>
         </p:txBody>
       </p:sp>
@@ -7721,8 +7359,8 @@
         </p:nvSpPr>
         <p:spPr>
           <a:xfrm>
-            <a:off x="881075" y="731779"/>
-            <a:ext cx="10429850" cy="574040"/>
+            <a:off x="785792" y="757650"/>
+            <a:ext cx="7514464" cy="574040"/>
           </a:xfrm>
           <a:prstGeom prst="rect">
             <a:avLst/>
@@ -7743,73 +7381,30 @@
               </a:spcBef>
             </a:pPr>
             <a:r>
-              <a:rPr sz="3600" spc="-5" dirty="0"/>
-              <a:t>PRINTED ELECTRONICS</a:t>
-            </a:r>
-            <a:r>
-              <a:rPr sz="3600" spc="-20" dirty="0"/>
+              <a:rPr sz="3600" dirty="0"/>
+              <a:t>PRINTED</a:t>
+            </a:r>
+            <a:r>
+              <a:rPr sz="3600" spc="-75" dirty="0"/>
               <a:t> </a:t>
             </a:r>
             <a:r>
               <a:rPr sz="3600" dirty="0"/>
-              <a:t>METHODS</a:t>
-            </a:r>
-          </a:p>
-        </p:txBody>
-      </p:sp>
-      <p:sp>
-        <p:nvSpPr>
-          <p:cNvPr id="4" name="object 4"/>
+              <a:t>ELECTRONICS</a:t>
+            </a:r>
+          </a:p>
+        </p:txBody>
+      </p:sp>
+      <p:sp>
+        <p:nvSpPr>
+          <p:cNvPr id="6" name="object 6"/>
           <p:cNvSpPr txBox="1"/>
           <p:nvPr/>
         </p:nvSpPr>
         <p:spPr>
           <a:xfrm>
-            <a:off x="756310" y="5707751"/>
-            <a:ext cx="9835490" cy="346249"/>
-          </a:xfrm>
-          <a:prstGeom prst="rect">
-            <a:avLst/>
-          </a:prstGeom>
-        </p:spPr>
-        <p:txBody>
-          <a:bodyPr vert="horz" wrap="square" lIns="0" tIns="0" rIns="0" bIns="0" rtlCol="0">
-            <a:spAutoFit/>
-          </a:bodyPr>
-          <a:lstStyle/>
-          <a:p>
-            <a:pPr marL="355600" indent="-342900">
-              <a:lnSpc>
-                <a:spcPts val="2720"/>
-              </a:lnSpc>
-              <a:buFont typeface="Wingdings" panose="05000000000000000000" pitchFamily="2" charset="2"/>
-              <a:buChar char="q"/>
-              <a:tabLst>
-                <a:tab pos="354965" algn="l"/>
-              </a:tabLst>
-            </a:pPr>
-            <a:r>
-              <a:rPr b="1" dirty="0">
-                <a:solidFill>
-                  <a:srgbClr val="000000"/>
-                </a:solidFill>
-                <a:cs typeface="Times New Roman" pitchFamily="16" charset="0"/>
-              </a:rPr>
-              <a:t>Rotary screen printing: a method that allows to print in thick layers</a:t>
-            </a:r>
-          </a:p>
-        </p:txBody>
-      </p:sp>
-      <p:sp>
-        <p:nvSpPr>
-          <p:cNvPr id="3" name="object 3"/>
-          <p:cNvSpPr txBox="1"/>
-          <p:nvPr/>
-        </p:nvSpPr>
-        <p:spPr>
-          <a:xfrm>
-            <a:off x="756310" y="1619758"/>
-            <a:ext cx="8994140" cy="3460115"/>
+            <a:off x="1676400" y="2842869"/>
+            <a:ext cx="5038725" cy="391795"/>
           </a:xfrm>
           <a:prstGeom prst="rect">
             <a:avLst/>
@@ -7821,124 +7416,646 @@
           </a:bodyPr>
           <a:lstStyle/>
           <a:p>
-            <a:pPr marL="355600" marR="5080" indent="-342900">
+            <a:pPr marL="12700">
               <a:lnSpc>
                 <a:spcPct val="100000"/>
               </a:lnSpc>
               <a:spcBef>
                 <a:spcPts val="100"/>
               </a:spcBef>
-              <a:buFont typeface="Wingdings" panose="05000000000000000000" pitchFamily="2" charset="2"/>
-              <a:buChar char="q"/>
               <a:tabLst>
-                <a:tab pos="354965" algn="l"/>
-                <a:tab pos="1260475" algn="l"/>
-                <a:tab pos="2621915" algn="l"/>
-                <a:tab pos="2949575" algn="l"/>
-                <a:tab pos="3684270" algn="l"/>
-                <a:tab pos="4894580" algn="l"/>
-                <a:tab pos="6000750" algn="l"/>
-                <a:tab pos="6650355" algn="l"/>
-                <a:tab pos="7047865" algn="l"/>
-                <a:tab pos="8457565" algn="l"/>
+                <a:tab pos="486409" algn="l"/>
+                <a:tab pos="1080770" algn="l"/>
+                <a:tab pos="2266950" algn="l"/>
+                <a:tab pos="3400425" algn="l"/>
+                <a:tab pos="4601845" algn="l"/>
               </a:tabLst>
             </a:pPr>
             <a:r>
-              <a:rPr b="1" dirty="0" err="1">
-                <a:solidFill>
-                  <a:srgbClr val="000000"/>
-                </a:solidFill>
-                <a:cs typeface="Times New Roman" pitchFamily="16" charset="0"/>
-              </a:rPr>
-              <a:t>Flexo</a:t>
-            </a:r>
-            <a:r>
-              <a:rPr b="1" dirty="0">
-                <a:solidFill>
-                  <a:srgbClr val="000000"/>
-                </a:solidFill>
-                <a:cs typeface="Times New Roman" pitchFamily="16" charset="0"/>
-              </a:rPr>
-              <a:t>	printing:	a	high	pressure	method	that	is	especially	well  applicable to print on plastic substrates</a:t>
-            </a:r>
-          </a:p>
-          <a:p>
-            <a:pPr marL="342900" indent="-342900">
-              <a:lnSpc>
-                <a:spcPct val="100000"/>
-              </a:lnSpc>
-              <a:buFont typeface="Wingdings" panose="05000000000000000000" pitchFamily="2" charset="2"/>
-              <a:buChar char="q"/>
-            </a:pPr>
-            <a:endParaRPr b="1" dirty="0">
-              <a:solidFill>
-                <a:srgbClr val="000000"/>
-              </a:solidFill>
-              <a:cs typeface="Times New Roman" pitchFamily="16" charset="0"/>
-            </a:endParaRPr>
-          </a:p>
-          <a:p>
-            <a:pPr marL="355600" marR="5715" indent="-342900">
+              <a:rPr sz="2400" spc="-5" dirty="0">
+                <a:latin typeface="Times New Roman"/>
+                <a:cs typeface="Times New Roman"/>
+              </a:rPr>
+              <a:t>o</a:t>
+            </a:r>
+            <a:r>
+              <a:rPr sz="2400" dirty="0">
+                <a:latin typeface="Times New Roman"/>
+                <a:cs typeface="Times New Roman"/>
+              </a:rPr>
+              <a:t>f	the	prin</a:t>
+            </a:r>
+            <a:r>
+              <a:rPr sz="2400" spc="-15" dirty="0">
+                <a:latin typeface="Times New Roman"/>
+                <a:cs typeface="Times New Roman"/>
+              </a:rPr>
+              <a:t>t</a:t>
+            </a:r>
+            <a:r>
+              <a:rPr sz="2400" dirty="0">
+                <a:latin typeface="Times New Roman"/>
+                <a:cs typeface="Times New Roman"/>
+              </a:rPr>
+              <a:t>ing	pro</a:t>
+            </a:r>
+            <a:r>
+              <a:rPr sz="2400" spc="-10" dirty="0">
+                <a:latin typeface="Times New Roman"/>
+                <a:cs typeface="Times New Roman"/>
+              </a:rPr>
+              <a:t>c</a:t>
+            </a:r>
+            <a:r>
+              <a:rPr sz="2400" dirty="0">
+                <a:latin typeface="Times New Roman"/>
+                <a:cs typeface="Times New Roman"/>
+              </a:rPr>
+              <a:t>e</a:t>
+            </a:r>
+            <a:r>
+              <a:rPr sz="2400" spc="-10" dirty="0">
+                <a:latin typeface="Times New Roman"/>
+                <a:cs typeface="Times New Roman"/>
+              </a:rPr>
+              <a:t>s</a:t>
+            </a:r>
+            <a:r>
+              <a:rPr sz="2400" dirty="0">
+                <a:latin typeface="Times New Roman"/>
+                <a:cs typeface="Times New Roman"/>
+              </a:rPr>
+              <a:t>s	sele</a:t>
+            </a:r>
+            <a:r>
+              <a:rPr sz="2400" spc="-15" dirty="0">
+                <a:latin typeface="Times New Roman"/>
+                <a:cs typeface="Times New Roman"/>
+              </a:rPr>
+              <a:t>c</a:t>
+            </a:r>
+            <a:r>
+              <a:rPr sz="2400" dirty="0">
+                <a:latin typeface="Times New Roman"/>
+                <a:cs typeface="Times New Roman"/>
+              </a:rPr>
+              <a:t>ted	can</a:t>
+            </a:r>
+          </a:p>
+        </p:txBody>
+      </p:sp>
+      <p:sp>
+        <p:nvSpPr>
+          <p:cNvPr id="8" name="object 8"/>
+          <p:cNvSpPr txBox="1"/>
+          <p:nvPr/>
+        </p:nvSpPr>
+        <p:spPr>
+          <a:xfrm>
+            <a:off x="2351277" y="4813807"/>
+            <a:ext cx="2013585" cy="757555"/>
+          </a:xfrm>
+          <a:prstGeom prst="rect">
+            <a:avLst/>
+          </a:prstGeom>
+        </p:spPr>
+        <p:txBody>
+          <a:bodyPr vert="horz" wrap="square" lIns="0" tIns="12700" rIns="0" bIns="0" rtlCol="0">
+            <a:spAutoFit/>
+          </a:bodyPr>
+          <a:lstStyle/>
+          <a:p>
+            <a:pPr marL="123825" marR="5080" indent="-111760">
               <a:lnSpc>
                 <a:spcPct val="100000"/>
               </a:lnSpc>
               <a:spcBef>
-                <a:spcPts val="1895"/>
+                <a:spcPts val="100"/>
               </a:spcBef>
-              <a:buFont typeface="Wingdings" panose="05000000000000000000" pitchFamily="2" charset="2"/>
-              <a:buChar char="q"/>
-              <a:tabLst>
-                <a:tab pos="354965" algn="l"/>
-              </a:tabLst>
-            </a:pPr>
-            <a:r>
-              <a:rPr b="1" dirty="0">
-                <a:solidFill>
-                  <a:srgbClr val="000000"/>
-                </a:solidFill>
-                <a:cs typeface="Times New Roman" pitchFamily="16" charset="0"/>
-              </a:rPr>
-              <a:t>Offset printing: a flat printing technique that makes a high resolution  possible</a:t>
-            </a:r>
-          </a:p>
-          <a:p>
-            <a:pPr marL="342900" indent="-342900">
-              <a:lnSpc>
-                <a:spcPct val="100000"/>
-              </a:lnSpc>
-              <a:buFont typeface="Wingdings" panose="05000000000000000000" pitchFamily="2" charset="2"/>
-              <a:buChar char="q"/>
-            </a:pPr>
-            <a:endParaRPr b="1" dirty="0">
-              <a:solidFill>
-                <a:srgbClr val="000000"/>
-              </a:solidFill>
-              <a:cs typeface="Times New Roman" pitchFamily="16" charset="0"/>
+            </a:pPr>
+            <a:r>
+              <a:rPr sz="2400" spc="-5" dirty="0">
+                <a:latin typeface="Times New Roman"/>
+                <a:cs typeface="Times New Roman"/>
+              </a:rPr>
+              <a:t>se</a:t>
+            </a:r>
+            <a:r>
+              <a:rPr sz="2400" spc="-20" dirty="0">
+                <a:latin typeface="Times New Roman"/>
+                <a:cs typeface="Times New Roman"/>
+              </a:rPr>
+              <a:t>m</a:t>
+            </a:r>
+            <a:r>
+              <a:rPr sz="2400" dirty="0">
+                <a:latin typeface="Times New Roman"/>
+                <a:cs typeface="Times New Roman"/>
+              </a:rPr>
+              <a:t>icondu</a:t>
+            </a:r>
+            <a:r>
+              <a:rPr sz="2400" spc="5" dirty="0">
+                <a:latin typeface="Times New Roman"/>
+                <a:cs typeface="Times New Roman"/>
+              </a:rPr>
+              <a:t>c</a:t>
+            </a:r>
+            <a:r>
+              <a:rPr sz="2400" dirty="0">
+                <a:latin typeface="Times New Roman"/>
+                <a:cs typeface="Times New Roman"/>
+              </a:rPr>
+              <a:t>t</a:t>
+            </a:r>
+            <a:r>
+              <a:rPr sz="2400" spc="-10" dirty="0">
+                <a:latin typeface="Times New Roman"/>
+                <a:cs typeface="Times New Roman"/>
+              </a:rPr>
+              <a:t>o</a:t>
+            </a:r>
+            <a:r>
+              <a:rPr sz="2400" spc="-5" dirty="0">
+                <a:latin typeface="Times New Roman"/>
+                <a:cs typeface="Times New Roman"/>
+              </a:rPr>
+              <a:t>rs</a:t>
+            </a:r>
+            <a:r>
+              <a:rPr sz="2400" dirty="0">
+                <a:latin typeface="Times New Roman"/>
+                <a:cs typeface="Times New Roman"/>
+              </a:rPr>
+              <a:t>,  </a:t>
+            </a:r>
+            <a:r>
+              <a:rPr sz="2400" spc="-5" dirty="0">
+                <a:latin typeface="Times New Roman"/>
+                <a:cs typeface="Times New Roman"/>
+              </a:rPr>
+              <a:t>nanoparticles,</a:t>
+            </a:r>
+            <a:endParaRPr sz="2400" dirty="0">
+              <a:latin typeface="Times New Roman"/>
+              <a:cs typeface="Times New Roman"/>
             </a:endParaRPr>
           </a:p>
-          <a:p>
-            <a:pPr marL="355600" marR="5715" indent="-342900">
+        </p:txBody>
+      </p:sp>
+      <p:sp>
+        <p:nvSpPr>
+          <p:cNvPr id="10" name="object 10"/>
+          <p:cNvSpPr txBox="1"/>
+          <p:nvPr/>
+        </p:nvSpPr>
+        <p:spPr>
+          <a:xfrm>
+            <a:off x="1798573" y="4699273"/>
+            <a:ext cx="1439545" cy="751488"/>
+          </a:xfrm>
+          <a:prstGeom prst="rect">
+            <a:avLst/>
+          </a:prstGeom>
+        </p:spPr>
+        <p:txBody>
+          <a:bodyPr vert="horz" wrap="square" lIns="0" tIns="12700" rIns="0" bIns="0" rtlCol="0">
+            <a:spAutoFit/>
+          </a:bodyPr>
+          <a:lstStyle/>
+          <a:p>
+            <a:pPr marL="12700" marR="5080">
               <a:lnSpc>
                 <a:spcPct val="100000"/>
               </a:lnSpc>
               <a:spcBef>
-                <a:spcPts val="1885"/>
+                <a:spcPts val="100"/>
               </a:spcBef>
+            </a:pPr>
+            <a:r>
+              <a:rPr sz="2400" spc="-10" dirty="0">
+                <a:latin typeface="Times New Roman"/>
+                <a:cs typeface="Times New Roman"/>
+              </a:rPr>
+              <a:t>inorganic  </a:t>
+            </a:r>
+            <a:r>
+              <a:rPr sz="2400" dirty="0">
+                <a:latin typeface="Times New Roman"/>
+                <a:cs typeface="Times New Roman"/>
+              </a:rPr>
+              <a:t>condu</a:t>
+            </a:r>
+            <a:r>
+              <a:rPr sz="2400" spc="-10" dirty="0">
+                <a:latin typeface="Times New Roman"/>
+                <a:cs typeface="Times New Roman"/>
+              </a:rPr>
+              <a:t>c</a:t>
+            </a:r>
+            <a:r>
+              <a:rPr sz="2400" dirty="0">
+                <a:latin typeface="Times New Roman"/>
+                <a:cs typeface="Times New Roman"/>
+              </a:rPr>
+              <a:t>to</a:t>
+            </a:r>
+            <a:r>
+              <a:rPr sz="2400" spc="5" dirty="0">
+                <a:latin typeface="Times New Roman"/>
+                <a:cs typeface="Times New Roman"/>
+              </a:rPr>
+              <a:t>r</a:t>
+            </a:r>
+            <a:r>
+              <a:rPr sz="2400" spc="-5" dirty="0">
+                <a:latin typeface="Times New Roman"/>
+                <a:cs typeface="Times New Roman"/>
+              </a:rPr>
+              <a:t>s,  </a:t>
+            </a:r>
+            <a:endParaRPr sz="2400" dirty="0">
+              <a:latin typeface="Times New Roman"/>
+              <a:cs typeface="Times New Roman"/>
+            </a:endParaRPr>
+          </a:p>
+        </p:txBody>
+      </p:sp>
+      <p:sp>
+        <p:nvSpPr>
+          <p:cNvPr id="11" name="object 11"/>
+          <p:cNvSpPr/>
+          <p:nvPr/>
+        </p:nvSpPr>
+        <p:spPr>
+          <a:xfrm>
+            <a:off x="8365419" y="1492594"/>
+            <a:ext cx="5181600" cy="4974307"/>
+          </a:xfrm>
+          <a:prstGeom prst="rect">
+            <a:avLst/>
+          </a:prstGeom>
+          <a:blipFill>
+            <a:blip r:embed="rId2" cstate="print"/>
+            <a:stretch>
+              <a:fillRect/>
+            </a:stretch>
+          </a:blipFill>
+        </p:spPr>
+        <p:txBody>
+          <a:bodyPr wrap="square" lIns="0" tIns="0" rIns="0" bIns="0" rtlCol="0"/>
+          <a:lstStyle/>
+          <a:p>
+            <a:endParaRPr/>
+          </a:p>
+        </p:txBody>
+      </p:sp>
+      <p:sp>
+        <p:nvSpPr>
+          <p:cNvPr id="12" name="object 12"/>
+          <p:cNvSpPr txBox="1">
+            <a:spLocks noGrp="1"/>
+          </p:cNvSpPr>
+          <p:nvPr>
+            <p:ph type="sldNum" sz="quarter" idx="7"/>
+          </p:nvPr>
+        </p:nvSpPr>
+        <p:spPr>
+          <a:xfrm>
+            <a:off x="9026397" y="6147883"/>
+            <a:ext cx="195579" cy="158114"/>
+          </a:xfrm>
+          <a:prstGeom prst="rect">
+            <a:avLst/>
+          </a:prstGeom>
+        </p:spPr>
+        <p:txBody>
+          <a:bodyPr vert="horz" wrap="square" lIns="0" tIns="0" rIns="0" bIns="0" rtlCol="0">
+            <a:spAutoFit/>
+          </a:bodyPr>
+          <a:lstStyle>
+            <a:defPPr>
+              <a:defRPr lang="en-US"/>
+            </a:defPPr>
+            <a:lvl1pPr marL="0" algn="l" defTabSz="914400" rtl="0" eaLnBrk="1" latinLnBrk="0" hangingPunct="1">
+              <a:defRPr sz="900" b="0" i="0" kern="1200">
+                <a:solidFill>
+                  <a:srgbClr val="90C225"/>
+                </a:solidFill>
+                <a:latin typeface="Trebuchet MS"/>
+                <a:ea typeface="+mn-ea"/>
+                <a:cs typeface="Trebuchet MS"/>
+              </a:defRPr>
+            </a:lvl1pPr>
+            <a:lvl2pPr marL="457200" algn="l" defTabSz="914400" rtl="0" eaLnBrk="1" latinLnBrk="0" hangingPunct="1">
+              <a:defRPr sz="1800" kern="1200">
+                <a:solidFill>
+                  <a:schemeClr val="tx1"/>
+                </a:solidFill>
+                <a:latin typeface="+mn-lt"/>
+                <a:ea typeface="+mn-ea"/>
+                <a:cs typeface="+mn-cs"/>
+              </a:defRPr>
+            </a:lvl2pPr>
+            <a:lvl3pPr marL="914400" algn="l" defTabSz="914400" rtl="0" eaLnBrk="1" latinLnBrk="0" hangingPunct="1">
+              <a:defRPr sz="1800" kern="1200">
+                <a:solidFill>
+                  <a:schemeClr val="tx1"/>
+                </a:solidFill>
+                <a:latin typeface="+mn-lt"/>
+                <a:ea typeface="+mn-ea"/>
+                <a:cs typeface="+mn-cs"/>
+              </a:defRPr>
+            </a:lvl3pPr>
+            <a:lvl4pPr marL="1371600" algn="l" defTabSz="914400" rtl="0" eaLnBrk="1" latinLnBrk="0" hangingPunct="1">
+              <a:defRPr sz="1800" kern="1200">
+                <a:solidFill>
+                  <a:schemeClr val="tx1"/>
+                </a:solidFill>
+                <a:latin typeface="+mn-lt"/>
+                <a:ea typeface="+mn-ea"/>
+                <a:cs typeface="+mn-cs"/>
+              </a:defRPr>
+            </a:lvl4pPr>
+            <a:lvl5pPr marL="1828800" algn="l" defTabSz="914400" rtl="0" eaLnBrk="1" latinLnBrk="0" hangingPunct="1">
+              <a:defRPr sz="1800" kern="1200">
+                <a:solidFill>
+                  <a:schemeClr val="tx1"/>
+                </a:solidFill>
+                <a:latin typeface="+mn-lt"/>
+                <a:ea typeface="+mn-ea"/>
+                <a:cs typeface="+mn-cs"/>
+              </a:defRPr>
+            </a:lvl5pPr>
+            <a:lvl6pPr marL="2286000" algn="l" defTabSz="914400" rtl="0" eaLnBrk="1" latinLnBrk="0" hangingPunct="1">
+              <a:defRPr sz="1800" kern="1200">
+                <a:solidFill>
+                  <a:schemeClr val="tx1"/>
+                </a:solidFill>
+                <a:latin typeface="+mn-lt"/>
+                <a:ea typeface="+mn-ea"/>
+                <a:cs typeface="+mn-cs"/>
+              </a:defRPr>
+            </a:lvl6pPr>
+            <a:lvl7pPr marL="2743200" algn="l" defTabSz="914400" rtl="0" eaLnBrk="1" latinLnBrk="0" hangingPunct="1">
+              <a:defRPr sz="1800" kern="1200">
+                <a:solidFill>
+                  <a:schemeClr val="tx1"/>
+                </a:solidFill>
+                <a:latin typeface="+mn-lt"/>
+                <a:ea typeface="+mn-ea"/>
+                <a:cs typeface="+mn-cs"/>
+              </a:defRPr>
+            </a:lvl7pPr>
+            <a:lvl8pPr marL="3200400" algn="l" defTabSz="914400" rtl="0" eaLnBrk="1" latinLnBrk="0" hangingPunct="1">
+              <a:defRPr sz="1800" kern="1200">
+                <a:solidFill>
+                  <a:schemeClr val="tx1"/>
+                </a:solidFill>
+                <a:latin typeface="+mn-lt"/>
+                <a:ea typeface="+mn-ea"/>
+                <a:cs typeface="+mn-cs"/>
+              </a:defRPr>
+            </a:lvl8pPr>
+            <a:lvl9pPr marL="3657600" algn="l" defTabSz="914400" rtl="0" eaLnBrk="1" latinLnBrk="0" hangingPunct="1">
+              <a:defRPr sz="1800" kern="1200">
+                <a:solidFill>
+                  <a:schemeClr val="tx1"/>
+                </a:solidFill>
+                <a:latin typeface="+mn-lt"/>
+                <a:ea typeface="+mn-ea"/>
+                <a:cs typeface="+mn-cs"/>
+              </a:defRPr>
+            </a:lvl9pPr>
+          </a:lstStyle>
+          <a:p>
+            <a:pPr marL="38100">
+              <a:lnSpc>
+                <a:spcPct val="100000"/>
+              </a:lnSpc>
+              <a:spcBef>
+                <a:spcPts val="45"/>
+              </a:spcBef>
+            </a:pPr>
+            <a:fld id="{81D60167-4931-47E6-BA6A-407CBD079E47}" type="slidenum">
+              <a:rPr lang="en-IN" smtClean="0"/>
+              <a:pPr marL="38100">
+                <a:lnSpc>
+                  <a:spcPct val="100000"/>
+                </a:lnSpc>
+                <a:spcBef>
+                  <a:spcPts val="45"/>
+                </a:spcBef>
+              </a:pPr>
+              <a:t>14</a:t>
+            </a:fld>
+            <a:endParaRPr dirty="0"/>
+          </a:p>
+        </p:txBody>
+      </p:sp>
+      <p:sp>
+        <p:nvSpPr>
+          <p:cNvPr id="16" name="TextBox 15">
+            <a:extLst>
+              <a:ext uri="{FF2B5EF4-FFF2-40B4-BE49-F238E27FC236}">
+                <a16:creationId xmlns:a16="http://schemas.microsoft.com/office/drawing/2014/main" id="{A56C6EA1-416A-4BA7-998E-E82AA50EBA48}"/>
+              </a:ext>
+            </a:extLst>
+          </p:cNvPr>
+          <p:cNvSpPr txBox="1"/>
+          <p:nvPr/>
+        </p:nvSpPr>
+        <p:spPr>
+          <a:xfrm>
+            <a:off x="990600" y="1494471"/>
+            <a:ext cx="7514464" cy="5262979"/>
+          </a:xfrm>
+          <a:prstGeom prst="rect">
+            <a:avLst/>
+          </a:prstGeom>
+          <a:noFill/>
+        </p:spPr>
+        <p:txBody>
+          <a:bodyPr wrap="square">
+            <a:spAutoFit/>
+          </a:bodyPr>
+          <a:lstStyle/>
+          <a:p>
+            <a:pPr marL="342900" indent="-342900">
+              <a:lnSpc>
+                <a:spcPct val="150000"/>
+              </a:lnSpc>
               <a:buFont typeface="Wingdings" panose="05000000000000000000" pitchFamily="2" charset="2"/>
               <a:buChar char="q"/>
-              <a:tabLst>
-                <a:tab pos="354965" algn="l"/>
-              </a:tabLst>
-            </a:pPr>
-            <a:r>
-              <a:rPr b="1" dirty="0">
+            </a:pPr>
+            <a:r>
+              <a:rPr lang="en-IN" b="1" dirty="0">
                 <a:solidFill>
                   <a:srgbClr val="000000"/>
                 </a:solidFill>
                 <a:cs typeface="Times New Roman" pitchFamily="16" charset="0"/>
               </a:rPr>
-              <a:t>Gravure printing: a low pressure printing method that makes high  volumes and the use of organic dissolvent possible</a:t>
-            </a:r>
+              <a:t>It	is	a set	printing	create	electrical	devices on various </a:t>
+            </a:r>
+            <a:r>
+              <a:rPr lang="en-IN" b="1" dirty="0" err="1">
+                <a:solidFill>
+                  <a:srgbClr val="000000"/>
+                </a:solidFill>
+                <a:cs typeface="Times New Roman" pitchFamily="16" charset="0"/>
+              </a:rPr>
+              <a:t>substract</a:t>
+            </a:r>
+            <a:r>
+              <a:rPr lang="en-IN" b="1" dirty="0">
+                <a:solidFill>
+                  <a:srgbClr val="000000"/>
+                </a:solidFill>
+                <a:cs typeface="Times New Roman" pitchFamily="16" charset="0"/>
+              </a:rPr>
+              <a:t>.</a:t>
+            </a:r>
+          </a:p>
+          <a:p>
+            <a:pPr marL="342900" indent="-342900">
+              <a:lnSpc>
+                <a:spcPct val="150000"/>
+              </a:lnSpc>
+              <a:buFont typeface="Wingdings" panose="05000000000000000000" pitchFamily="2" charset="2"/>
+              <a:buChar char="q"/>
+            </a:pPr>
+            <a:r>
+              <a:rPr lang="en-IN" b="1" dirty="0">
+                <a:solidFill>
+                  <a:srgbClr val="000000"/>
+                </a:solidFill>
+                <a:cs typeface="Times New Roman" pitchFamily="16" charset="0"/>
+              </a:rPr>
+              <a:t>Printed electronics, specifies the process  and subject to the specific requirements of	the	printing	process	selected can utilize any solution-based material.</a:t>
+            </a:r>
+          </a:p>
+          <a:p>
+            <a:pPr marL="342900" indent="-342900">
+              <a:lnSpc>
+                <a:spcPct val="150000"/>
+              </a:lnSpc>
+              <a:buFont typeface="Wingdings" panose="05000000000000000000" pitchFamily="2" charset="2"/>
+              <a:buChar char="q"/>
+            </a:pPr>
+            <a:r>
+              <a:rPr lang="en-IN" b="1" dirty="0">
+                <a:solidFill>
+                  <a:srgbClr val="000000"/>
+                </a:solidFill>
+                <a:cs typeface="Times New Roman" pitchFamily="16" charset="0"/>
+              </a:rPr>
+              <a:t>This	includes	organic	semiconductors, inorganic </a:t>
+            </a:r>
+            <a:r>
+              <a:rPr lang="en-IN" b="1" dirty="0" err="1">
+                <a:solidFill>
+                  <a:srgbClr val="000000"/>
+                </a:solidFill>
+                <a:cs typeface="Times New Roman" pitchFamily="16" charset="0"/>
+              </a:rPr>
+              <a:t>semiconductors,metallic</a:t>
+            </a:r>
+            <a:r>
+              <a:rPr lang="en-IN" b="1" dirty="0">
+                <a:solidFill>
+                  <a:srgbClr val="000000"/>
+                </a:solidFill>
+                <a:cs typeface="Times New Roman" pitchFamily="16" charset="0"/>
+              </a:rPr>
+              <a:t> </a:t>
+            </a:r>
+            <a:r>
+              <a:rPr lang="en-IN" b="1" dirty="0" err="1">
+                <a:solidFill>
+                  <a:srgbClr val="000000"/>
+                </a:solidFill>
+                <a:cs typeface="Times New Roman" pitchFamily="16" charset="0"/>
+              </a:rPr>
+              <a:t>conductors,nano</a:t>
+            </a:r>
+            <a:r>
+              <a:rPr lang="en-IN" b="1" dirty="0">
+                <a:solidFill>
+                  <a:srgbClr val="000000"/>
+                </a:solidFill>
+                <a:cs typeface="Times New Roman" pitchFamily="16" charset="0"/>
+              </a:rPr>
+              <a:t> </a:t>
+            </a:r>
+            <a:r>
+              <a:rPr lang="en-IN" b="1" dirty="0" err="1">
+                <a:solidFill>
+                  <a:srgbClr val="000000"/>
+                </a:solidFill>
+                <a:cs typeface="Times New Roman" pitchFamily="16" charset="0"/>
+              </a:rPr>
+              <a:t>particles,nano</a:t>
+            </a:r>
+            <a:r>
+              <a:rPr lang="en-IN" b="1" dirty="0">
+                <a:solidFill>
+                  <a:srgbClr val="000000"/>
+                </a:solidFill>
+                <a:cs typeface="Times New Roman" pitchFamily="16" charset="0"/>
+              </a:rPr>
+              <a:t> tubes etc.</a:t>
+            </a:r>
+          </a:p>
+          <a:p>
+            <a:pPr marL="342900" indent="-342900">
+              <a:buFont typeface="Wingdings" panose="05000000000000000000" pitchFamily="2" charset="2"/>
+              <a:buChar char="q"/>
+            </a:pPr>
+            <a:endParaRPr lang="en-IN" sz="2400" dirty="0">
+              <a:solidFill>
+                <a:srgbClr val="2C3B43"/>
+              </a:solidFill>
+              <a:latin typeface="Times New Roman"/>
+              <a:cs typeface="Times New Roman"/>
+            </a:endParaRPr>
+          </a:p>
+          <a:p>
+            <a:r>
+              <a:rPr lang="en-IN" sz="2400" spc="-20" dirty="0">
+                <a:latin typeface="Times New Roman"/>
+                <a:cs typeface="Times New Roman"/>
+              </a:rPr>
+              <a:t>m</a:t>
+            </a:r>
+            <a:r>
+              <a:rPr lang="en-IN" sz="2400" dirty="0">
+                <a:latin typeface="Times New Roman"/>
+                <a:cs typeface="Times New Roman"/>
+              </a:rPr>
+              <a:t>ethods	</a:t>
+            </a:r>
+            <a:r>
+              <a:rPr lang="en-IN" sz="2400" spc="-5" dirty="0">
+                <a:latin typeface="Times New Roman"/>
+                <a:cs typeface="Times New Roman"/>
+              </a:rPr>
+              <a:t>us</a:t>
+            </a:r>
+            <a:r>
+              <a:rPr lang="en-IN" sz="2400" dirty="0">
+                <a:latin typeface="Times New Roman"/>
+                <a:cs typeface="Times New Roman"/>
+              </a:rPr>
+              <a:t>ed	</a:t>
+            </a:r>
+            <a:r>
+              <a:rPr lang="en-IN" sz="2400" spc="5" dirty="0">
+                <a:latin typeface="Times New Roman"/>
+                <a:cs typeface="Times New Roman"/>
+              </a:rPr>
+              <a:t>to</a:t>
+            </a:r>
+            <a:endParaRPr lang="en-IN" dirty="0"/>
           </a:p>
         </p:txBody>
       </p:sp>
@@ -7979,6 +8096,264 @@
         </p:nvSpPr>
         <p:spPr>
           <a:xfrm>
+            <a:off x="881075" y="731779"/>
+            <a:ext cx="10429850" cy="574040"/>
+          </a:xfrm>
+          <a:prstGeom prst="rect">
+            <a:avLst/>
+          </a:prstGeom>
+        </p:spPr>
+        <p:txBody>
+          <a:bodyPr vert="horz" wrap="square" lIns="0" tIns="12700" rIns="0" bIns="0" rtlCol="0">
+            <a:spAutoFit/>
+          </a:bodyPr>
+          <a:lstStyle/>
+          <a:p>
+            <a:pPr marL="12700">
+              <a:lnSpc>
+                <a:spcPct val="100000"/>
+              </a:lnSpc>
+              <a:spcBef>
+                <a:spcPts val="100"/>
+              </a:spcBef>
+            </a:pPr>
+            <a:r>
+              <a:rPr sz="3600" spc="-5" dirty="0"/>
+              <a:t>PRINTED ELECTRONICS</a:t>
+            </a:r>
+            <a:r>
+              <a:rPr sz="3600" spc="-20" dirty="0"/>
+              <a:t> </a:t>
+            </a:r>
+            <a:r>
+              <a:rPr sz="3600" dirty="0"/>
+              <a:t>METHODS</a:t>
+            </a:r>
+          </a:p>
+        </p:txBody>
+      </p:sp>
+      <p:sp>
+        <p:nvSpPr>
+          <p:cNvPr id="4" name="object 4"/>
+          <p:cNvSpPr txBox="1"/>
+          <p:nvPr/>
+        </p:nvSpPr>
+        <p:spPr>
+          <a:xfrm>
+            <a:off x="756310" y="5707751"/>
+            <a:ext cx="9835490" cy="346249"/>
+          </a:xfrm>
+          <a:prstGeom prst="rect">
+            <a:avLst/>
+          </a:prstGeom>
+        </p:spPr>
+        <p:txBody>
+          <a:bodyPr vert="horz" wrap="square" lIns="0" tIns="0" rIns="0" bIns="0" rtlCol="0">
+            <a:spAutoFit/>
+          </a:bodyPr>
+          <a:lstStyle/>
+          <a:p>
+            <a:pPr marL="355600" indent="-342900">
+              <a:lnSpc>
+                <a:spcPts val="2720"/>
+              </a:lnSpc>
+              <a:buFont typeface="Wingdings" panose="05000000000000000000" pitchFamily="2" charset="2"/>
+              <a:buChar char="q"/>
+              <a:tabLst>
+                <a:tab pos="354965" algn="l"/>
+              </a:tabLst>
+            </a:pPr>
+            <a:r>
+              <a:rPr b="1" dirty="0">
+                <a:solidFill>
+                  <a:srgbClr val="000000"/>
+                </a:solidFill>
+                <a:cs typeface="Times New Roman" pitchFamily="16" charset="0"/>
+              </a:rPr>
+              <a:t>Rotary screen printing: a method that allows to print in thick layers</a:t>
+            </a:r>
+          </a:p>
+        </p:txBody>
+      </p:sp>
+      <p:sp>
+        <p:nvSpPr>
+          <p:cNvPr id="3" name="object 3"/>
+          <p:cNvSpPr txBox="1"/>
+          <p:nvPr/>
+        </p:nvSpPr>
+        <p:spPr>
+          <a:xfrm>
+            <a:off x="756310" y="1619758"/>
+            <a:ext cx="8994140" cy="3460115"/>
+          </a:xfrm>
+          <a:prstGeom prst="rect">
+            <a:avLst/>
+          </a:prstGeom>
+        </p:spPr>
+        <p:txBody>
+          <a:bodyPr vert="horz" wrap="square" lIns="0" tIns="12700" rIns="0" bIns="0" rtlCol="0">
+            <a:spAutoFit/>
+          </a:bodyPr>
+          <a:lstStyle/>
+          <a:p>
+            <a:pPr marL="355600" marR="5080" indent="-342900">
+              <a:lnSpc>
+                <a:spcPct val="100000"/>
+              </a:lnSpc>
+              <a:spcBef>
+                <a:spcPts val="100"/>
+              </a:spcBef>
+              <a:buFont typeface="Wingdings" panose="05000000000000000000" pitchFamily="2" charset="2"/>
+              <a:buChar char="q"/>
+              <a:tabLst>
+                <a:tab pos="354965" algn="l"/>
+                <a:tab pos="1260475" algn="l"/>
+                <a:tab pos="2621915" algn="l"/>
+                <a:tab pos="2949575" algn="l"/>
+                <a:tab pos="3684270" algn="l"/>
+                <a:tab pos="4894580" algn="l"/>
+                <a:tab pos="6000750" algn="l"/>
+                <a:tab pos="6650355" algn="l"/>
+                <a:tab pos="7047865" algn="l"/>
+                <a:tab pos="8457565" algn="l"/>
+              </a:tabLst>
+            </a:pPr>
+            <a:r>
+              <a:rPr b="1" dirty="0" err="1">
+                <a:solidFill>
+                  <a:srgbClr val="000000"/>
+                </a:solidFill>
+                <a:cs typeface="Times New Roman" pitchFamily="16" charset="0"/>
+              </a:rPr>
+              <a:t>Flexo</a:t>
+            </a:r>
+            <a:r>
+              <a:rPr b="1" dirty="0">
+                <a:solidFill>
+                  <a:srgbClr val="000000"/>
+                </a:solidFill>
+                <a:cs typeface="Times New Roman" pitchFamily="16" charset="0"/>
+              </a:rPr>
+              <a:t>	printing:	a	high	pressure	method	that	is	especially	well  applicable to print on plastic substrates</a:t>
+            </a:r>
+          </a:p>
+          <a:p>
+            <a:pPr marL="342900" indent="-342900">
+              <a:lnSpc>
+                <a:spcPct val="100000"/>
+              </a:lnSpc>
+              <a:buFont typeface="Wingdings" panose="05000000000000000000" pitchFamily="2" charset="2"/>
+              <a:buChar char="q"/>
+            </a:pPr>
+            <a:endParaRPr b="1" dirty="0">
+              <a:solidFill>
+                <a:srgbClr val="000000"/>
+              </a:solidFill>
+              <a:cs typeface="Times New Roman" pitchFamily="16" charset="0"/>
+            </a:endParaRPr>
+          </a:p>
+          <a:p>
+            <a:pPr marL="355600" marR="5715" indent="-342900">
+              <a:lnSpc>
+                <a:spcPct val="100000"/>
+              </a:lnSpc>
+              <a:spcBef>
+                <a:spcPts val="1895"/>
+              </a:spcBef>
+              <a:buFont typeface="Wingdings" panose="05000000000000000000" pitchFamily="2" charset="2"/>
+              <a:buChar char="q"/>
+              <a:tabLst>
+                <a:tab pos="354965" algn="l"/>
+              </a:tabLst>
+            </a:pPr>
+            <a:r>
+              <a:rPr b="1" dirty="0">
+                <a:solidFill>
+                  <a:srgbClr val="000000"/>
+                </a:solidFill>
+                <a:cs typeface="Times New Roman" pitchFamily="16" charset="0"/>
+              </a:rPr>
+              <a:t>Offset printing: a flat printing technique that makes a high resolution  possible</a:t>
+            </a:r>
+          </a:p>
+          <a:p>
+            <a:pPr marL="342900" indent="-342900">
+              <a:lnSpc>
+                <a:spcPct val="100000"/>
+              </a:lnSpc>
+              <a:buFont typeface="Wingdings" panose="05000000000000000000" pitchFamily="2" charset="2"/>
+              <a:buChar char="q"/>
+            </a:pPr>
+            <a:endParaRPr b="1" dirty="0">
+              <a:solidFill>
+                <a:srgbClr val="000000"/>
+              </a:solidFill>
+              <a:cs typeface="Times New Roman" pitchFamily="16" charset="0"/>
+            </a:endParaRPr>
+          </a:p>
+          <a:p>
+            <a:pPr marL="355600" marR="5715" indent="-342900">
+              <a:lnSpc>
+                <a:spcPct val="100000"/>
+              </a:lnSpc>
+              <a:spcBef>
+                <a:spcPts val="1885"/>
+              </a:spcBef>
+              <a:buFont typeface="Wingdings" panose="05000000000000000000" pitchFamily="2" charset="2"/>
+              <a:buChar char="q"/>
+              <a:tabLst>
+                <a:tab pos="354965" algn="l"/>
+              </a:tabLst>
+            </a:pPr>
+            <a:r>
+              <a:rPr b="1" dirty="0">
+                <a:solidFill>
+                  <a:srgbClr val="000000"/>
+                </a:solidFill>
+                <a:cs typeface="Times New Roman" pitchFamily="16" charset="0"/>
+              </a:rPr>
+              <a:t>Gravure printing: a low pressure printing method that makes high  volumes and the use of organic dissolvent possible</a:t>
+            </a:r>
+          </a:p>
+        </p:txBody>
+      </p:sp>
+    </p:spTree>
+  </p:cSld>
+  <p:clrMapOvr>
+    <a:masterClrMapping/>
+  </p:clrMapOvr>
+</p:sld>
+</file>
+
+<file path=ppt/slides/slide16.xml><?xml version="1.0" encoding="utf-8"?>
+<p:sld xmlns:a="http://schemas.openxmlformats.org/drawingml/2006/main" xmlns:r="http://schemas.openxmlformats.org/officeDocument/2006/relationships" xmlns:p="http://schemas.openxmlformats.org/presentationml/2006/main">
+  <p:cSld>
+    <p:spTree>
+      <p:nvGrpSpPr>
+        <p:cNvPr id="1" name=""/>
+        <p:cNvGrpSpPr/>
+        <p:nvPr/>
+      </p:nvGrpSpPr>
+      <p:grpSpPr>
+        <a:xfrm>
+          <a:off x="0" y="0"/>
+          <a:ext cx="0" cy="0"/>
+          <a:chOff x="0" y="0"/>
+          <a:chExt cx="0" cy="0"/>
+        </a:xfrm>
+      </p:grpSpPr>
+      <p:sp>
+        <p:nvSpPr>
+          <p:cNvPr id="2" name="object 2"/>
+          <p:cNvSpPr txBox="1">
+            <a:spLocks noGrp="1"/>
+          </p:cNvSpPr>
+          <p:nvPr>
+            <p:ph type="title"/>
+          </p:nvPr>
+        </p:nvSpPr>
+        <p:spPr>
+          <a:xfrm>
             <a:off x="914400" y="685800"/>
             <a:ext cx="9694037" cy="574040"/>
           </a:xfrm>
@@ -8269,7 +8644,7 @@
 </p:sld>
 </file>
 
-<file path=ppt/slides/slide16.xml><?xml version="1.0" encoding="utf-8"?>
+<file path=ppt/slides/slide17.xml><?xml version="1.0" encoding="utf-8"?>
 <p:sld xmlns:a="http://schemas.openxmlformats.org/drawingml/2006/main" xmlns:r="http://schemas.openxmlformats.org/officeDocument/2006/relationships" xmlns:p="http://schemas.openxmlformats.org/presentationml/2006/main">
   <p:cSld>
     <p:spTree>
@@ -8843,7 +9218,7 @@
 </p:sld>
 </file>
 
-<file path=ppt/slides/slide17.xml><?xml version="1.0" encoding="utf-8"?>
+<file path=ppt/slides/slide18.xml><?xml version="1.0" encoding="utf-8"?>
 <p:sld xmlns:a="http://schemas.openxmlformats.org/drawingml/2006/main" xmlns:r="http://schemas.openxmlformats.org/officeDocument/2006/relationships" xmlns:p="http://schemas.openxmlformats.org/presentationml/2006/main">
   <p:cSld>
     <p:spTree>
@@ -10302,370 +10677,6 @@
 </p:sld>
 </file>
 
-<file path=ppt/slides/slide18.xml><?xml version="1.0" encoding="utf-8"?>
-<p:sld xmlns:a="http://schemas.openxmlformats.org/drawingml/2006/main" xmlns:r="http://schemas.openxmlformats.org/officeDocument/2006/relationships" xmlns:p="http://schemas.openxmlformats.org/presentationml/2006/main">
-  <p:cSld>
-    <p:spTree>
-      <p:nvGrpSpPr>
-        <p:cNvPr id="1" name=""/>
-        <p:cNvGrpSpPr/>
-        <p:nvPr/>
-      </p:nvGrpSpPr>
-      <p:grpSpPr>
-        <a:xfrm>
-          <a:off x="0" y="0"/>
-          <a:ext cx="0" cy="0"/>
-          <a:chOff x="0" y="0"/>
-          <a:chExt cx="0" cy="0"/>
-        </a:xfrm>
-      </p:grpSpPr>
-      <p:sp>
-        <p:nvSpPr>
-          <p:cNvPr id="2" name="object 2"/>
-          <p:cNvSpPr txBox="1">
-            <a:spLocks noGrp="1"/>
-          </p:cNvSpPr>
-          <p:nvPr>
-            <p:ph type="title"/>
-          </p:nvPr>
-        </p:nvSpPr>
-        <p:spPr>
-          <a:xfrm>
-            <a:off x="830854" y="775341"/>
-            <a:ext cx="11168076" cy="382156"/>
-          </a:xfrm>
-          <a:prstGeom prst="rect">
-            <a:avLst/>
-          </a:prstGeom>
-        </p:spPr>
-        <p:txBody>
-          <a:bodyPr vert="horz" wrap="square" lIns="0" tIns="12700" rIns="0" bIns="0" rtlCol="0">
-            <a:spAutoFit/>
-          </a:bodyPr>
-          <a:lstStyle/>
-          <a:p>
-            <a:pPr marL="1550035" marR="5080" indent="-1537970">
-              <a:lnSpc>
-                <a:spcPct val="100000"/>
-              </a:lnSpc>
-              <a:spcBef>
-                <a:spcPts val="100"/>
-              </a:spcBef>
-            </a:pPr>
-            <a:r>
-              <a:rPr sz="2400" b="1" dirty="0">
-                <a:solidFill>
-                  <a:srgbClr val="3333CC"/>
-                </a:solidFill>
-                <a:latin typeface="+mj-lt"/>
-                <a:cs typeface="+mj-cs"/>
-              </a:rPr>
-              <a:t>ADVANTAGES V/S DISADVANTAGES OF  POLYMER ELECTRONICS</a:t>
-            </a:r>
-          </a:p>
-        </p:txBody>
-      </p:sp>
-      <p:sp>
-        <p:nvSpPr>
-          <p:cNvPr id="3" name="object 3"/>
-          <p:cNvSpPr txBox="1"/>
-          <p:nvPr/>
-        </p:nvSpPr>
-        <p:spPr>
-          <a:xfrm>
-            <a:off x="830854" y="1484962"/>
-            <a:ext cx="5265146" cy="5339923"/>
-          </a:xfrm>
-          <a:prstGeom prst="rect">
-            <a:avLst/>
-          </a:prstGeom>
-        </p:spPr>
-        <p:txBody>
-          <a:bodyPr vert="horz" wrap="square" lIns="0" tIns="12700" rIns="0" bIns="0" rtlCol="0">
-            <a:spAutoFit/>
-          </a:bodyPr>
-          <a:lstStyle/>
-          <a:p>
-            <a:pPr marL="908685">
-              <a:lnSpc>
-                <a:spcPct val="100000"/>
-              </a:lnSpc>
-              <a:spcBef>
-                <a:spcPts val="100"/>
-              </a:spcBef>
-            </a:pPr>
-            <a:r>
-              <a:rPr b="1" dirty="0">
-                <a:solidFill>
-                  <a:srgbClr val="000000"/>
-                </a:solidFill>
-                <a:cs typeface="Times New Roman" pitchFamily="16" charset="0"/>
-              </a:rPr>
-              <a:t>ADVANTAGES</a:t>
-            </a:r>
-          </a:p>
-          <a:p>
-            <a:pPr marL="354965" marR="6350" indent="-342900" algn="just">
-              <a:lnSpc>
-                <a:spcPts val="1920"/>
-              </a:lnSpc>
-              <a:spcBef>
-                <a:spcPts val="2305"/>
-              </a:spcBef>
-              <a:buFont typeface="Wingdings" panose="05000000000000000000" pitchFamily="2" charset="2"/>
-              <a:buChar char="Ø"/>
-              <a:tabLst>
-                <a:tab pos="299720" algn="l"/>
-              </a:tabLst>
-            </a:pPr>
-            <a:r>
-              <a:rPr b="1" dirty="0">
-                <a:solidFill>
-                  <a:srgbClr val="000000"/>
-                </a:solidFill>
-                <a:cs typeface="Times New Roman" pitchFamily="16" charset="0"/>
-              </a:rPr>
-              <a:t>Manufacture is relative simple and  inexpensive equipment at low cost.</a:t>
-            </a:r>
-          </a:p>
-          <a:p>
-            <a:pPr marL="354965" marR="5080" indent="-342900" algn="just">
-              <a:lnSpc>
-                <a:spcPct val="80000"/>
-              </a:lnSpc>
-              <a:spcBef>
-                <a:spcPts val="1935"/>
-              </a:spcBef>
-              <a:buFont typeface="Wingdings" panose="05000000000000000000" pitchFamily="2" charset="2"/>
-              <a:buChar char="Ø"/>
-              <a:tabLst>
-                <a:tab pos="299720" algn="l"/>
-              </a:tabLst>
-            </a:pPr>
-            <a:r>
-              <a:rPr b="1" dirty="0">
-                <a:solidFill>
-                  <a:srgbClr val="000000"/>
-                </a:solidFill>
-                <a:cs typeface="Times New Roman" pitchFamily="16" charset="0"/>
-              </a:rPr>
-              <a:t>Light weighted and flexible, very  durable under stress and flex can  be easily applied over a large  surface area.</a:t>
-            </a:r>
-          </a:p>
-          <a:p>
-            <a:pPr marL="354965" marR="5715" indent="-342900" algn="just">
-              <a:lnSpc>
-                <a:spcPct val="80000"/>
-              </a:lnSpc>
-              <a:spcBef>
-                <a:spcPts val="1920"/>
-              </a:spcBef>
-              <a:buFont typeface="Wingdings" panose="05000000000000000000" pitchFamily="2" charset="2"/>
-              <a:buChar char="Ø"/>
-              <a:tabLst>
-                <a:tab pos="299720" algn="l"/>
-              </a:tabLst>
-            </a:pPr>
-            <a:r>
-              <a:rPr b="1" dirty="0">
-                <a:solidFill>
-                  <a:srgbClr val="000000"/>
-                </a:solidFill>
-                <a:cs typeface="Times New Roman" pitchFamily="16" charset="0"/>
-              </a:rPr>
-              <a:t>Freedom of choice of their  chemical composition</a:t>
-            </a:r>
-            <a:endParaRPr lang="en-IN" b="1" dirty="0">
-              <a:solidFill>
-                <a:srgbClr val="000000"/>
-              </a:solidFill>
-              <a:cs typeface="Times New Roman" pitchFamily="16" charset="0"/>
-            </a:endParaRPr>
-          </a:p>
-          <a:p>
-            <a:pPr marL="354965" marR="5715" indent="-342900" algn="just">
-              <a:lnSpc>
-                <a:spcPct val="80000"/>
-              </a:lnSpc>
-              <a:spcBef>
-                <a:spcPts val="1920"/>
-              </a:spcBef>
-              <a:buFont typeface="Wingdings" panose="05000000000000000000" pitchFamily="2" charset="2"/>
-              <a:buChar char="Ø"/>
-              <a:tabLst>
-                <a:tab pos="299720" algn="l"/>
-              </a:tabLst>
-            </a:pPr>
-            <a:r>
-              <a:rPr lang="en-IN" b="1" dirty="0">
-                <a:solidFill>
-                  <a:srgbClr val="000000"/>
-                </a:solidFill>
-                <a:cs typeface="Times New Roman" pitchFamily="16" charset="0"/>
-              </a:rPr>
-              <a:t>Adaptable 	in various	ways  because of printing methods that  can be adjusted to current  requirements quickly (printed  electronics)</a:t>
-            </a:r>
-          </a:p>
-          <a:p>
-            <a:pPr marL="299085" marR="5715" indent="-287020" algn="just">
-              <a:lnSpc>
-                <a:spcPct val="80000"/>
-              </a:lnSpc>
-              <a:spcBef>
-                <a:spcPts val="1920"/>
-              </a:spcBef>
-              <a:buFont typeface="Arial"/>
-              <a:buChar char="•"/>
-              <a:tabLst>
-                <a:tab pos="299720" algn="l"/>
-              </a:tabLst>
-            </a:pPr>
-            <a:endParaRPr sz="2000" dirty="0">
-              <a:solidFill>
-                <a:schemeClr val="tx1"/>
-              </a:solidFill>
-              <a:latin typeface="Times New Roman"/>
-              <a:cs typeface="Times New Roman"/>
-            </a:endParaRPr>
-          </a:p>
-        </p:txBody>
-      </p:sp>
-      <p:sp>
-        <p:nvSpPr>
-          <p:cNvPr id="7" name="object 7"/>
-          <p:cNvSpPr txBox="1"/>
-          <p:nvPr/>
-        </p:nvSpPr>
-        <p:spPr>
-          <a:xfrm>
-            <a:off x="6477000" y="1484962"/>
-            <a:ext cx="5715000" cy="4883388"/>
-          </a:xfrm>
-          <a:prstGeom prst="rect">
-            <a:avLst/>
-          </a:prstGeom>
-        </p:spPr>
-        <p:txBody>
-          <a:bodyPr vert="horz" wrap="square" lIns="0" tIns="12700" rIns="0" bIns="0" rtlCol="0">
-            <a:spAutoFit/>
-          </a:bodyPr>
-          <a:lstStyle/>
-          <a:p>
-            <a:pPr marR="464184" algn="ctr">
-              <a:lnSpc>
-                <a:spcPct val="100000"/>
-              </a:lnSpc>
-              <a:spcBef>
-                <a:spcPts val="100"/>
-              </a:spcBef>
-            </a:pPr>
-            <a:r>
-              <a:rPr b="1" dirty="0">
-                <a:solidFill>
-                  <a:srgbClr val="000000"/>
-                </a:solidFill>
-                <a:cs typeface="Times New Roman" pitchFamily="16" charset="0"/>
-              </a:rPr>
-              <a:t>DISADVANTAGES</a:t>
-            </a:r>
-          </a:p>
-          <a:p>
-            <a:pPr marL="393065" marR="56515" indent="-342900" algn="just">
-              <a:lnSpc>
-                <a:spcPts val="1920"/>
-              </a:lnSpc>
-              <a:spcBef>
-                <a:spcPts val="2305"/>
-              </a:spcBef>
-              <a:buFont typeface="Wingdings" panose="05000000000000000000" pitchFamily="2" charset="2"/>
-              <a:buChar char="Ø"/>
-              <a:tabLst>
-                <a:tab pos="337820" algn="l"/>
-              </a:tabLst>
-            </a:pPr>
-            <a:r>
-              <a:rPr b="1" dirty="0">
-                <a:solidFill>
-                  <a:srgbClr val="000000"/>
-                </a:solidFill>
-                <a:cs typeface="Times New Roman" pitchFamily="16" charset="0"/>
-              </a:rPr>
-              <a:t>Due to their intrinsic physical properties  (i.e. limited mobility of charge carriers),  the performance of polymer electronic  products lacks the speed of its silicon  counterpart.</a:t>
-            </a:r>
-          </a:p>
-          <a:p>
-            <a:pPr marL="393065" marR="56515" indent="-342900" algn="just">
-              <a:lnSpc>
-                <a:spcPts val="1920"/>
-              </a:lnSpc>
-              <a:spcBef>
-                <a:spcPts val="1920"/>
-              </a:spcBef>
-              <a:buFont typeface="Wingdings" panose="05000000000000000000" pitchFamily="2" charset="2"/>
-              <a:buChar char="Ø"/>
-              <a:tabLst>
-                <a:tab pos="337820" algn="l"/>
-              </a:tabLst>
-            </a:pPr>
-            <a:r>
-              <a:rPr b="1" dirty="0">
-                <a:solidFill>
-                  <a:srgbClr val="000000"/>
-                </a:solidFill>
-                <a:cs typeface="Times New Roman" pitchFamily="16" charset="0"/>
-              </a:rPr>
-              <a:t>Research is still on going to increase  performance for more complex  functionality.</a:t>
-            </a:r>
-          </a:p>
-          <a:p>
-            <a:pPr marL="342900" indent="-342900">
-              <a:lnSpc>
-                <a:spcPct val="100000"/>
-              </a:lnSpc>
-              <a:buFont typeface="Wingdings" panose="05000000000000000000" pitchFamily="2" charset="2"/>
-              <a:buChar char="Ø"/>
-            </a:pPr>
-            <a:endParaRPr b="1" dirty="0">
-              <a:solidFill>
-                <a:srgbClr val="000000"/>
-              </a:solidFill>
-              <a:cs typeface="Times New Roman" pitchFamily="16" charset="0"/>
-            </a:endParaRPr>
-          </a:p>
-          <a:p>
-            <a:pPr marL="393065" marR="55880" indent="-342900" algn="just">
-              <a:lnSpc>
-                <a:spcPct val="80000"/>
-              </a:lnSpc>
-              <a:spcBef>
-                <a:spcPts val="1330"/>
-              </a:spcBef>
-              <a:buFont typeface="Wingdings" panose="05000000000000000000" pitchFamily="2" charset="2"/>
-              <a:buChar char="Ø"/>
-              <a:tabLst>
-                <a:tab pos="337820" algn="l"/>
-              </a:tabLst>
-            </a:pPr>
-            <a:r>
-              <a:rPr b="1" dirty="0">
-                <a:solidFill>
-                  <a:srgbClr val="000000"/>
-                </a:solidFill>
-                <a:cs typeface="Times New Roman" pitchFamily="16" charset="0"/>
-              </a:rPr>
-              <a:t>To be able to improve performance one  should be able to distinguish between  problems introduced during preparation,  intrinsic  material  properties,  and18device  characteristics</a:t>
-            </a:r>
-          </a:p>
-        </p:txBody>
-      </p:sp>
-    </p:spTree>
-  </p:cSld>
-  <p:clrMapOvr>
-    <a:masterClrMapping/>
-  </p:clrMapOvr>
-</p:sld>
-</file>
-
 <file path=ppt/slides/slide19.xml><?xml version="1.0" encoding="utf-8"?>
 <p:sld xmlns:a="http://schemas.openxmlformats.org/drawingml/2006/main" xmlns:r="http://schemas.openxmlformats.org/officeDocument/2006/relationships" xmlns:p="http://schemas.openxmlformats.org/presentationml/2006/main">
   <p:cSld>
@@ -10695,8 +10706,8 @@
         </p:nvSpPr>
         <p:spPr>
           <a:xfrm>
-            <a:off x="762000" y="685800"/>
-            <a:ext cx="5707380" cy="574040"/>
+            <a:off x="830854" y="775341"/>
+            <a:ext cx="11168076" cy="382156"/>
           </a:xfrm>
           <a:prstGeom prst="rect">
             <a:avLst/>
@@ -10708,7 +10719,7 @@
           </a:bodyPr>
           <a:lstStyle/>
           <a:p>
-            <a:pPr marL="12700">
+            <a:pPr marL="1550035" marR="5080" indent="-1537970">
               <a:lnSpc>
                 <a:spcPct val="100000"/>
               </a:lnSpc>
@@ -10717,18 +10728,15 @@
               </a:spcBef>
             </a:pPr>
             <a:r>
-              <a:rPr sz="3600" spc="-5" dirty="0"/>
-              <a:t>CONCLU</a:t>
-            </a:r>
-            <a:r>
-              <a:rPr sz="3600" dirty="0"/>
-              <a:t>S</a:t>
-            </a:r>
-            <a:r>
-              <a:rPr sz="3600" spc="-5" dirty="0"/>
-              <a:t>ION</a:t>
-            </a:r>
-            <a:endParaRPr sz="3600" dirty="0"/>
+              <a:rPr sz="2400" b="1" dirty="0">
+                <a:solidFill>
+                  <a:srgbClr val="3333CC"/>
+                </a:solidFill>
+                <a:latin typeface="+mj-lt"/>
+                <a:cs typeface="+mj-cs"/>
+              </a:rPr>
+              <a:t>ADVANTAGES V/S DISADVANTAGES OF  POLYMER ELECTRONICS</a:t>
+            </a:r>
           </a:p>
         </p:txBody>
       </p:sp>
@@ -10740,8 +10748,8 @@
         </p:nvSpPr>
         <p:spPr>
           <a:xfrm>
-            <a:off x="762000" y="1266298"/>
-            <a:ext cx="10972800" cy="4673395"/>
+            <a:off x="830854" y="1484962"/>
+            <a:ext cx="5265146" cy="5339923"/>
           </a:xfrm>
           <a:prstGeom prst="rect">
             <a:avLst/>
@@ -10753,98 +10761,7 @@
           </a:bodyPr>
           <a:lstStyle/>
           <a:p>
-            <a:pPr marL="355600" marR="5080" indent="-342900" algn="just">
-              <a:lnSpc>
-                <a:spcPct val="150000"/>
-              </a:lnSpc>
-              <a:spcBef>
-                <a:spcPts val="100"/>
-              </a:spcBef>
-              <a:buFont typeface="Wingdings" panose="05000000000000000000" pitchFamily="2" charset="2"/>
-              <a:buChar char="q"/>
-              <a:tabLst>
-                <a:tab pos="355600" algn="l"/>
-              </a:tabLst>
-            </a:pPr>
-            <a:r>
-              <a:rPr b="1" dirty="0">
-                <a:solidFill>
-                  <a:srgbClr val="000000"/>
-                </a:solidFill>
-                <a:cs typeface="Times New Roman" pitchFamily="16" charset="0"/>
-              </a:rPr>
-              <a:t>ICPs are Electrically-conductive polymers in which the Conductivity  arises from the presence of conjugated car-bon-carbon bonds. These  conjugated polymers possess interesting and useful properties due to their  delocalised electron systems.</a:t>
-            </a:r>
-          </a:p>
-          <a:p>
-            <a:pPr marL="355600" marR="5715" indent="-342900" algn="just">
-              <a:lnSpc>
-                <a:spcPct val="150000"/>
-              </a:lnSpc>
-              <a:buFont typeface="Wingdings" panose="05000000000000000000" pitchFamily="2" charset="2"/>
-              <a:buChar char="q"/>
-              <a:tabLst>
-                <a:tab pos="355600" algn="l"/>
-              </a:tabLst>
-            </a:pPr>
-            <a:r>
-              <a:rPr b="1" dirty="0">
-                <a:solidFill>
-                  <a:srgbClr val="000000"/>
-                </a:solidFill>
-                <a:cs typeface="Times New Roman" pitchFamily="16" charset="0"/>
-              </a:rPr>
-              <a:t>Polymer electronics are light, flexible, and less expensive to produce on a  mass quantity scale than conventional electronics</a:t>
-            </a:r>
-          </a:p>
-          <a:p>
-            <a:pPr marL="355600" marR="5080" indent="-342900" algn="just">
-              <a:lnSpc>
-                <a:spcPct val="150000"/>
-              </a:lnSpc>
-              <a:spcBef>
-                <a:spcPts val="2305"/>
-              </a:spcBef>
-              <a:buFont typeface="Wingdings" panose="05000000000000000000" pitchFamily="2" charset="2"/>
-              <a:buChar char="q"/>
-              <a:tabLst>
-                <a:tab pos="355600" algn="l"/>
-              </a:tabLst>
-            </a:pPr>
-            <a:r>
-              <a:rPr b="1" dirty="0">
-                <a:solidFill>
-                  <a:srgbClr val="000000"/>
-                </a:solidFill>
-                <a:cs typeface="Times New Roman" pitchFamily="16" charset="0"/>
-              </a:rPr>
-              <a:t>Polymer electronics are not a competing product but are considered to  be more complementary to its silicon counterpart.</a:t>
-            </a:r>
-          </a:p>
-        </p:txBody>
-      </p:sp>
-      <p:sp>
-        <p:nvSpPr>
-          <p:cNvPr id="4" name="object 4"/>
-          <p:cNvSpPr txBox="1"/>
-          <p:nvPr/>
-        </p:nvSpPr>
-        <p:spPr>
-          <a:xfrm>
-            <a:off x="9051797" y="6140907"/>
-            <a:ext cx="144780" cy="162560"/>
-          </a:xfrm>
-          <a:prstGeom prst="rect">
-            <a:avLst/>
-          </a:prstGeom>
-        </p:spPr>
-        <p:txBody>
-          <a:bodyPr vert="horz" wrap="square" lIns="0" tIns="12700" rIns="0" bIns="0" rtlCol="0">
-            <a:spAutoFit/>
-          </a:bodyPr>
-          <a:lstStyle/>
-          <a:p>
-            <a:pPr marL="12700">
+            <a:pPr marL="908685">
               <a:lnSpc>
                 <a:spcPct val="100000"/>
               </a:lnSpc>
@@ -10853,19 +10770,266 @@
               </a:spcBef>
             </a:pPr>
             <a:r>
-              <a:rPr sz="900" spc="-5" dirty="0">
-                <a:solidFill>
-                  <a:srgbClr val="90C225"/>
-                </a:solidFill>
-                <a:latin typeface="Trebuchet MS"/>
-                <a:cs typeface="Trebuchet MS"/>
-              </a:rPr>
-              <a:t>19</a:t>
-            </a:r>
-            <a:endParaRPr sz="900">
-              <a:latin typeface="Trebuchet MS"/>
-              <a:cs typeface="Trebuchet MS"/>
+              <a:rPr b="1" dirty="0">
+                <a:solidFill>
+                  <a:srgbClr val="000000"/>
+                </a:solidFill>
+                <a:cs typeface="Times New Roman" pitchFamily="16" charset="0"/>
+              </a:rPr>
+              <a:t>ADVANTAGES</a:t>
+            </a:r>
+          </a:p>
+          <a:p>
+            <a:pPr marL="354965" marR="6350" indent="-342900" algn="just">
+              <a:lnSpc>
+                <a:spcPts val="1920"/>
+              </a:lnSpc>
+              <a:spcBef>
+                <a:spcPts val="2305"/>
+              </a:spcBef>
+              <a:buFont typeface="Wingdings" panose="05000000000000000000" pitchFamily="2" charset="2"/>
+              <a:buChar char="Ø"/>
+              <a:tabLst>
+                <a:tab pos="299720" algn="l"/>
+              </a:tabLst>
+            </a:pPr>
+            <a:r>
+              <a:rPr b="1" dirty="0">
+                <a:solidFill>
+                  <a:srgbClr val="000000"/>
+                </a:solidFill>
+                <a:cs typeface="Times New Roman" pitchFamily="16" charset="0"/>
+              </a:rPr>
+              <a:t>Manufacture is relative simple and  inexpensive equipment at low cost.</a:t>
+            </a:r>
+          </a:p>
+          <a:p>
+            <a:pPr marL="354965" marR="5080" indent="-342900" algn="just">
+              <a:lnSpc>
+                <a:spcPct val="80000"/>
+              </a:lnSpc>
+              <a:spcBef>
+                <a:spcPts val="1935"/>
+              </a:spcBef>
+              <a:buFont typeface="Wingdings" panose="05000000000000000000" pitchFamily="2" charset="2"/>
+              <a:buChar char="Ø"/>
+              <a:tabLst>
+                <a:tab pos="299720" algn="l"/>
+              </a:tabLst>
+            </a:pPr>
+            <a:r>
+              <a:rPr b="1" dirty="0">
+                <a:solidFill>
+                  <a:srgbClr val="000000"/>
+                </a:solidFill>
+                <a:cs typeface="Times New Roman" pitchFamily="16" charset="0"/>
+              </a:rPr>
+              <a:t>Light weighted and flexible, very  durable under stress and flex can  be easily applied over a large  surface area.</a:t>
+            </a:r>
+          </a:p>
+          <a:p>
+            <a:pPr marL="354965" marR="5715" indent="-342900" algn="just">
+              <a:lnSpc>
+                <a:spcPct val="80000"/>
+              </a:lnSpc>
+              <a:spcBef>
+                <a:spcPts val="1920"/>
+              </a:spcBef>
+              <a:buFont typeface="Wingdings" panose="05000000000000000000" pitchFamily="2" charset="2"/>
+              <a:buChar char="Ø"/>
+              <a:tabLst>
+                <a:tab pos="299720" algn="l"/>
+              </a:tabLst>
+            </a:pPr>
+            <a:r>
+              <a:rPr b="1" dirty="0">
+                <a:solidFill>
+                  <a:srgbClr val="000000"/>
+                </a:solidFill>
+                <a:cs typeface="Times New Roman" pitchFamily="16" charset="0"/>
+              </a:rPr>
+              <a:t>Freedom of choice of their  chemical composition</a:t>
+            </a:r>
+            <a:endParaRPr lang="en-IN" b="1" dirty="0">
+              <a:solidFill>
+                <a:srgbClr val="000000"/>
+              </a:solidFill>
+              <a:cs typeface="Times New Roman" pitchFamily="16" charset="0"/>
             </a:endParaRPr>
+          </a:p>
+          <a:p>
+            <a:pPr marL="354965" marR="5715" indent="-342900" algn="just">
+              <a:lnSpc>
+                <a:spcPct val="80000"/>
+              </a:lnSpc>
+              <a:spcBef>
+                <a:spcPts val="1920"/>
+              </a:spcBef>
+              <a:buFont typeface="Wingdings" panose="05000000000000000000" pitchFamily="2" charset="2"/>
+              <a:buChar char="Ø"/>
+              <a:tabLst>
+                <a:tab pos="299720" algn="l"/>
+              </a:tabLst>
+            </a:pPr>
+            <a:r>
+              <a:rPr lang="en-IN" b="1" dirty="0">
+                <a:solidFill>
+                  <a:srgbClr val="000000"/>
+                </a:solidFill>
+                <a:cs typeface="Times New Roman" pitchFamily="16" charset="0"/>
+              </a:rPr>
+              <a:t>Adaptable 	in various	ways  because of printing methods that  can be adjusted to current  requirements quickly (printed  electronics)</a:t>
+            </a:r>
+          </a:p>
+          <a:p>
+            <a:pPr marL="299085" marR="5715" indent="-287020" algn="just">
+              <a:lnSpc>
+                <a:spcPct val="80000"/>
+              </a:lnSpc>
+              <a:spcBef>
+                <a:spcPts val="1920"/>
+              </a:spcBef>
+              <a:buFont typeface="Arial"/>
+              <a:buChar char="•"/>
+              <a:tabLst>
+                <a:tab pos="299720" algn="l"/>
+              </a:tabLst>
+            </a:pPr>
+            <a:endParaRPr sz="2000" dirty="0">
+              <a:solidFill>
+                <a:schemeClr val="tx1"/>
+              </a:solidFill>
+              <a:latin typeface="Times New Roman"/>
+              <a:cs typeface="Times New Roman"/>
+            </a:endParaRPr>
+          </a:p>
+        </p:txBody>
+      </p:sp>
+      <p:sp>
+        <p:nvSpPr>
+          <p:cNvPr id="7" name="object 7"/>
+          <p:cNvSpPr txBox="1"/>
+          <p:nvPr/>
+        </p:nvSpPr>
+        <p:spPr>
+          <a:xfrm>
+            <a:off x="6477000" y="1484962"/>
+            <a:ext cx="5715000" cy="4883388"/>
+          </a:xfrm>
+          <a:prstGeom prst="rect">
+            <a:avLst/>
+          </a:prstGeom>
+        </p:spPr>
+        <p:txBody>
+          <a:bodyPr vert="horz" wrap="square" lIns="0" tIns="12700" rIns="0" bIns="0" rtlCol="0">
+            <a:spAutoFit/>
+          </a:bodyPr>
+          <a:lstStyle/>
+          <a:p>
+            <a:pPr marR="464184" algn="ctr">
+              <a:lnSpc>
+                <a:spcPct val="100000"/>
+              </a:lnSpc>
+              <a:spcBef>
+                <a:spcPts val="100"/>
+              </a:spcBef>
+            </a:pPr>
+            <a:r>
+              <a:rPr b="1" dirty="0">
+                <a:solidFill>
+                  <a:srgbClr val="000000"/>
+                </a:solidFill>
+                <a:cs typeface="Times New Roman" pitchFamily="16" charset="0"/>
+              </a:rPr>
+              <a:t>DISADVANTAGES</a:t>
+            </a:r>
+          </a:p>
+          <a:p>
+            <a:pPr marL="393065" marR="56515" indent="-342900" algn="just">
+              <a:lnSpc>
+                <a:spcPts val="1920"/>
+              </a:lnSpc>
+              <a:spcBef>
+                <a:spcPts val="2305"/>
+              </a:spcBef>
+              <a:buFont typeface="Wingdings" panose="05000000000000000000" pitchFamily="2" charset="2"/>
+              <a:buChar char="Ø"/>
+              <a:tabLst>
+                <a:tab pos="337820" algn="l"/>
+              </a:tabLst>
+            </a:pPr>
+            <a:r>
+              <a:rPr b="1" dirty="0">
+                <a:solidFill>
+                  <a:srgbClr val="000000"/>
+                </a:solidFill>
+                <a:cs typeface="Times New Roman" pitchFamily="16" charset="0"/>
+              </a:rPr>
+              <a:t>Due to their intrinsic physical properties  (i.e. limited mobility of charge carriers),  the performance of polymer electronic  products lacks the speed of its silicon  counterpart.</a:t>
+            </a:r>
+          </a:p>
+          <a:p>
+            <a:pPr marL="393065" marR="56515" indent="-342900" algn="just">
+              <a:lnSpc>
+                <a:spcPts val="1920"/>
+              </a:lnSpc>
+              <a:spcBef>
+                <a:spcPts val="1920"/>
+              </a:spcBef>
+              <a:buFont typeface="Wingdings" panose="05000000000000000000" pitchFamily="2" charset="2"/>
+              <a:buChar char="Ø"/>
+              <a:tabLst>
+                <a:tab pos="337820" algn="l"/>
+              </a:tabLst>
+            </a:pPr>
+            <a:r>
+              <a:rPr b="1" dirty="0">
+                <a:solidFill>
+                  <a:srgbClr val="000000"/>
+                </a:solidFill>
+                <a:cs typeface="Times New Roman" pitchFamily="16" charset="0"/>
+              </a:rPr>
+              <a:t>Research is still on going to increase  performance for more complex  functionality.</a:t>
+            </a:r>
+          </a:p>
+          <a:p>
+            <a:pPr marL="342900" indent="-342900">
+              <a:lnSpc>
+                <a:spcPct val="100000"/>
+              </a:lnSpc>
+              <a:buFont typeface="Wingdings" panose="05000000000000000000" pitchFamily="2" charset="2"/>
+              <a:buChar char="Ø"/>
+            </a:pPr>
+            <a:endParaRPr b="1" dirty="0">
+              <a:solidFill>
+                <a:srgbClr val="000000"/>
+              </a:solidFill>
+              <a:cs typeface="Times New Roman" pitchFamily="16" charset="0"/>
+            </a:endParaRPr>
+          </a:p>
+          <a:p>
+            <a:pPr marL="393065" marR="55880" indent="-342900" algn="just">
+              <a:lnSpc>
+                <a:spcPct val="80000"/>
+              </a:lnSpc>
+              <a:spcBef>
+                <a:spcPts val="1330"/>
+              </a:spcBef>
+              <a:buFont typeface="Wingdings" panose="05000000000000000000" pitchFamily="2" charset="2"/>
+              <a:buChar char="Ø"/>
+              <a:tabLst>
+                <a:tab pos="337820" algn="l"/>
+              </a:tabLst>
+            </a:pPr>
+            <a:r>
+              <a:rPr b="1" dirty="0">
+                <a:solidFill>
+                  <a:srgbClr val="000000"/>
+                </a:solidFill>
+                <a:cs typeface="Times New Roman" pitchFamily="16" charset="0"/>
+              </a:rPr>
+              <a:t>To be able to improve performance one  should be able to distinguish between  problems introduced during preparation,  intrinsic  material  properties,  and18device  characteristics</a:t>
+            </a:r>
           </a:p>
         </p:txBody>
       </p:sp>
@@ -10896,213 +11060,62 @@
       </p:grpSpPr>
       <p:sp>
         <p:nvSpPr>
-          <p:cNvPr id="2" name="object 2"/>
-          <p:cNvSpPr txBox="1">
-            <a:spLocks noGrp="1"/>
-          </p:cNvSpPr>
-          <p:nvPr>
-            <p:ph type="title"/>
-          </p:nvPr>
+          <p:cNvPr id="3" name="TextBox 2">
+            <a:extLst>
+              <a:ext uri="{FF2B5EF4-FFF2-40B4-BE49-F238E27FC236}">
+                <a16:creationId xmlns:a16="http://schemas.microsoft.com/office/drawing/2014/main" id="{AE96FA8F-55EE-44C0-B866-7B7B024665F2}"/>
+              </a:ext>
+            </a:extLst>
+          </p:cNvPr>
+          <p:cNvSpPr txBox="1"/>
+          <p:nvPr/>
         </p:nvSpPr>
         <p:spPr>
           <a:xfrm>
-            <a:off x="838200" y="701413"/>
-            <a:ext cx="10972799" cy="574675"/>
+            <a:off x="914400" y="762000"/>
+            <a:ext cx="9432010" cy="646331"/>
           </a:xfrm>
           <a:prstGeom prst="rect">
             <a:avLst/>
           </a:prstGeom>
-        </p:spPr>
-        <p:txBody>
-          <a:bodyPr vert="horz" wrap="square" lIns="0" tIns="12700" rIns="0" bIns="0" rtlCol="0">
+          <a:noFill/>
+        </p:spPr>
+        <p:txBody>
+          <a:bodyPr wrap="square">
             <a:spAutoFit/>
           </a:bodyPr>
           <a:lstStyle/>
           <a:p>
-            <a:pPr marL="12700">
-              <a:lnSpc>
-                <a:spcPct val="100000"/>
-              </a:lnSpc>
-              <a:spcBef>
-                <a:spcPts val="100"/>
-              </a:spcBef>
-            </a:pPr>
-            <a:r>
-              <a:rPr sz="3600" spc="-100" dirty="0"/>
-              <a:t>WHAT </a:t>
-            </a:r>
-            <a:r>
-              <a:rPr sz="3600" dirty="0"/>
-              <a:t>IS </a:t>
-            </a:r>
-            <a:r>
-              <a:rPr sz="3600" spc="-55" dirty="0"/>
-              <a:t>POLYMER</a:t>
-            </a:r>
-            <a:r>
-              <a:rPr sz="3600" spc="-50" dirty="0"/>
-              <a:t> </a:t>
-            </a:r>
-            <a:r>
-              <a:rPr sz="3600" dirty="0"/>
-              <a:t>ELECTRONICS?</a:t>
-            </a:r>
-          </a:p>
-        </p:txBody>
-      </p:sp>
-      <p:sp>
-        <p:nvSpPr>
-          <p:cNvPr id="4" name="object 4"/>
-          <p:cNvSpPr txBox="1">
-            <a:spLocks noGrp="1"/>
-          </p:cNvSpPr>
-          <p:nvPr>
-            <p:ph type="sldNum" sz="quarter" idx="7"/>
-          </p:nvPr>
-        </p:nvSpPr>
-        <p:spPr>
-          <a:xfrm>
-            <a:off x="9026397" y="6147883"/>
-            <a:ext cx="195579" cy="158114"/>
-          </a:xfrm>
-          <a:prstGeom prst="rect">
-            <a:avLst/>
-          </a:prstGeom>
-        </p:spPr>
-        <p:txBody>
-          <a:bodyPr vert="horz" wrap="square" lIns="0" tIns="0" rIns="0" bIns="0" rtlCol="0">
-            <a:spAutoFit/>
-          </a:bodyPr>
-          <a:lstStyle>
-            <a:defPPr>
-              <a:defRPr lang="en-US"/>
-            </a:defPPr>
-            <a:lvl1pPr marL="0" algn="l" defTabSz="914400" rtl="0" eaLnBrk="1" latinLnBrk="0" hangingPunct="1">
-              <a:defRPr sz="900" b="0" i="0" kern="1200">
-                <a:solidFill>
-                  <a:srgbClr val="90C225"/>
-                </a:solidFill>
-                <a:latin typeface="Trebuchet MS"/>
-                <a:ea typeface="+mn-ea"/>
-                <a:cs typeface="Trebuchet MS"/>
-              </a:defRPr>
-            </a:lvl1pPr>
-            <a:lvl2pPr marL="457200" algn="l" defTabSz="914400" rtl="0" eaLnBrk="1" latinLnBrk="0" hangingPunct="1">
-              <a:defRPr sz="1800" kern="1200">
-                <a:solidFill>
-                  <a:schemeClr val="tx1"/>
-                </a:solidFill>
-                <a:latin typeface="+mn-lt"/>
-                <a:ea typeface="+mn-ea"/>
-                <a:cs typeface="+mn-cs"/>
-              </a:defRPr>
-            </a:lvl2pPr>
-            <a:lvl3pPr marL="914400" algn="l" defTabSz="914400" rtl="0" eaLnBrk="1" latinLnBrk="0" hangingPunct="1">
-              <a:defRPr sz="1800" kern="1200">
-                <a:solidFill>
-                  <a:schemeClr val="tx1"/>
-                </a:solidFill>
-                <a:latin typeface="+mn-lt"/>
-                <a:ea typeface="+mn-ea"/>
-                <a:cs typeface="+mn-cs"/>
-              </a:defRPr>
-            </a:lvl3pPr>
-            <a:lvl4pPr marL="1371600" algn="l" defTabSz="914400" rtl="0" eaLnBrk="1" latinLnBrk="0" hangingPunct="1">
-              <a:defRPr sz="1800" kern="1200">
-                <a:solidFill>
-                  <a:schemeClr val="tx1"/>
-                </a:solidFill>
-                <a:latin typeface="+mn-lt"/>
-                <a:ea typeface="+mn-ea"/>
-                <a:cs typeface="+mn-cs"/>
-              </a:defRPr>
-            </a:lvl4pPr>
-            <a:lvl5pPr marL="1828800" algn="l" defTabSz="914400" rtl="0" eaLnBrk="1" latinLnBrk="0" hangingPunct="1">
-              <a:defRPr sz="1800" kern="1200">
-                <a:solidFill>
-                  <a:schemeClr val="tx1"/>
-                </a:solidFill>
-                <a:latin typeface="+mn-lt"/>
-                <a:ea typeface="+mn-ea"/>
-                <a:cs typeface="+mn-cs"/>
-              </a:defRPr>
-            </a:lvl5pPr>
-            <a:lvl6pPr marL="2286000" algn="l" defTabSz="914400" rtl="0" eaLnBrk="1" latinLnBrk="0" hangingPunct="1">
-              <a:defRPr sz="1800" kern="1200">
-                <a:solidFill>
-                  <a:schemeClr val="tx1"/>
-                </a:solidFill>
-                <a:latin typeface="+mn-lt"/>
-                <a:ea typeface="+mn-ea"/>
-                <a:cs typeface="+mn-cs"/>
-              </a:defRPr>
-            </a:lvl6pPr>
-            <a:lvl7pPr marL="2743200" algn="l" defTabSz="914400" rtl="0" eaLnBrk="1" latinLnBrk="0" hangingPunct="1">
-              <a:defRPr sz="1800" kern="1200">
-                <a:solidFill>
-                  <a:schemeClr val="tx1"/>
-                </a:solidFill>
-                <a:latin typeface="+mn-lt"/>
-                <a:ea typeface="+mn-ea"/>
-                <a:cs typeface="+mn-cs"/>
-              </a:defRPr>
-            </a:lvl7pPr>
-            <a:lvl8pPr marL="3200400" algn="l" defTabSz="914400" rtl="0" eaLnBrk="1" latinLnBrk="0" hangingPunct="1">
-              <a:defRPr sz="1800" kern="1200">
-                <a:solidFill>
-                  <a:schemeClr val="tx1"/>
-                </a:solidFill>
-                <a:latin typeface="+mn-lt"/>
-                <a:ea typeface="+mn-ea"/>
-                <a:cs typeface="+mn-cs"/>
-              </a:defRPr>
-            </a:lvl8pPr>
-            <a:lvl9pPr marL="3657600" algn="l" defTabSz="914400" rtl="0" eaLnBrk="1" latinLnBrk="0" hangingPunct="1">
-              <a:defRPr sz="1800" kern="1200">
-                <a:solidFill>
-                  <a:schemeClr val="tx1"/>
-                </a:solidFill>
-                <a:latin typeface="+mn-lt"/>
-                <a:ea typeface="+mn-ea"/>
-                <a:cs typeface="+mn-cs"/>
-              </a:defRPr>
-            </a:lvl9pPr>
-          </a:lstStyle>
-          <a:p>
-            <a:pPr marL="38100">
-              <a:lnSpc>
-                <a:spcPct val="100000"/>
-              </a:lnSpc>
-              <a:spcBef>
-                <a:spcPts val="45"/>
-              </a:spcBef>
-            </a:pPr>
-            <a:fld id="{81D60167-4931-47E6-BA6A-407CBD079E47}" type="slidenum">
-              <a:rPr lang="en-IN" smtClean="0"/>
-              <a:pPr marL="38100">
-                <a:lnSpc>
-                  <a:spcPct val="100000"/>
-                </a:lnSpc>
-                <a:spcBef>
-                  <a:spcPts val="45"/>
-                </a:spcBef>
-              </a:pPr>
-              <a:t>2</a:t>
-            </a:fld>
-            <a:endParaRPr dirty="0"/>
-          </a:p>
-        </p:txBody>
-      </p:sp>
-      <p:sp>
-        <p:nvSpPr>
-          <p:cNvPr id="3" name="object 3"/>
+            <a:r>
+              <a:rPr lang="en-IN" sz="3600" b="1" spc="-100" dirty="0">
+                <a:solidFill>
+                  <a:srgbClr val="3333CC"/>
+                </a:solidFill>
+                <a:latin typeface="+mj-lt"/>
+                <a:ea typeface="+mj-ea"/>
+                <a:cs typeface="+mj-cs"/>
+              </a:rPr>
+              <a:t>CONTENTS</a:t>
+            </a:r>
+          </a:p>
+        </p:txBody>
+      </p:sp>
+      <p:sp>
+        <p:nvSpPr>
+          <p:cNvPr id="6" name="object 3">
+            <a:extLst>
+              <a:ext uri="{FF2B5EF4-FFF2-40B4-BE49-F238E27FC236}">
+                <a16:creationId xmlns:a16="http://schemas.microsoft.com/office/drawing/2014/main" id="{CF4C18ED-16D9-4647-A123-95EB1E340CC2}"/>
+              </a:ext>
+            </a:extLst>
+          </p:cNvPr>
           <p:cNvSpPr txBox="1"/>
           <p:nvPr/>
         </p:nvSpPr>
         <p:spPr>
           <a:xfrm>
             <a:off x="838200" y="1264464"/>
-            <a:ext cx="11201399" cy="4234814"/>
+            <a:ext cx="11201399" cy="8076891"/>
           </a:xfrm>
           <a:prstGeom prst="rect">
             <a:avLst/>
@@ -11128,40 +11141,22 @@
               </a:tabLst>
             </a:pPr>
             <a:r>
-              <a:rPr b="1" dirty="0">
+              <a:rPr lang="en-IN" sz="1200" b="1" dirty="0">
                 <a:solidFill>
                   <a:srgbClr val="000000"/>
                 </a:solidFill>
                 <a:cs typeface="Times New Roman" pitchFamily="16" charset="0"/>
               </a:rPr>
-              <a:t>Polymers are long-chain molecules consisting of many repeat units</a:t>
-            </a:r>
-            <a:r>
-              <a:rPr lang="en-IN" b="1" dirty="0">
-                <a:solidFill>
-                  <a:srgbClr val="000000"/>
-                </a:solidFill>
-                <a:cs typeface="Times New Roman" pitchFamily="16" charset="0"/>
-              </a:rPr>
-              <a:t> </a:t>
-            </a:r>
-            <a:r>
-              <a:rPr b="1" dirty="0">
-                <a:solidFill>
-                  <a:srgbClr val="000000"/>
-                </a:solidFill>
-                <a:cs typeface="Times New Roman" pitchFamily="16" charset="0"/>
-              </a:rPr>
-              <a:t>to make a solid material.</a:t>
-            </a:r>
-          </a:p>
-          <a:p>
-            <a:pPr marL="355600" marR="5080" indent="-342900">
+              <a:t>WHAT IS POLYMER ELECTRONICS?</a:t>
+            </a:r>
+          </a:p>
+          <a:p>
+            <a:pPr marL="355600" indent="-342900">
               <a:lnSpc>
                 <a:spcPct val="150000"/>
               </a:lnSpc>
               <a:spcBef>
-                <a:spcPts val="1645"/>
+                <a:spcPts val="100"/>
               </a:spcBef>
               <a:buFont typeface="Wingdings" panose="05000000000000000000" pitchFamily="2" charset="2"/>
               <a:buChar char="q"/>
@@ -11170,22 +11165,22 @@
               </a:tabLst>
             </a:pPr>
             <a:r>
-              <a:rPr b="1" dirty="0">
+              <a:rPr lang="en-IN" sz="1200" b="1" dirty="0">
                 <a:solidFill>
                   <a:srgbClr val="000000"/>
                 </a:solidFill>
                 <a:cs typeface="Times New Roman" pitchFamily="16" charset="0"/>
               </a:rPr>
-              <a:t>Polymers are normally electrical insulators, but to enable their use in  electronics, conductive filler such as silver have been added to  chemical formulation to increase their electrical conductivity.</a:t>
-            </a:r>
-          </a:p>
-          <a:p>
-            <a:pPr marL="355600" marR="57785" indent="-342900">
+              <a:t>WHAT MAKES POLYMER SO SUITABLE  FOR ELECTRONICS APPLICATION?</a:t>
+            </a:r>
+          </a:p>
+          <a:p>
+            <a:pPr marL="355600" indent="-342900">
               <a:lnSpc>
                 <a:spcPct val="150000"/>
               </a:lnSpc>
               <a:spcBef>
-                <a:spcPts val="1565"/>
+                <a:spcPts val="100"/>
               </a:spcBef>
               <a:buFont typeface="Wingdings" panose="05000000000000000000" pitchFamily="2" charset="2"/>
               <a:buChar char="q"/>
@@ -11194,14 +11189,692 @@
               </a:tabLst>
             </a:pPr>
             <a:r>
+              <a:rPr lang="en-IN" sz="1200" b="1" dirty="0">
+                <a:solidFill>
+                  <a:srgbClr val="000000"/>
+                </a:solidFill>
+                <a:cs typeface="Times New Roman" pitchFamily="16" charset="0"/>
+              </a:rPr>
+              <a:t>ELECTRIC CONDUCTOR POLYMER TYPES</a:t>
+            </a:r>
+          </a:p>
+          <a:p>
+            <a:pPr marL="355600" indent="-342900">
+              <a:lnSpc>
+                <a:spcPct val="150000"/>
+              </a:lnSpc>
+              <a:spcBef>
+                <a:spcPts val="100"/>
+              </a:spcBef>
+              <a:buFont typeface="Wingdings" panose="05000000000000000000" pitchFamily="2" charset="2"/>
+              <a:buChar char="q"/>
+              <a:tabLst>
+                <a:tab pos="354965" algn="l"/>
+              </a:tabLst>
+            </a:pPr>
+            <a:r>
+              <a:rPr lang="en-IN" sz="1200" b="1" dirty="0">
+                <a:solidFill>
+                  <a:srgbClr val="000000"/>
+                </a:solidFill>
+                <a:cs typeface="Times New Roman" pitchFamily="16" charset="0"/>
+              </a:rPr>
+              <a:t>INTRINSICALLY CONDUCTIVE POLYMER</a:t>
+            </a:r>
+          </a:p>
+          <a:p>
+            <a:pPr marL="355600" indent="-342900">
+              <a:lnSpc>
+                <a:spcPct val="150000"/>
+              </a:lnSpc>
+              <a:spcBef>
+                <a:spcPts val="100"/>
+              </a:spcBef>
+              <a:buFont typeface="Wingdings" panose="05000000000000000000" pitchFamily="2" charset="2"/>
+              <a:buChar char="q"/>
+              <a:tabLst>
+                <a:tab pos="354965" algn="l"/>
+              </a:tabLst>
+            </a:pPr>
+            <a:r>
+              <a:rPr lang="en-IN" sz="1200" b="1" dirty="0">
+                <a:solidFill>
+                  <a:srgbClr val="000000"/>
+                </a:solidFill>
+                <a:cs typeface="Times New Roman" pitchFamily="16" charset="0"/>
+              </a:rPr>
+              <a:t>TWO CONDITIONS TO BECOME CONDUCTIVE</a:t>
+            </a:r>
+          </a:p>
+          <a:p>
+            <a:pPr marL="355600" indent="-342900">
+              <a:lnSpc>
+                <a:spcPct val="150000"/>
+              </a:lnSpc>
+              <a:spcBef>
+                <a:spcPts val="100"/>
+              </a:spcBef>
+              <a:buFont typeface="Wingdings" panose="05000000000000000000" pitchFamily="2" charset="2"/>
+              <a:buChar char="q"/>
+              <a:tabLst>
+                <a:tab pos="354965" algn="l"/>
+              </a:tabLst>
+            </a:pPr>
+            <a:r>
+              <a:rPr lang="en-IN" sz="1200" b="1" dirty="0">
+                <a:solidFill>
+                  <a:srgbClr val="000000"/>
+                </a:solidFill>
+                <a:cs typeface="Times New Roman" pitchFamily="16" charset="0"/>
+              </a:rPr>
+              <a:t>ICP MATERIAL</a:t>
+            </a:r>
+          </a:p>
+          <a:p>
+            <a:pPr marL="355600" indent="-342900">
+              <a:lnSpc>
+                <a:spcPct val="150000"/>
+              </a:lnSpc>
+              <a:spcBef>
+                <a:spcPts val="100"/>
+              </a:spcBef>
+              <a:buFont typeface="Wingdings" panose="05000000000000000000" pitchFamily="2" charset="2"/>
+              <a:buChar char="q"/>
+              <a:tabLst>
+                <a:tab pos="354965" algn="l"/>
+              </a:tabLst>
+            </a:pPr>
+            <a:r>
+              <a:rPr lang="en-IN" sz="1200" b="1" dirty="0">
+                <a:solidFill>
+                  <a:srgbClr val="000000"/>
+                </a:solidFill>
+                <a:cs typeface="Times New Roman" pitchFamily="16" charset="0"/>
+              </a:rPr>
+              <a:t>PROPERTIES OF ICP</a:t>
+            </a:r>
+          </a:p>
+          <a:p>
+            <a:pPr marL="355600" indent="-342900">
+              <a:lnSpc>
+                <a:spcPct val="150000"/>
+              </a:lnSpc>
+              <a:spcBef>
+                <a:spcPts val="100"/>
+              </a:spcBef>
+              <a:buFont typeface="Wingdings" panose="05000000000000000000" pitchFamily="2" charset="2"/>
+              <a:buChar char="q"/>
+              <a:tabLst>
+                <a:tab pos="354965" algn="l"/>
+              </a:tabLst>
+            </a:pPr>
+            <a:r>
+              <a:rPr lang="en-IN" sz="1200" b="1" dirty="0">
+                <a:solidFill>
+                  <a:srgbClr val="000000"/>
+                </a:solidFill>
+                <a:cs typeface="Times New Roman" pitchFamily="16" charset="0"/>
+              </a:rPr>
+              <a:t>ICP AS A MATRIX POLYMER</a:t>
+            </a:r>
+          </a:p>
+          <a:p>
+            <a:pPr marL="355600" indent="-342900">
+              <a:lnSpc>
+                <a:spcPct val="150000"/>
+              </a:lnSpc>
+              <a:spcBef>
+                <a:spcPts val="100"/>
+              </a:spcBef>
+              <a:buFont typeface="Wingdings" panose="05000000000000000000" pitchFamily="2" charset="2"/>
+              <a:buChar char="q"/>
+              <a:tabLst>
+                <a:tab pos="354965" algn="l"/>
+              </a:tabLst>
+            </a:pPr>
+            <a:r>
+              <a:rPr lang="en-IN" sz="1200" b="1" dirty="0">
+                <a:solidFill>
+                  <a:srgbClr val="000000"/>
+                </a:solidFill>
+                <a:cs typeface="Times New Roman" pitchFamily="16" charset="0"/>
+              </a:rPr>
+              <a:t>ELECTRICAL PROPERTIES OF ICP BASED  NANOCOMPOSITES</a:t>
+            </a:r>
+          </a:p>
+          <a:p>
+            <a:pPr marL="355600" indent="-342900">
+              <a:lnSpc>
+                <a:spcPct val="150000"/>
+              </a:lnSpc>
+              <a:spcBef>
+                <a:spcPts val="100"/>
+              </a:spcBef>
+              <a:buFont typeface="Wingdings" panose="05000000000000000000" pitchFamily="2" charset="2"/>
+              <a:buChar char="q"/>
+              <a:tabLst>
+                <a:tab pos="354965" algn="l"/>
+              </a:tabLst>
+            </a:pPr>
+            <a:r>
+              <a:rPr lang="en-IN" sz="1200" b="1" dirty="0">
+                <a:solidFill>
+                  <a:srgbClr val="000000"/>
+                </a:solidFill>
+                <a:cs typeface="Times New Roman" pitchFamily="16" charset="0"/>
+              </a:rPr>
+              <a:t>APPLICATION</a:t>
+            </a:r>
+          </a:p>
+          <a:p>
+            <a:pPr marL="355600" indent="-342900">
+              <a:lnSpc>
+                <a:spcPct val="150000"/>
+              </a:lnSpc>
+              <a:spcBef>
+                <a:spcPts val="100"/>
+              </a:spcBef>
+              <a:buFont typeface="Wingdings" panose="05000000000000000000" pitchFamily="2" charset="2"/>
+              <a:buChar char="q"/>
+              <a:tabLst>
+                <a:tab pos="354965" algn="l"/>
+              </a:tabLst>
+            </a:pPr>
+            <a:r>
+              <a:rPr lang="en-IN" sz="1200" b="1" dirty="0">
+                <a:solidFill>
+                  <a:srgbClr val="000000"/>
+                </a:solidFill>
+                <a:cs typeface="Times New Roman" pitchFamily="16" charset="0"/>
+              </a:rPr>
+              <a:t>PRINTED ELECTRONICS</a:t>
+            </a:r>
+          </a:p>
+          <a:p>
+            <a:pPr marL="355600" indent="-342900">
+              <a:lnSpc>
+                <a:spcPct val="150000"/>
+              </a:lnSpc>
+              <a:spcBef>
+                <a:spcPts val="100"/>
+              </a:spcBef>
+              <a:buFont typeface="Wingdings" panose="05000000000000000000" pitchFamily="2" charset="2"/>
+              <a:buChar char="q"/>
+              <a:tabLst>
+                <a:tab pos="354965" algn="l"/>
+              </a:tabLst>
+            </a:pPr>
+            <a:r>
+              <a:rPr lang="en-IN" sz="1200" b="1" dirty="0">
+                <a:solidFill>
+                  <a:srgbClr val="000000"/>
+                </a:solidFill>
+                <a:cs typeface="Times New Roman" pitchFamily="16" charset="0"/>
+              </a:rPr>
+              <a:t>PRINTED ELECTRONICS METHODS</a:t>
+            </a:r>
+          </a:p>
+          <a:p>
+            <a:pPr marL="355600" indent="-342900">
+              <a:lnSpc>
+                <a:spcPct val="150000"/>
+              </a:lnSpc>
+              <a:spcBef>
+                <a:spcPts val="100"/>
+              </a:spcBef>
+              <a:buFont typeface="Wingdings" panose="05000000000000000000" pitchFamily="2" charset="2"/>
+              <a:buChar char="q"/>
+              <a:tabLst>
+                <a:tab pos="354965" algn="l"/>
+              </a:tabLst>
+            </a:pPr>
+            <a:r>
+              <a:rPr lang="en-IN" sz="1200" b="1" dirty="0">
+                <a:solidFill>
+                  <a:srgbClr val="000000"/>
+                </a:solidFill>
+                <a:cs typeface="Times New Roman" pitchFamily="16" charset="0"/>
+              </a:rPr>
+              <a:t>STRUCTURE OF OTFT</a:t>
+            </a:r>
+          </a:p>
+          <a:p>
+            <a:pPr marL="355600" indent="-342900">
+              <a:lnSpc>
+                <a:spcPct val="150000"/>
+              </a:lnSpc>
+              <a:spcBef>
+                <a:spcPts val="100"/>
+              </a:spcBef>
+              <a:buFont typeface="Wingdings" panose="05000000000000000000" pitchFamily="2" charset="2"/>
+              <a:buChar char="q"/>
+              <a:tabLst>
+                <a:tab pos="354965" algn="l"/>
+              </a:tabLst>
+            </a:pPr>
+            <a:r>
+              <a:rPr lang="en-IN" sz="1200" b="1" dirty="0">
+                <a:solidFill>
+                  <a:srgbClr val="000000"/>
+                </a:solidFill>
+                <a:cs typeface="Times New Roman" pitchFamily="16" charset="0"/>
+              </a:rPr>
+              <a:t>APPLICATION OF ORGANIC TFT</a:t>
+            </a:r>
+          </a:p>
+          <a:p>
+            <a:pPr marL="355600" indent="-342900">
+              <a:lnSpc>
+                <a:spcPct val="150000"/>
+              </a:lnSpc>
+              <a:spcBef>
+                <a:spcPts val="100"/>
+              </a:spcBef>
+              <a:buFont typeface="Wingdings" panose="05000000000000000000" pitchFamily="2" charset="2"/>
+              <a:buChar char="q"/>
+              <a:tabLst>
+                <a:tab pos="354965" algn="l"/>
+              </a:tabLst>
+            </a:pPr>
+            <a:r>
+              <a:rPr lang="en-IN" sz="1200" b="1" dirty="0">
+                <a:solidFill>
+                  <a:srgbClr val="000000"/>
+                </a:solidFill>
+                <a:cs typeface="Times New Roman" pitchFamily="16" charset="0"/>
+              </a:rPr>
+              <a:t>ADVANTAGES V/S DISADVANTAGES OF  POLYMER ELECTRONICS</a:t>
+            </a:r>
+          </a:p>
+          <a:p>
+            <a:pPr marL="355600" indent="-342900">
+              <a:lnSpc>
+                <a:spcPct val="150000"/>
+              </a:lnSpc>
+              <a:spcBef>
+                <a:spcPts val="100"/>
+              </a:spcBef>
+              <a:buFont typeface="Wingdings" panose="05000000000000000000" pitchFamily="2" charset="2"/>
+              <a:buChar char="q"/>
+              <a:tabLst>
+                <a:tab pos="354965" algn="l"/>
+              </a:tabLst>
+            </a:pPr>
+            <a:r>
+              <a:rPr lang="en-IN" sz="1200" b="1" dirty="0">
+                <a:solidFill>
+                  <a:srgbClr val="000000"/>
+                </a:solidFill>
+                <a:cs typeface="Times New Roman" pitchFamily="16" charset="0"/>
+              </a:rPr>
+              <a:t>CONCLUSION</a:t>
+            </a:r>
+          </a:p>
+          <a:p>
+            <a:pPr marL="355600" indent="-342900">
+              <a:lnSpc>
+                <a:spcPct val="150000"/>
+              </a:lnSpc>
+              <a:spcBef>
+                <a:spcPts val="100"/>
+              </a:spcBef>
+              <a:buFont typeface="Wingdings" panose="05000000000000000000" pitchFamily="2" charset="2"/>
+              <a:buChar char="q"/>
+              <a:tabLst>
+                <a:tab pos="354965" algn="l"/>
+              </a:tabLst>
+            </a:pPr>
+            <a:r>
+              <a:rPr lang="en-IN" sz="1200" b="1" dirty="0">
+                <a:solidFill>
+                  <a:srgbClr val="000000"/>
+                </a:solidFill>
+                <a:cs typeface="Times New Roman" pitchFamily="16" charset="0"/>
+              </a:rPr>
+              <a:t>Reference</a:t>
+            </a:r>
+          </a:p>
+          <a:p>
+            <a:pPr marL="355600" indent="-342900">
+              <a:lnSpc>
+                <a:spcPct val="150000"/>
+              </a:lnSpc>
+              <a:spcBef>
+                <a:spcPts val="100"/>
+              </a:spcBef>
+              <a:buFont typeface="Wingdings" panose="05000000000000000000" pitchFamily="2" charset="2"/>
+              <a:buChar char="q"/>
+              <a:tabLst>
+                <a:tab pos="354965" algn="l"/>
+              </a:tabLst>
+            </a:pPr>
+            <a:endParaRPr lang="en-IN" sz="2000" b="1" dirty="0">
+              <a:solidFill>
+                <a:srgbClr val="000000"/>
+              </a:solidFill>
+              <a:cs typeface="Times New Roman" pitchFamily="16" charset="0"/>
+            </a:endParaRPr>
+          </a:p>
+          <a:p>
+            <a:pPr marL="355600" indent="-342900">
+              <a:lnSpc>
+                <a:spcPct val="150000"/>
+              </a:lnSpc>
+              <a:spcBef>
+                <a:spcPts val="100"/>
+              </a:spcBef>
+              <a:buFont typeface="Wingdings" panose="05000000000000000000" pitchFamily="2" charset="2"/>
+              <a:buChar char="q"/>
+              <a:tabLst>
+                <a:tab pos="354965" algn="l"/>
+              </a:tabLst>
+            </a:pPr>
+            <a:endParaRPr lang="en-IN" sz="2000" b="1" dirty="0">
+              <a:solidFill>
+                <a:srgbClr val="000000"/>
+              </a:solidFill>
+              <a:cs typeface="Times New Roman" pitchFamily="16" charset="0"/>
+            </a:endParaRPr>
+          </a:p>
+          <a:p>
+            <a:pPr marL="355600" indent="-342900">
+              <a:lnSpc>
+                <a:spcPct val="150000"/>
+              </a:lnSpc>
+              <a:spcBef>
+                <a:spcPts val="100"/>
+              </a:spcBef>
+              <a:buFont typeface="Wingdings" panose="05000000000000000000" pitchFamily="2" charset="2"/>
+              <a:buChar char="q"/>
+              <a:tabLst>
+                <a:tab pos="354965" algn="l"/>
+              </a:tabLst>
+            </a:pPr>
+            <a:endParaRPr lang="en-IN" b="1" dirty="0">
+              <a:solidFill>
+                <a:srgbClr val="000000"/>
+              </a:solidFill>
+              <a:cs typeface="Times New Roman" pitchFamily="16" charset="0"/>
+            </a:endParaRPr>
+          </a:p>
+          <a:p>
+            <a:pPr marL="355600" indent="-342900">
+              <a:lnSpc>
+                <a:spcPct val="150000"/>
+              </a:lnSpc>
+              <a:spcBef>
+                <a:spcPts val="100"/>
+              </a:spcBef>
+              <a:buFont typeface="Wingdings" panose="05000000000000000000" pitchFamily="2" charset="2"/>
+              <a:buChar char="q"/>
+              <a:tabLst>
+                <a:tab pos="354965" algn="l"/>
+              </a:tabLst>
+            </a:pPr>
+            <a:endParaRPr lang="en-IN" b="1" dirty="0">
+              <a:solidFill>
+                <a:srgbClr val="000000"/>
+              </a:solidFill>
+              <a:cs typeface="Times New Roman" pitchFamily="16" charset="0"/>
+            </a:endParaRPr>
+          </a:p>
+          <a:p>
+            <a:pPr marL="355600" indent="-342900">
+              <a:lnSpc>
+                <a:spcPct val="150000"/>
+              </a:lnSpc>
+              <a:spcBef>
+                <a:spcPts val="100"/>
+              </a:spcBef>
+              <a:buFont typeface="Wingdings" panose="05000000000000000000" pitchFamily="2" charset="2"/>
+              <a:buChar char="q"/>
+              <a:tabLst>
+                <a:tab pos="354965" algn="l"/>
+              </a:tabLst>
+            </a:pPr>
+            <a:endParaRPr lang="en-IN" b="1" dirty="0">
+              <a:solidFill>
+                <a:srgbClr val="000000"/>
+              </a:solidFill>
+              <a:cs typeface="Times New Roman" pitchFamily="16" charset="0"/>
+            </a:endParaRPr>
+          </a:p>
+          <a:p>
+            <a:pPr marL="355600" indent="-342900">
+              <a:lnSpc>
+                <a:spcPct val="150000"/>
+              </a:lnSpc>
+              <a:spcBef>
+                <a:spcPts val="100"/>
+              </a:spcBef>
+              <a:buFont typeface="Wingdings" panose="05000000000000000000" pitchFamily="2" charset="2"/>
+              <a:buChar char="q"/>
+              <a:tabLst>
+                <a:tab pos="354965" algn="l"/>
+              </a:tabLst>
+            </a:pPr>
+            <a:endParaRPr lang="en-IN" b="1" dirty="0">
+              <a:solidFill>
+                <a:srgbClr val="000000"/>
+              </a:solidFill>
+              <a:cs typeface="Times New Roman" pitchFamily="16" charset="0"/>
+            </a:endParaRPr>
+          </a:p>
+        </p:txBody>
+      </p:sp>
+    </p:spTree>
+    <p:extLst>
+      <p:ext uri="{BB962C8B-B14F-4D97-AF65-F5344CB8AC3E}">
+        <p14:creationId xmlns:p14="http://schemas.microsoft.com/office/powerpoint/2010/main" val="3358997881"/>
+      </p:ext>
+    </p:extLst>
+  </p:cSld>
+  <p:clrMapOvr>
+    <a:masterClrMapping/>
+  </p:clrMapOvr>
+</p:sld>
+</file>
+
+<file path=ppt/slides/slide20.xml><?xml version="1.0" encoding="utf-8"?>
+<p:sld xmlns:a="http://schemas.openxmlformats.org/drawingml/2006/main" xmlns:r="http://schemas.openxmlformats.org/officeDocument/2006/relationships" xmlns:p="http://schemas.openxmlformats.org/presentationml/2006/main">
+  <p:cSld>
+    <p:spTree>
+      <p:nvGrpSpPr>
+        <p:cNvPr id="1" name=""/>
+        <p:cNvGrpSpPr/>
+        <p:nvPr/>
+      </p:nvGrpSpPr>
+      <p:grpSpPr>
+        <a:xfrm>
+          <a:off x="0" y="0"/>
+          <a:ext cx="0" cy="0"/>
+          <a:chOff x="0" y="0"/>
+          <a:chExt cx="0" cy="0"/>
+        </a:xfrm>
+      </p:grpSpPr>
+      <p:sp>
+        <p:nvSpPr>
+          <p:cNvPr id="2" name="object 2"/>
+          <p:cNvSpPr txBox="1">
+            <a:spLocks noGrp="1"/>
+          </p:cNvSpPr>
+          <p:nvPr>
+            <p:ph type="title"/>
+          </p:nvPr>
+        </p:nvSpPr>
+        <p:spPr>
+          <a:xfrm>
+            <a:off x="762000" y="685800"/>
+            <a:ext cx="5707380" cy="574040"/>
+          </a:xfrm>
+          <a:prstGeom prst="rect">
+            <a:avLst/>
+          </a:prstGeom>
+        </p:spPr>
+        <p:txBody>
+          <a:bodyPr vert="horz" wrap="square" lIns="0" tIns="12700" rIns="0" bIns="0" rtlCol="0">
+            <a:spAutoFit/>
+          </a:bodyPr>
+          <a:lstStyle/>
+          <a:p>
+            <a:pPr marL="12700">
+              <a:lnSpc>
+                <a:spcPct val="100000"/>
+              </a:lnSpc>
+              <a:spcBef>
+                <a:spcPts val="100"/>
+              </a:spcBef>
+            </a:pPr>
+            <a:r>
+              <a:rPr sz="3600" spc="-5" dirty="0"/>
+              <a:t>CONCLU</a:t>
+            </a:r>
+            <a:r>
+              <a:rPr sz="3600" dirty="0"/>
+              <a:t>S</a:t>
+            </a:r>
+            <a:r>
+              <a:rPr sz="3600" spc="-5" dirty="0"/>
+              <a:t>ION</a:t>
+            </a:r>
+            <a:endParaRPr sz="3600" dirty="0"/>
+          </a:p>
+        </p:txBody>
+      </p:sp>
+      <p:sp>
+        <p:nvSpPr>
+          <p:cNvPr id="3" name="object 3"/>
+          <p:cNvSpPr txBox="1"/>
+          <p:nvPr/>
+        </p:nvSpPr>
+        <p:spPr>
+          <a:xfrm>
+            <a:off x="762000" y="1266298"/>
+            <a:ext cx="10972800" cy="4673395"/>
+          </a:xfrm>
+          <a:prstGeom prst="rect">
+            <a:avLst/>
+          </a:prstGeom>
+        </p:spPr>
+        <p:txBody>
+          <a:bodyPr vert="horz" wrap="square" lIns="0" tIns="12700" rIns="0" bIns="0" rtlCol="0">
+            <a:spAutoFit/>
+          </a:bodyPr>
+          <a:lstStyle/>
+          <a:p>
+            <a:pPr marL="355600" marR="5080" indent="-342900" algn="just">
+              <a:lnSpc>
+                <a:spcPct val="150000"/>
+              </a:lnSpc>
+              <a:spcBef>
+                <a:spcPts val="100"/>
+              </a:spcBef>
+              <a:buFont typeface="Wingdings" panose="05000000000000000000" pitchFamily="2" charset="2"/>
+              <a:buChar char="q"/>
+              <a:tabLst>
+                <a:tab pos="355600" algn="l"/>
+              </a:tabLst>
+            </a:pPr>
+            <a:r>
               <a:rPr b="1" dirty="0">
                 <a:solidFill>
                   <a:srgbClr val="000000"/>
                 </a:solidFill>
                 <a:cs typeface="Times New Roman" pitchFamily="16" charset="0"/>
               </a:rPr>
-              <a:t>The merits in this research area, the Nobel Prize 2000 for Chemistry  was awarded to Alan J. Heeger, Alan G. MacDiarmid und Hideki  Shirakawa.</a:t>
-            </a:r>
+              <a:t>ICPs are Electrically-conductive polymers in which the Conductivity  arises from the presence of conjugated car-bon-carbon bonds. These  conjugated polymers possess interesting and useful properties due to their  delocalised electron systems.</a:t>
+            </a:r>
+          </a:p>
+          <a:p>
+            <a:pPr marL="355600" marR="5715" indent="-342900" algn="just">
+              <a:lnSpc>
+                <a:spcPct val="150000"/>
+              </a:lnSpc>
+              <a:buFont typeface="Wingdings" panose="05000000000000000000" pitchFamily="2" charset="2"/>
+              <a:buChar char="q"/>
+              <a:tabLst>
+                <a:tab pos="355600" algn="l"/>
+              </a:tabLst>
+            </a:pPr>
+            <a:r>
+              <a:rPr b="1" dirty="0">
+                <a:solidFill>
+                  <a:srgbClr val="000000"/>
+                </a:solidFill>
+                <a:cs typeface="Times New Roman" pitchFamily="16" charset="0"/>
+              </a:rPr>
+              <a:t>Polymer electronics are light, flexible, and less expensive to produce on a  mass quantity scale than conventional electronics</a:t>
+            </a:r>
+          </a:p>
+          <a:p>
+            <a:pPr marL="355600" marR="5080" indent="-342900" algn="just">
+              <a:lnSpc>
+                <a:spcPct val="150000"/>
+              </a:lnSpc>
+              <a:spcBef>
+                <a:spcPts val="2305"/>
+              </a:spcBef>
+              <a:buFont typeface="Wingdings" panose="05000000000000000000" pitchFamily="2" charset="2"/>
+              <a:buChar char="q"/>
+              <a:tabLst>
+                <a:tab pos="355600" algn="l"/>
+              </a:tabLst>
+            </a:pPr>
+            <a:r>
+              <a:rPr b="1" dirty="0">
+                <a:solidFill>
+                  <a:srgbClr val="000000"/>
+                </a:solidFill>
+                <a:cs typeface="Times New Roman" pitchFamily="16" charset="0"/>
+              </a:rPr>
+              <a:t>Polymer electronics are not a competing product but are considered to  be more complementary to its silicon counterpart.</a:t>
+            </a:r>
+          </a:p>
+        </p:txBody>
+      </p:sp>
+      <p:sp>
+        <p:nvSpPr>
+          <p:cNvPr id="4" name="object 4"/>
+          <p:cNvSpPr txBox="1"/>
+          <p:nvPr/>
+        </p:nvSpPr>
+        <p:spPr>
+          <a:xfrm>
+            <a:off x="9051797" y="6140907"/>
+            <a:ext cx="144780" cy="162560"/>
+          </a:xfrm>
+          <a:prstGeom prst="rect">
+            <a:avLst/>
+          </a:prstGeom>
+        </p:spPr>
+        <p:txBody>
+          <a:bodyPr vert="horz" wrap="square" lIns="0" tIns="12700" rIns="0" bIns="0" rtlCol="0">
+            <a:spAutoFit/>
+          </a:bodyPr>
+          <a:lstStyle/>
+          <a:p>
+            <a:pPr marL="12700">
+              <a:lnSpc>
+                <a:spcPct val="100000"/>
+              </a:lnSpc>
+              <a:spcBef>
+                <a:spcPts val="100"/>
+              </a:spcBef>
+            </a:pPr>
+            <a:r>
+              <a:rPr sz="900" spc="-5" dirty="0">
+                <a:solidFill>
+                  <a:srgbClr val="90C225"/>
+                </a:solidFill>
+                <a:latin typeface="Trebuchet MS"/>
+                <a:cs typeface="Trebuchet MS"/>
+              </a:rPr>
+              <a:t>19</a:t>
+            </a:r>
+            <a:endParaRPr sz="900">
+              <a:latin typeface="Trebuchet MS"/>
+              <a:cs typeface="Trebuchet MS"/>
+            </a:endParaRPr>
           </a:p>
         </p:txBody>
       </p:sp>
@@ -11213,7 +11886,7 @@
 </p:sld>
 </file>
 
-<file path=ppt/slides/slide20.xml><?xml version="1.0" encoding="utf-8"?>
+<file path=ppt/slides/slide21.xml><?xml version="1.0" encoding="utf-8"?>
 <p:sld xmlns:a="http://schemas.openxmlformats.org/drawingml/2006/main" xmlns:r="http://schemas.openxmlformats.org/officeDocument/2006/relationships" xmlns:p="http://schemas.openxmlformats.org/presentationml/2006/main">
   <p:cSld>
     <p:spTree>
@@ -11511,8 +12184,8 @@
         </p:nvSpPr>
         <p:spPr>
           <a:xfrm>
-            <a:off x="759078" y="935349"/>
-            <a:ext cx="11432922" cy="382156"/>
+            <a:off x="838200" y="701413"/>
+            <a:ext cx="10972799" cy="574675"/>
           </a:xfrm>
           <a:prstGeom prst="rect">
             <a:avLst/>
@@ -11524,7 +12197,7 @@
           </a:bodyPr>
           <a:lstStyle/>
           <a:p>
-            <a:pPr marL="474345" marR="5080" indent="-462280">
+            <a:pPr marL="12700">
               <a:lnSpc>
                 <a:spcPct val="100000"/>
               </a:lnSpc>
@@ -11533,38 +12206,25 @@
               </a:spcBef>
             </a:pPr>
             <a:r>
-              <a:rPr sz="2400" spc="-100" dirty="0"/>
+              <a:rPr sz="3600" spc="-100" dirty="0"/>
               <a:t>WHAT </a:t>
             </a:r>
             <a:r>
-              <a:rPr sz="2400" dirty="0"/>
-              <a:t>MAKES </a:t>
-            </a:r>
-            <a:r>
-              <a:rPr sz="2400" spc="-55" dirty="0"/>
-              <a:t>POLYMER </a:t>
-            </a:r>
-            <a:r>
-              <a:rPr sz="2400" spc="-5" dirty="0"/>
-              <a:t>SO </a:t>
-            </a:r>
-            <a:r>
-              <a:rPr sz="2400" spc="-40" dirty="0"/>
-              <a:t>SUITABLE  </a:t>
-            </a:r>
-            <a:r>
-              <a:rPr sz="2400" dirty="0"/>
-              <a:t>FOR ELECTRONICS</a:t>
-            </a:r>
-            <a:r>
-              <a:rPr sz="2400" spc="-235" dirty="0"/>
+              <a:rPr sz="3600" dirty="0"/>
+              <a:t>IS </a:t>
+            </a:r>
+            <a:r>
+              <a:rPr sz="3600" spc="-55" dirty="0"/>
+              <a:t>POLYMER</a:t>
+            </a:r>
+            <a:r>
+              <a:rPr sz="3600" spc="-50" dirty="0"/>
               <a:t> </a:t>
             </a:r>
             <a:r>
-              <a:rPr sz="2400" spc="-35" dirty="0"/>
-              <a:t>APPLICATION?</a:t>
-            </a:r>
-            <a:endParaRPr sz="2400" dirty="0"/>
+              <a:rPr sz="3600" dirty="0"/>
+              <a:t>ELECTRONICS?</a:t>
+            </a:r>
           </a:p>
         </p:txBody>
       </p:sp>
@@ -11719,15 +12379,15 @@
         </p:nvSpPr>
         <p:spPr>
           <a:xfrm>
-            <a:off x="990600" y="1436071"/>
-            <a:ext cx="10591800" cy="4593245"/>
+            <a:off x="838200" y="1264464"/>
+            <a:ext cx="11201399" cy="4234814"/>
           </a:xfrm>
           <a:prstGeom prst="rect">
             <a:avLst/>
           </a:prstGeom>
         </p:spPr>
         <p:txBody>
-          <a:bodyPr vert="horz" wrap="square" lIns="0" tIns="139065" rIns="0" bIns="0" rtlCol="0">
+          <a:bodyPr vert="horz" wrap="square" lIns="0" tIns="12700" rIns="0" bIns="0" rtlCol="0">
             <a:spAutoFit/>
           </a:bodyPr>
           <a:lstStyle/>
@@ -11737,7 +12397,7 @@
                 <a:spcPct val="150000"/>
               </a:lnSpc>
               <a:spcBef>
-                <a:spcPts val="1095"/>
+                <a:spcPts val="100"/>
               </a:spcBef>
               <a:buFont typeface="Wingdings" panose="05000000000000000000" pitchFamily="2" charset="2"/>
               <a:buChar char="q"/>
@@ -11752,16 +12412,34 @@
                 </a:solidFill>
                 <a:cs typeface="Times New Roman" pitchFamily="16" charset="0"/>
               </a:rPr>
-              <a:t>Good insulator of heat</a:t>
-            </a:r>
-          </a:p>
-          <a:p>
-            <a:pPr marL="355600" indent="-342900">
+              <a:t>Polymers are long-chain molecules consisting of many repeat units</a:t>
+            </a:r>
+            <a:r>
+              <a:rPr lang="en-IN" b="1" dirty="0">
+                <a:solidFill>
+                  <a:srgbClr val="000000"/>
+                </a:solidFill>
+                <a:cs typeface="Times New Roman" pitchFamily="16" charset="0"/>
+              </a:rPr>
+              <a:t> </a:t>
+            </a:r>
+            <a:r>
+              <a:rPr b="1" dirty="0">
+                <a:solidFill>
+                  <a:srgbClr val="000000"/>
+                </a:solidFill>
+                <a:cs typeface="Times New Roman" pitchFamily="16" charset="0"/>
+              </a:rPr>
+              <a:t>to make a solid material.</a:t>
+            </a:r>
+          </a:p>
+          <a:p>
+            <a:pPr marL="355600" marR="5080" indent="-342900">
               <a:lnSpc>
                 <a:spcPct val="150000"/>
               </a:lnSpc>
               <a:spcBef>
-                <a:spcPts val="1000"/>
+                <a:spcPts val="1645"/>
               </a:spcBef>
               <a:buFont typeface="Wingdings" panose="05000000000000000000" pitchFamily="2" charset="2"/>
               <a:buChar char="q"/>
@@ -11776,16 +12454,16 @@
                 </a:solidFill>
                 <a:cs typeface="Times New Roman" pitchFamily="16" charset="0"/>
               </a:rPr>
-              <a:t>Can form any shape.</a:t>
-            </a:r>
-          </a:p>
-          <a:p>
-            <a:pPr marL="355600" indent="-342900">
+              <a:t>Polymers are normally electrical insulators, but to enable their use in  electronics, conductive filler such as silver have been added to  chemical formulation to increase their electrical conductivity.</a:t>
+            </a:r>
+          </a:p>
+          <a:p>
+            <a:pPr marL="355600" marR="57785" indent="-342900">
               <a:lnSpc>
                 <a:spcPct val="150000"/>
               </a:lnSpc>
               <a:spcBef>
-                <a:spcPts val="1005"/>
+                <a:spcPts val="1565"/>
               </a:spcBef>
               <a:buFont typeface="Wingdings" panose="05000000000000000000" pitchFamily="2" charset="2"/>
               <a:buChar char="q"/>
@@ -11800,161 +12478,8 @@
                 </a:solidFill>
                 <a:cs typeface="Times New Roman" pitchFamily="16" charset="0"/>
               </a:rPr>
-              <a:t>They have low density</a:t>
-            </a:r>
-          </a:p>
-          <a:p>
-            <a:pPr marL="355600" indent="-342900">
-              <a:lnSpc>
-                <a:spcPct val="150000"/>
-              </a:lnSpc>
-              <a:spcBef>
-                <a:spcPts val="1000"/>
-              </a:spcBef>
-              <a:buFont typeface="Wingdings" panose="05000000000000000000" pitchFamily="2" charset="2"/>
-              <a:buChar char="q"/>
-              <a:tabLst>
-                <a:tab pos="354965" algn="l"/>
-              </a:tabLst>
-            </a:pPr>
-            <a:r>
-              <a:rPr b="1" dirty="0">
-                <a:solidFill>
-                  <a:srgbClr val="000000"/>
-                </a:solidFill>
-                <a:cs typeface="Times New Roman" pitchFamily="16" charset="0"/>
-              </a:rPr>
-              <a:t>They require low finishing cost.</a:t>
-            </a:r>
-          </a:p>
-          <a:p>
-            <a:pPr marL="355600" indent="-342900">
-              <a:lnSpc>
-                <a:spcPct val="150000"/>
-              </a:lnSpc>
-              <a:spcBef>
-                <a:spcPts val="994"/>
-              </a:spcBef>
-              <a:buFont typeface="Wingdings" panose="05000000000000000000" pitchFamily="2" charset="2"/>
-              <a:buChar char="q"/>
-              <a:tabLst>
-                <a:tab pos="354965" algn="l"/>
-              </a:tabLst>
-            </a:pPr>
-            <a:r>
-              <a:rPr b="1" dirty="0">
-                <a:solidFill>
-                  <a:srgbClr val="000000"/>
-                </a:solidFill>
-                <a:cs typeface="Times New Roman" pitchFamily="16" charset="0"/>
-              </a:rPr>
-              <a:t>Their toughness and ductility is good</a:t>
-            </a:r>
-            <a:r>
-              <a:rPr lang="en-IN" b="1" dirty="0">
-                <a:solidFill>
-                  <a:srgbClr val="000000"/>
-                </a:solidFill>
-                <a:cs typeface="Times New Roman" pitchFamily="16" charset="0"/>
-              </a:rPr>
-              <a:t>.</a:t>
-            </a:r>
-            <a:endParaRPr b="1" dirty="0">
-              <a:solidFill>
-                <a:srgbClr val="000000"/>
-              </a:solidFill>
-              <a:cs typeface="Times New Roman" pitchFamily="16" charset="0"/>
-            </a:endParaRPr>
-          </a:p>
-          <a:p>
-            <a:pPr marL="355600" indent="-342900">
-              <a:lnSpc>
-                <a:spcPct val="150000"/>
-              </a:lnSpc>
-              <a:spcBef>
-                <a:spcPts val="1010"/>
-              </a:spcBef>
-              <a:buFont typeface="Wingdings" panose="05000000000000000000" pitchFamily="2" charset="2"/>
-              <a:buChar char="q"/>
-              <a:tabLst>
-                <a:tab pos="354965" algn="l"/>
-              </a:tabLst>
-            </a:pPr>
-            <a:r>
-              <a:rPr b="1" dirty="0">
-                <a:solidFill>
-                  <a:srgbClr val="000000"/>
-                </a:solidFill>
-                <a:cs typeface="Times New Roman" pitchFamily="16" charset="0"/>
-              </a:rPr>
-              <a:t>Enhanced flexibility allowed for many</a:t>
-            </a:r>
-            <a:r>
-              <a:rPr lang="en-IN" b="1" dirty="0">
-                <a:solidFill>
-                  <a:srgbClr val="000000"/>
-                </a:solidFill>
-                <a:cs typeface="Times New Roman" pitchFamily="16" charset="0"/>
-              </a:rPr>
-              <a:t> </a:t>
-            </a:r>
-            <a:r>
-              <a:rPr b="1" dirty="0" err="1">
-                <a:solidFill>
-                  <a:srgbClr val="000000"/>
-                </a:solidFill>
-                <a:cs typeface="Times New Roman" pitchFamily="16" charset="0"/>
-              </a:rPr>
-              <a:t>application.Solubility</a:t>
-            </a:r>
-            <a:r>
-              <a:rPr b="1" dirty="0">
-                <a:solidFill>
-                  <a:srgbClr val="000000"/>
-                </a:solidFill>
-                <a:cs typeface="Times New Roman" pitchFamily="16" charset="0"/>
-              </a:rPr>
-              <a:t> </a:t>
-            </a:r>
-            <a:r>
-              <a:rPr sz="2400" dirty="0">
-                <a:latin typeface="Times New Roman"/>
-                <a:cs typeface="Times New Roman"/>
-              </a:rPr>
-              <a:t>in </a:t>
-            </a:r>
-            <a:r>
-              <a:rPr sz="2400" spc="-5" dirty="0">
-                <a:latin typeface="Times New Roman"/>
-                <a:cs typeface="Times New Roman"/>
-              </a:rPr>
-              <a:t>organic </a:t>
-            </a:r>
-            <a:r>
-              <a:rPr sz="2400" dirty="0">
-                <a:latin typeface="Times New Roman"/>
-                <a:cs typeface="Times New Roman"/>
-              </a:rPr>
-              <a:t>solvents, variable</a:t>
-            </a:r>
-            <a:r>
-              <a:rPr sz="2400" spc="-180" dirty="0">
-                <a:latin typeface="Times New Roman"/>
-                <a:cs typeface="Times New Roman"/>
-              </a:rPr>
-              <a:t> </a:t>
-            </a:r>
-            <a:r>
-              <a:rPr sz="2400" spc="-10" dirty="0">
-                <a:latin typeface="Times New Roman"/>
-                <a:cs typeface="Times New Roman"/>
-              </a:rPr>
-              <a:t>processibility.</a:t>
-            </a:r>
-            <a:endParaRPr sz="2400" dirty="0">
-              <a:latin typeface="Times New Roman"/>
-              <a:cs typeface="Times New Roman"/>
-            </a:endParaRPr>
+              <a:t>The merits in this research area, the Nobel Prize 2000 for Chemistry  was awarded to Alan J. Heeger, Alan G. MacDiarmid und Hideki  Shirakawa.</a:t>
+            </a:r>
           </a:p>
         </p:txBody>
       </p:sp>
@@ -11995,8 +12520,8 @@
         </p:nvSpPr>
         <p:spPr>
           <a:xfrm>
-            <a:off x="776207" y="762000"/>
-            <a:ext cx="11430000" cy="574040"/>
+            <a:off x="759078" y="935349"/>
+            <a:ext cx="11432922" cy="382156"/>
           </a:xfrm>
           <a:prstGeom prst="rect">
             <a:avLst/>
@@ -12008,7 +12533,7 @@
           </a:bodyPr>
           <a:lstStyle/>
           <a:p>
-            <a:pPr marL="12700">
+            <a:pPr marL="474345" marR="5080" indent="-462280">
               <a:lnSpc>
                 <a:spcPct val="100000"/>
               </a:lnSpc>
@@ -12017,26 +12542,38 @@
               </a:spcBef>
             </a:pPr>
             <a:r>
-              <a:rPr sz="3600" spc="-5" dirty="0"/>
-              <a:t>ELECTRIC </a:t>
-            </a:r>
-            <a:r>
-              <a:rPr sz="3600" spc="-10" dirty="0"/>
-              <a:t>CONDUCTOR </a:t>
-            </a:r>
-            <a:r>
-              <a:rPr sz="3600" spc="-55" dirty="0"/>
-              <a:t>POLYMER</a:t>
-            </a:r>
-            <a:r>
-              <a:rPr sz="3600" spc="-60" dirty="0"/>
+              <a:rPr sz="2400" spc="-100" dirty="0"/>
+              <a:t>WHAT </a:t>
+            </a:r>
+            <a:r>
+              <a:rPr sz="2400" dirty="0"/>
+              <a:t>MAKES </a:t>
+            </a:r>
+            <a:r>
+              <a:rPr sz="2400" spc="-55" dirty="0"/>
+              <a:t>POLYMER </a:t>
+            </a:r>
+            <a:r>
+              <a:rPr sz="2400" spc="-5" dirty="0"/>
+              <a:t>SO </a:t>
+            </a:r>
+            <a:r>
+              <a:rPr sz="2400" spc="-40" dirty="0"/>
+              <a:t>SUITABLE  </a:t>
+            </a:r>
+            <a:r>
+              <a:rPr sz="2400" dirty="0"/>
+              <a:t>FOR ELECTRONICS</a:t>
+            </a:r>
+            <a:r>
+              <a:rPr sz="2400" spc="-235" dirty="0"/>
               <a:t> </a:t>
             </a:r>
             <a:r>
-              <a:rPr sz="3600" spc="-5" dirty="0"/>
-              <a:t>TYPES</a:t>
-            </a:r>
-            <a:endParaRPr sz="3600" dirty="0"/>
+              <a:rPr sz="2400" spc="-35" dirty="0"/>
+              <a:t>APPLICATION?</a:t>
+            </a:r>
+            <a:endParaRPr sz="2400" dirty="0"/>
           </a:p>
         </p:txBody>
       </p:sp>
@@ -12191,15 +12728,15 @@
         </p:nvSpPr>
         <p:spPr>
           <a:xfrm>
-            <a:off x="776207" y="1336040"/>
-            <a:ext cx="11049000" cy="4029629"/>
+            <a:off x="990600" y="1436071"/>
+            <a:ext cx="10591800" cy="4593245"/>
           </a:xfrm>
           <a:prstGeom prst="rect">
             <a:avLst/>
           </a:prstGeom>
         </p:spPr>
         <p:txBody>
-          <a:bodyPr vert="horz" wrap="square" lIns="0" tIns="12700" rIns="0" bIns="0" rtlCol="0">
+          <a:bodyPr vert="horz" wrap="square" lIns="0" tIns="139065" rIns="0" bIns="0" rtlCol="0">
             <a:spAutoFit/>
           </a:bodyPr>
           <a:lstStyle/>
@@ -12209,7 +12746,7 @@
                 <a:spcPct val="150000"/>
               </a:lnSpc>
               <a:spcBef>
-                <a:spcPts val="100"/>
+                <a:spcPts val="1095"/>
               </a:spcBef>
               <a:buFont typeface="Wingdings" panose="05000000000000000000" pitchFamily="2" charset="2"/>
               <a:buChar char="q"/>
@@ -12224,44 +12761,22 @@
                 </a:solidFill>
                 <a:cs typeface="Times New Roman" pitchFamily="16" charset="0"/>
               </a:rPr>
-              <a:t>Depending on the type of charge transport by the carriers responsible for it</a:t>
-            </a:r>
-          </a:p>
-          <a:p>
-            <a:pPr marL="1269365" indent="-342900">
-              <a:lnSpc>
-                <a:spcPct val="150000"/>
-              </a:lnSpc>
-              <a:buClr>
-                <a:srgbClr val="90C225"/>
-              </a:buClr>
-              <a:buSzPct val="79166"/>
-              <a:buFont typeface="Wingdings" panose="05000000000000000000" pitchFamily="2" charset="2"/>
-              <a:buChar char="q"/>
-              <a:tabLst>
-                <a:tab pos="1156335" algn="l"/>
-              </a:tabLst>
-            </a:pPr>
-            <a:r>
-              <a:rPr b="1" dirty="0">
-                <a:solidFill>
-                  <a:srgbClr val="000000"/>
-                </a:solidFill>
-                <a:cs typeface="Times New Roman" pitchFamily="16" charset="0"/>
-              </a:rPr>
-              <a:t>Ionically conductive polymer:</a:t>
-            </a:r>
-          </a:p>
-          <a:p>
-            <a:pPr marL="1498600" indent="-342900">
+              <a:t>Good insulator of heat</a:t>
+            </a:r>
+          </a:p>
+          <a:p>
+            <a:pPr marL="355600" indent="-342900">
               <a:lnSpc>
                 <a:spcPct val="150000"/>
               </a:lnSpc>
               <a:spcBef>
-                <a:spcPts val="420"/>
+                <a:spcPts val="1000"/>
               </a:spcBef>
               <a:buFont typeface="Wingdings" panose="05000000000000000000" pitchFamily="2" charset="2"/>
               <a:buChar char="q"/>
+              <a:tabLst>
+                <a:tab pos="354965" algn="l"/>
+              </a:tabLst>
             </a:pPr>
             <a:r>
               <a:rPr b="1" dirty="0">
@@ -12270,19 +12785,22 @@
                 </a:solidFill>
                 <a:cs typeface="Times New Roman" pitchFamily="16" charset="0"/>
               </a:rPr>
-              <a:t>It is used as a solid-state electrolyte in batteries.</a:t>
-            </a:r>
-          </a:p>
-          <a:p>
-            <a:pPr marL="1498600" indent="-342900">
+              <a:t>Can form any shape.</a:t>
+            </a:r>
+          </a:p>
+          <a:p>
+            <a:pPr marL="355600" indent="-342900">
               <a:lnSpc>
                 <a:spcPct val="150000"/>
               </a:lnSpc>
               <a:spcBef>
-                <a:spcPts val="420"/>
+                <a:spcPts val="1005"/>
               </a:spcBef>
               <a:buFont typeface="Wingdings" panose="05000000000000000000" pitchFamily="2" charset="2"/>
               <a:buChar char="q"/>
+              <a:tabLst>
+                <a:tab pos="354965" algn="l"/>
+              </a:tabLst>
             </a:pPr>
             <a:r>
               <a:rPr b="1" dirty="0">
@@ -12291,25 +12809,21 @@
                 </a:solidFill>
                 <a:cs typeface="Times New Roman" pitchFamily="16" charset="0"/>
               </a:rPr>
-              <a:t>Eg: poly ethylene oxide which contain lithium perchlorate(LiClO4).</a:t>
-            </a:r>
-          </a:p>
-          <a:p>
-            <a:pPr marL="1269365" indent="-342900">
+              <a:t>They have low density</a:t>
+            </a:r>
+          </a:p>
+          <a:p>
+            <a:pPr marL="355600" indent="-342900">
               <a:lnSpc>
                 <a:spcPct val="150000"/>
               </a:lnSpc>
               <a:spcBef>
-                <a:spcPts val="5"/>
+                <a:spcPts val="1000"/>
               </a:spcBef>
-              <a:buClr>
-                <a:srgbClr val="90C225"/>
-              </a:buClr>
-              <a:buSzPct val="79166"/>
               <a:buFont typeface="Wingdings" panose="05000000000000000000" pitchFamily="2" charset="2"/>
               <a:buChar char="q"/>
               <a:tabLst>
-                <a:tab pos="1156335" algn="l"/>
+                <a:tab pos="354965" algn="l"/>
               </a:tabLst>
             </a:pPr>
             <a:r>
@@ -12319,21 +12833,21 @@
                 </a:solidFill>
                 <a:cs typeface="Times New Roman" pitchFamily="16" charset="0"/>
               </a:rPr>
-              <a:t>Electronically conductive:</a:t>
-            </a:r>
-          </a:p>
-          <a:p>
-            <a:pPr marL="1497965" lvl="1" indent="-342900">
+              <a:t>They require low finishing cost.</a:t>
+            </a:r>
+          </a:p>
+          <a:p>
+            <a:pPr marL="355600" indent="-342900">
               <a:lnSpc>
                 <a:spcPct val="150000"/>
               </a:lnSpc>
               <a:spcBef>
-                <a:spcPts val="434"/>
+                <a:spcPts val="994"/>
               </a:spcBef>
               <a:buFont typeface="Wingdings" panose="05000000000000000000" pitchFamily="2" charset="2"/>
               <a:buChar char="q"/>
               <a:tabLst>
-                <a:tab pos="1461135" algn="l"/>
+                <a:tab pos="354965" algn="l"/>
               </a:tabLst>
             </a:pPr>
             <a:r>
@@ -12343,21 +12857,36 @@
                 </a:solidFill>
                 <a:cs typeface="Times New Roman" pitchFamily="16" charset="0"/>
               </a:rPr>
-              <a:t>Filled conductive polymers</a:t>
-            </a:r>
-          </a:p>
-          <a:p>
-            <a:pPr marL="1497965" lvl="1" indent="-342900">
+              <a:t>Their toughness and ductility is good</a:t>
+            </a:r>
+            <a:r>
+              <a:rPr lang="en-IN" b="1" dirty="0">
+                <a:solidFill>
+                  <a:srgbClr val="000000"/>
+                </a:solidFill>
+                <a:cs typeface="Times New Roman" pitchFamily="16" charset="0"/>
+              </a:rPr>
+              <a:t>.</a:t>
+            </a:r>
+            <a:endParaRPr b="1" dirty="0">
+              <a:solidFill>
+                <a:srgbClr val="000000"/>
+              </a:solidFill>
+              <a:cs typeface="Times New Roman" pitchFamily="16" charset="0"/>
+            </a:endParaRPr>
+          </a:p>
+          <a:p>
+            <a:pPr marL="355600" indent="-342900">
               <a:lnSpc>
                 <a:spcPct val="150000"/>
               </a:lnSpc>
               <a:spcBef>
-                <a:spcPts val="420"/>
+                <a:spcPts val="1010"/>
               </a:spcBef>
               <a:buFont typeface="Wingdings" panose="05000000000000000000" pitchFamily="2" charset="2"/>
               <a:buChar char="q"/>
               <a:tabLst>
-                <a:tab pos="1461135" algn="l"/>
+                <a:tab pos="354965" algn="l"/>
               </a:tabLst>
             </a:pPr>
             <a:r>
@@ -12367,8 +12896,74 @@
                 </a:solidFill>
                 <a:cs typeface="Times New Roman" pitchFamily="16" charset="0"/>
               </a:rPr>
-              <a:t>Intrinsically conductive polymers</a:t>
-            </a:r>
+              <a:t>Enhanced flexibility allowed for many</a:t>
+            </a:r>
+            <a:r>
+              <a:rPr lang="en-IN" b="1" dirty="0">
+                <a:solidFill>
+                  <a:srgbClr val="000000"/>
+                </a:solidFill>
+                <a:cs typeface="Times New Roman" pitchFamily="16" charset="0"/>
+              </a:rPr>
+              <a:t> </a:t>
+            </a:r>
+            <a:r>
+              <a:rPr b="1" dirty="0" err="1">
+                <a:solidFill>
+                  <a:srgbClr val="000000"/>
+                </a:solidFill>
+                <a:cs typeface="Times New Roman" pitchFamily="16" charset="0"/>
+              </a:rPr>
+              <a:t>application.Solubility</a:t>
+            </a:r>
+            <a:r>
+              <a:rPr b="1" dirty="0">
+                <a:solidFill>
+                  <a:srgbClr val="000000"/>
+                </a:solidFill>
+                <a:cs typeface="Times New Roman" pitchFamily="16" charset="0"/>
+              </a:rPr>
+              <a:t> </a:t>
+            </a:r>
+            <a:r>
+              <a:rPr sz="2400" dirty="0">
+                <a:latin typeface="Times New Roman"/>
+                <a:cs typeface="Times New Roman"/>
+              </a:rPr>
+              <a:t>in </a:t>
+            </a:r>
+            <a:r>
+              <a:rPr sz="2400" spc="-5" dirty="0">
+                <a:latin typeface="Times New Roman"/>
+                <a:cs typeface="Times New Roman"/>
+              </a:rPr>
+              <a:t>organic </a:t>
+            </a:r>
+            <a:r>
+              <a:rPr sz="2400" dirty="0">
+                <a:latin typeface="Times New Roman"/>
+                <a:cs typeface="Times New Roman"/>
+              </a:rPr>
+              <a:t>solvents, variable</a:t>
+            </a:r>
+            <a:r>
+              <a:rPr sz="2400" spc="-180" dirty="0">
+                <a:latin typeface="Times New Roman"/>
+                <a:cs typeface="Times New Roman"/>
+              </a:rPr>
+              <a:t> </a:t>
+            </a:r>
+            <a:r>
+              <a:rPr sz="2400" spc="-10" dirty="0">
+                <a:latin typeface="Times New Roman"/>
+                <a:cs typeface="Times New Roman"/>
+              </a:rPr>
+              <a:t>processibility.</a:t>
+            </a:r>
+            <a:endParaRPr sz="2400" dirty="0">
+              <a:latin typeface="Times New Roman"/>
+              <a:cs typeface="Times New Roman"/>
+            </a:endParaRPr>
           </a:p>
         </p:txBody>
       </p:sp>
@@ -12409,8 +13004,8 @@
         </p:nvSpPr>
         <p:spPr>
           <a:xfrm>
-            <a:off x="756310" y="709056"/>
-            <a:ext cx="11435690" cy="574040"/>
+            <a:off x="776207" y="762000"/>
+            <a:ext cx="11430000" cy="574040"/>
           </a:xfrm>
           <a:prstGeom prst="rect">
             <a:avLst/>
@@ -12431,20 +13026,24 @@
               </a:spcBef>
             </a:pPr>
             <a:r>
-              <a:rPr sz="3600" spc="-30" dirty="0"/>
-              <a:t>INTRINSICALLY </a:t>
-            </a:r>
-            <a:r>
-              <a:rPr sz="3600" dirty="0"/>
-              <a:t>CONDUCTIVE</a:t>
-            </a:r>
-            <a:r>
-              <a:rPr sz="3600" spc="-165" dirty="0"/>
-              <a:t> </a:t>
+              <a:rPr sz="3600" spc="-5" dirty="0"/>
+              <a:t>ELECTRIC </a:t>
+            </a:r>
+            <a:r>
+              <a:rPr sz="3600" spc="-10" dirty="0"/>
+              <a:t>CONDUCTOR </a:t>
             </a:r>
             <a:r>
               <a:rPr sz="3600" spc="-55" dirty="0"/>
               <a:t>POLYMER</a:t>
+            </a:r>
+            <a:r>
+              <a:rPr sz="3600" spc="-60" dirty="0"/>
+              <a:t> </a:t>
+            </a:r>
+            <a:r>
+              <a:rPr sz="3600" spc="-5" dirty="0"/>
+              <a:t>TYPES</a:t>
             </a:r>
             <a:endParaRPr sz="3600" dirty="0"/>
           </a:p>
@@ -12601,8 +13200,8 @@
         </p:nvSpPr>
         <p:spPr>
           <a:xfrm>
-            <a:off x="756310" y="1559610"/>
-            <a:ext cx="11054690" cy="4311758"/>
+            <a:off x="776207" y="1336040"/>
+            <a:ext cx="11049000" cy="4029629"/>
           </a:xfrm>
           <a:prstGeom prst="rect">
             <a:avLst/>
@@ -12634,31 +13233,41 @@
                 </a:solidFill>
                 <a:cs typeface="Times New Roman" pitchFamily="16" charset="0"/>
               </a:rPr>
-              <a:t>They do not incorporate any conductive additives.</a:t>
-            </a:r>
-          </a:p>
-          <a:p>
-            <a:pPr marL="457200" indent="-457200">
+              <a:t>Depending on the type of charge transport by the carriers responsible for it</a:t>
+            </a:r>
+          </a:p>
+          <a:p>
+            <a:pPr marL="1269365" indent="-342900">
               <a:lnSpc>
                 <a:spcPct val="150000"/>
               </a:lnSpc>
+              <a:buClr>
+                <a:srgbClr val="90C225"/>
+              </a:buClr>
+              <a:buSzPct val="79166"/>
               <a:buFont typeface="Wingdings" panose="05000000000000000000" pitchFamily="2" charset="2"/>
               <a:buChar char="q"/>
-            </a:pPr>
-            <a:endParaRPr b="1" dirty="0">
-              <a:solidFill>
-                <a:srgbClr val="000000"/>
-              </a:solidFill>
-              <a:cs typeface="Times New Roman" pitchFamily="16" charset="0"/>
-            </a:endParaRPr>
-          </a:p>
-          <a:p>
-            <a:pPr marL="355600" marR="6985" indent="-342900" algn="just">
+              <a:tabLst>
+                <a:tab pos="1156335" algn="l"/>
+              </a:tabLst>
+            </a:pPr>
+            <a:r>
+              <a:rPr b="1" dirty="0">
+                <a:solidFill>
+                  <a:srgbClr val="000000"/>
+                </a:solidFill>
+                <a:cs typeface="Times New Roman" pitchFamily="16" charset="0"/>
+              </a:rPr>
+              <a:t>Ionically conductive polymer:</a:t>
+            </a:r>
+          </a:p>
+          <a:p>
+            <a:pPr marL="1498600" indent="-342900">
               <a:lnSpc>
                 <a:spcPct val="150000"/>
               </a:lnSpc>
               <a:spcBef>
-                <a:spcPts val="1895"/>
+                <a:spcPts val="420"/>
               </a:spcBef>
               <a:buFont typeface="Wingdings" panose="05000000000000000000" pitchFamily="2" charset="2"/>
               <a:buChar char="q"/>
@@ -12670,31 +13279,16 @@
                 </a:solidFill>
                 <a:cs typeface="Times New Roman" pitchFamily="16" charset="0"/>
               </a:rPr>
-              <a:t>They gain their electrical Conductivity through a property known  as ‘conjugation’.</a:t>
-            </a:r>
-          </a:p>
-          <a:p>
-            <a:pPr marL="457200" indent="-457200">
-              <a:lnSpc>
-                <a:spcPct val="150000"/>
-              </a:lnSpc>
-              <a:buFont typeface="Wingdings" panose="05000000000000000000" pitchFamily="2" charset="2"/>
-              <a:buChar char="q"/>
-            </a:pPr>
-            <a:endParaRPr b="1" dirty="0">
-              <a:solidFill>
-                <a:srgbClr val="000000"/>
-              </a:solidFill>
-              <a:cs typeface="Times New Roman" pitchFamily="16" charset="0"/>
-            </a:endParaRPr>
-          </a:p>
-          <a:p>
-            <a:pPr marL="355600" marR="5080" indent="-342900" algn="just">
+              <a:t>It is used as a solid-state electrolyte in batteries.</a:t>
+            </a:r>
+          </a:p>
+          <a:p>
+            <a:pPr marL="1498600" indent="-342900">
               <a:lnSpc>
                 <a:spcPct val="150000"/>
               </a:lnSpc>
               <a:spcBef>
-                <a:spcPts val="1885"/>
+                <a:spcPts val="420"/>
               </a:spcBef>
               <a:buFont typeface="Wingdings" panose="05000000000000000000" pitchFamily="2" charset="2"/>
               <a:buChar char="q"/>
@@ -12706,7 +13300,83 @@
                 </a:solidFill>
                 <a:cs typeface="Times New Roman" pitchFamily="16" charset="0"/>
               </a:rPr>
-              <a:t>Conjugated polymers are doped with atoms that donate negative  or positive charges enabling current to travel down the polymer  chain.</a:t>
+              <a:t>Eg: poly ethylene oxide which contain lithium perchlorate(LiClO4).</a:t>
+            </a:r>
+          </a:p>
+          <a:p>
+            <a:pPr marL="1269365" indent="-342900">
+              <a:lnSpc>
+                <a:spcPct val="150000"/>
+              </a:lnSpc>
+              <a:spcBef>
+                <a:spcPts val="5"/>
+              </a:spcBef>
+              <a:buClr>
+                <a:srgbClr val="90C225"/>
+              </a:buClr>
+              <a:buSzPct val="79166"/>
+              <a:buFont typeface="Wingdings" panose="05000000000000000000" pitchFamily="2" charset="2"/>
+              <a:buChar char="q"/>
+              <a:tabLst>
+                <a:tab pos="1156335" algn="l"/>
+              </a:tabLst>
+            </a:pPr>
+            <a:r>
+              <a:rPr b="1" dirty="0">
+                <a:solidFill>
+                  <a:srgbClr val="000000"/>
+                </a:solidFill>
+                <a:cs typeface="Times New Roman" pitchFamily="16" charset="0"/>
+              </a:rPr>
+              <a:t>Electronically conductive:</a:t>
+            </a:r>
+          </a:p>
+          <a:p>
+            <a:pPr marL="1497965" lvl="1" indent="-342900">
+              <a:lnSpc>
+                <a:spcPct val="150000"/>
+              </a:lnSpc>
+              <a:spcBef>
+                <a:spcPts val="434"/>
+              </a:spcBef>
+              <a:buFont typeface="Wingdings" panose="05000000000000000000" pitchFamily="2" charset="2"/>
+              <a:buChar char="q"/>
+              <a:tabLst>
+                <a:tab pos="1461135" algn="l"/>
+              </a:tabLst>
+            </a:pPr>
+            <a:r>
+              <a:rPr b="1" dirty="0">
+                <a:solidFill>
+                  <a:srgbClr val="000000"/>
+                </a:solidFill>
+                <a:cs typeface="Times New Roman" pitchFamily="16" charset="0"/>
+              </a:rPr>
+              <a:t>Filled conductive polymers</a:t>
+            </a:r>
+          </a:p>
+          <a:p>
+            <a:pPr marL="1497965" lvl="1" indent="-342900">
+              <a:lnSpc>
+                <a:spcPct val="150000"/>
+              </a:lnSpc>
+              <a:spcBef>
+                <a:spcPts val="420"/>
+              </a:spcBef>
+              <a:buFont typeface="Wingdings" panose="05000000000000000000" pitchFamily="2" charset="2"/>
+              <a:buChar char="q"/>
+              <a:tabLst>
+                <a:tab pos="1461135" algn="l"/>
+              </a:tabLst>
+            </a:pPr>
+            <a:r>
+              <a:rPr b="1" dirty="0">
+                <a:solidFill>
+                  <a:srgbClr val="000000"/>
+                </a:solidFill>
+                <a:cs typeface="Times New Roman" pitchFamily="16" charset="0"/>
+              </a:rPr>
+              <a:t>Intrinsically conductive polymers</a:t>
             </a:r>
           </a:p>
         </p:txBody>
@@ -12748,8 +13418,8 @@
         </p:nvSpPr>
         <p:spPr>
           <a:xfrm>
-            <a:off x="762000" y="753288"/>
-            <a:ext cx="10972800" cy="574040"/>
+            <a:off x="768701" y="762000"/>
+            <a:ext cx="11435690" cy="574040"/>
           </a:xfrm>
           <a:prstGeom prst="rect">
             <a:avLst/>
@@ -12770,143 +13440,28 @@
               </a:spcBef>
             </a:pPr>
             <a:r>
-              <a:rPr sz="3600" spc="-5" dirty="0"/>
-              <a:t>TWO </a:t>
-            </a:r>
-            <a:r>
-              <a:rPr sz="3600" dirty="0"/>
-              <a:t>CONDITIONS </a:t>
-            </a:r>
-            <a:r>
-              <a:rPr sz="3600" spc="-35" dirty="0"/>
-              <a:t>TO </a:t>
-            </a:r>
-            <a:r>
-              <a:rPr sz="3600" dirty="0"/>
-              <a:t>BECOME</a:t>
-            </a:r>
-            <a:r>
-              <a:rPr sz="3600" spc="-114" dirty="0"/>
-              <a:t> </a:t>
+              <a:rPr sz="3600" spc="-30" dirty="0"/>
+              <a:t>INTRINSICALLY </a:t>
             </a:r>
             <a:r>
               <a:rPr sz="3600" dirty="0"/>
               <a:t>CONDUCTIVE</a:t>
             </a:r>
-          </a:p>
-        </p:txBody>
-      </p:sp>
-      <p:sp>
-        <p:nvSpPr>
-          <p:cNvPr id="3" name="object 3"/>
-          <p:cNvSpPr txBox="1"/>
-          <p:nvPr/>
-        </p:nvSpPr>
-        <p:spPr>
-          <a:xfrm>
-            <a:off x="937036" y="1327328"/>
-            <a:ext cx="10622728" cy="3514104"/>
-          </a:xfrm>
-          <a:prstGeom prst="rect">
-            <a:avLst/>
-          </a:prstGeom>
-        </p:spPr>
-        <p:txBody>
-          <a:bodyPr vert="horz" wrap="square" lIns="0" tIns="12700" rIns="0" bIns="0" rtlCol="0">
-            <a:spAutoFit/>
-          </a:bodyPr>
-          <a:lstStyle/>
-          <a:p>
-            <a:pPr marL="469900" marR="11430" indent="-457200">
-              <a:lnSpc>
-                <a:spcPct val="150000"/>
-              </a:lnSpc>
-              <a:spcBef>
-                <a:spcPts val="100"/>
-              </a:spcBef>
-              <a:buFont typeface="Wingdings" panose="05000000000000000000" pitchFamily="2" charset="2"/>
-              <a:buChar char="q"/>
-              <a:tabLst>
-                <a:tab pos="469265" algn="l"/>
-              </a:tabLst>
-            </a:pPr>
-            <a:r>
-              <a:rPr b="1" dirty="0">
-                <a:solidFill>
-                  <a:srgbClr val="000000"/>
-                </a:solidFill>
-                <a:cs typeface="Times New Roman" pitchFamily="16" charset="0"/>
-              </a:rPr>
-              <a:t>The first condition is the polymer consists of alternating single and double  bonds, called conjugated double bonds.</a:t>
-            </a:r>
-          </a:p>
-          <a:p>
-            <a:pPr marL="355600" marR="5080" indent="-342900" algn="r">
-              <a:lnSpc>
-                <a:spcPct val="150000"/>
-              </a:lnSpc>
-              <a:spcBef>
-                <a:spcPts val="1895"/>
-              </a:spcBef>
-              <a:buFont typeface="Wingdings" panose="05000000000000000000" pitchFamily="2" charset="2"/>
-              <a:buChar char="Ø"/>
-              <a:tabLst>
-                <a:tab pos="354965" algn="l"/>
-              </a:tabLst>
-            </a:pPr>
-            <a:r>
-              <a:rPr lang="en-IN" b="1" dirty="0">
-                <a:solidFill>
-                  <a:srgbClr val="000000"/>
-                </a:solidFill>
-                <a:cs typeface="Times New Roman" pitchFamily="16" charset="0"/>
-              </a:rPr>
+            <a:r>
+              <a:rPr sz="3600" spc="-165" dirty="0"/>
               <a:t> </a:t>
             </a:r>
             <a:r>
-              <a:rPr b="1" dirty="0">
-                <a:solidFill>
-                  <a:srgbClr val="000000"/>
-                </a:solidFill>
-                <a:cs typeface="Times New Roman" pitchFamily="16" charset="0"/>
-              </a:rPr>
-              <a:t>In conjugation, the bonds between the carbon atoms are alternately single  and double. Every bond contains a localised “sigma” (σ) bond which forms  a strong chemical bond. In addition, every double bond also contains a less  strongly localised “pi” (π) bond which is weaker.</a:t>
-            </a:r>
+              <a:rPr sz="3600" spc="-55" dirty="0"/>
+              <a:t>POLYMER</a:t>
+            </a:r>
+            <a:endParaRPr sz="3600" dirty="0"/>
           </a:p>
         </p:txBody>
       </p:sp>
       <p:sp>
         <p:nvSpPr>
           <p:cNvPr id="4" name="object 4"/>
-          <p:cNvSpPr/>
-          <p:nvPr/>
-        </p:nvSpPr>
-        <p:spPr>
-          <a:xfrm>
-            <a:off x="2549397" y="5164778"/>
-            <a:ext cx="6672579" cy="1045340"/>
-          </a:xfrm>
-          <a:prstGeom prst="rect">
-            <a:avLst/>
-          </a:prstGeom>
-          <a:blipFill>
-            <a:blip r:embed="rId2" cstate="print"/>
-            <a:stretch>
-              <a:fillRect/>
-            </a:stretch>
-          </a:blipFill>
-        </p:spPr>
-        <p:txBody>
-          <a:bodyPr wrap="square" lIns="0" tIns="0" rIns="0" bIns="0" rtlCol="0"/>
-          <a:lstStyle/>
-          <a:p>
-            <a:endParaRPr/>
-          </a:p>
-        </p:txBody>
-      </p:sp>
-      <p:sp>
-        <p:nvSpPr>
-          <p:cNvPr id="5" name="object 5"/>
           <p:cNvSpPr txBox="1">
             <a:spLocks noGrp="1"/>
           </p:cNvSpPr>
@@ -13044,6 +13599,94 @@
               <a:t>6</a:t>
             </a:fld>
             <a:endParaRPr dirty="0"/>
+          </a:p>
+        </p:txBody>
+      </p:sp>
+      <p:sp>
+        <p:nvSpPr>
+          <p:cNvPr id="3" name="object 3"/>
+          <p:cNvSpPr txBox="1"/>
+          <p:nvPr/>
+        </p:nvSpPr>
+        <p:spPr>
+          <a:xfrm>
+            <a:off x="756310" y="1559610"/>
+            <a:ext cx="11054690" cy="3203762"/>
+          </a:xfrm>
+          <a:prstGeom prst="rect">
+            <a:avLst/>
+          </a:prstGeom>
+        </p:spPr>
+        <p:txBody>
+          <a:bodyPr vert="horz" wrap="square" lIns="0" tIns="12700" rIns="0" bIns="0" rtlCol="0">
+            <a:spAutoFit/>
+          </a:bodyPr>
+          <a:lstStyle/>
+          <a:p>
+            <a:pPr marL="355600" indent="-342900">
+              <a:lnSpc>
+                <a:spcPct val="150000"/>
+              </a:lnSpc>
+              <a:spcBef>
+                <a:spcPts val="100"/>
+              </a:spcBef>
+              <a:buFont typeface="Wingdings" panose="05000000000000000000" pitchFamily="2" charset="2"/>
+              <a:buChar char="q"/>
+              <a:tabLst>
+                <a:tab pos="354965" algn="l"/>
+              </a:tabLst>
+            </a:pPr>
+            <a:r>
+              <a:rPr b="1" dirty="0">
+                <a:solidFill>
+                  <a:srgbClr val="000000"/>
+                </a:solidFill>
+                <a:cs typeface="Times New Roman" pitchFamily="16" charset="0"/>
+              </a:rPr>
+              <a:t>They do not incorporate any conductive additives.</a:t>
+            </a:r>
+          </a:p>
+          <a:p>
+            <a:pPr marL="355600" marR="6985" indent="-342900" algn="just">
+              <a:lnSpc>
+                <a:spcPct val="150000"/>
+              </a:lnSpc>
+              <a:spcBef>
+                <a:spcPts val="1895"/>
+              </a:spcBef>
+              <a:buFont typeface="Wingdings" panose="05000000000000000000" pitchFamily="2" charset="2"/>
+              <a:buChar char="q"/>
+            </a:pPr>
+            <a:r>
+              <a:rPr b="1" dirty="0">
+                <a:solidFill>
+                  <a:srgbClr val="000000"/>
+                </a:solidFill>
+                <a:cs typeface="Times New Roman" pitchFamily="16" charset="0"/>
+              </a:rPr>
+              <a:t>They gain their electrical Conductivity through a property known  as ‘conjugation’.</a:t>
+            </a:r>
+          </a:p>
+          <a:p>
+            <a:pPr marL="355600" marR="5080" indent="-342900" algn="just">
+              <a:lnSpc>
+                <a:spcPct val="150000"/>
+              </a:lnSpc>
+              <a:spcBef>
+                <a:spcPts val="1885"/>
+              </a:spcBef>
+              <a:buFont typeface="Wingdings" panose="05000000000000000000" pitchFamily="2" charset="2"/>
+              <a:buChar char="q"/>
+            </a:pPr>
+            <a:r>
+              <a:rPr b="1" dirty="0">
+                <a:solidFill>
+                  <a:srgbClr val="000000"/>
+                </a:solidFill>
+                <a:cs typeface="Times New Roman" pitchFamily="16" charset="0"/>
+              </a:rPr>
+              <a:t>Conjugated polymers are doped with atoms that donate negative  or positive charges enabling current to travel down the polymer  chain.</a:t>
+            </a:r>
           </a:p>
         </p:txBody>
       </p:sp>
@@ -13084,8 +13727,8 @@
         </p:nvSpPr>
         <p:spPr>
           <a:xfrm>
-            <a:off x="914400" y="685800"/>
-            <a:ext cx="3200400" cy="574040"/>
+            <a:off x="762000" y="753288"/>
+            <a:ext cx="10972800" cy="574040"/>
           </a:xfrm>
           <a:prstGeom prst="rect">
             <a:avLst/>
@@ -13106,18 +13749,107 @@
               </a:spcBef>
             </a:pPr>
             <a:r>
-              <a:rPr sz="3600" spc="-5" dirty="0">
-                <a:latin typeface="Trebuchet MS"/>
-                <a:cs typeface="Trebuchet MS"/>
-              </a:rPr>
-              <a:t>Contd</a:t>
-            </a:r>
-            <a:r>
-              <a:rPr sz="3600" dirty="0">
-                <a:latin typeface="Trebuchet MS"/>
-                <a:cs typeface="Trebuchet MS"/>
-              </a:rPr>
-              <a:t>…</a:t>
+              <a:rPr sz="3600" spc="-5" dirty="0"/>
+              <a:t>TWO </a:t>
+            </a:r>
+            <a:r>
+              <a:rPr sz="3600" dirty="0"/>
+              <a:t>CONDITIONS </a:t>
+            </a:r>
+            <a:r>
+              <a:rPr sz="3600" spc="-35" dirty="0"/>
+              <a:t>TO </a:t>
+            </a:r>
+            <a:r>
+              <a:rPr sz="3600" dirty="0"/>
+              <a:t>BECOME</a:t>
+            </a:r>
+            <a:r>
+              <a:rPr sz="3600" spc="-114" dirty="0"/>
+              <a:t> </a:t>
+            </a:r>
+            <a:r>
+              <a:rPr sz="3600" dirty="0"/>
+              <a:t>CONDUCTIVE</a:t>
+            </a:r>
+          </a:p>
+        </p:txBody>
+      </p:sp>
+      <p:sp>
+        <p:nvSpPr>
+          <p:cNvPr id="3" name="object 3"/>
+          <p:cNvSpPr txBox="1"/>
+          <p:nvPr/>
+        </p:nvSpPr>
+        <p:spPr>
+          <a:xfrm>
+            <a:off x="937036" y="1327328"/>
+            <a:ext cx="10622728" cy="3514104"/>
+          </a:xfrm>
+          <a:prstGeom prst="rect">
+            <a:avLst/>
+          </a:prstGeom>
+        </p:spPr>
+        <p:txBody>
+          <a:bodyPr vert="horz" wrap="square" lIns="0" tIns="12700" rIns="0" bIns="0" rtlCol="0">
+            <a:spAutoFit/>
+          </a:bodyPr>
+          <a:lstStyle/>
+          <a:p>
+            <a:pPr marL="469900" marR="11430" indent="-457200">
+              <a:lnSpc>
+                <a:spcPct val="150000"/>
+              </a:lnSpc>
+              <a:spcBef>
+                <a:spcPts val="100"/>
+              </a:spcBef>
+              <a:buFont typeface="Wingdings" panose="05000000000000000000" pitchFamily="2" charset="2"/>
+              <a:buChar char="q"/>
+              <a:tabLst>
+                <a:tab pos="469265" algn="l"/>
+              </a:tabLst>
+            </a:pPr>
+            <a:r>
+              <a:rPr b="1" dirty="0">
+                <a:solidFill>
+                  <a:srgbClr val="000000"/>
+                </a:solidFill>
+                <a:cs typeface="Times New Roman" pitchFamily="16" charset="0"/>
+              </a:rPr>
+              <a:t>The first condition is the polymer consists of alternating single and double  bonds, called conjugated double bonds.</a:t>
+            </a:r>
+          </a:p>
+          <a:p>
+            <a:pPr marL="355600" marR="5080" indent="-342900" algn="r">
+              <a:lnSpc>
+                <a:spcPct val="150000"/>
+              </a:lnSpc>
+              <a:spcBef>
+                <a:spcPts val="1895"/>
+              </a:spcBef>
+              <a:buFont typeface="Wingdings" panose="05000000000000000000" pitchFamily="2" charset="2"/>
+              <a:buChar char="Ø"/>
+              <a:tabLst>
+                <a:tab pos="354965" algn="l"/>
+              </a:tabLst>
+            </a:pPr>
+            <a:r>
+              <a:rPr lang="en-IN" b="1" dirty="0">
+                <a:solidFill>
+                  <a:srgbClr val="000000"/>
+                </a:solidFill>
+                <a:cs typeface="Times New Roman" pitchFamily="16" charset="0"/>
+              </a:rPr>
+              <a:t> </a:t>
+            </a:r>
+            <a:r>
+              <a:rPr b="1" dirty="0">
+                <a:solidFill>
+                  <a:srgbClr val="000000"/>
+                </a:solidFill>
+                <a:cs typeface="Times New Roman" pitchFamily="16" charset="0"/>
+              </a:rPr>
+              <a:t>In conjugation, the bonds between the carbon atoms are alternately single  and double. Every bond contains a localised “sigma” (σ) bond which forms  a strong chemical bond. In addition, every double bond also contains a less  strongly localised “pi” (π) bond which is weaker.</a:t>
             </a:r>
           </a:p>
         </p:txBody>
@@ -13125,6 +13857,35 @@
       <p:sp>
         <p:nvSpPr>
           <p:cNvPr id="4" name="object 4"/>
+          <p:cNvSpPr/>
+          <p:nvPr/>
+        </p:nvSpPr>
+        <p:spPr>
+          <a:xfrm>
+            <a:off x="2549397" y="5164778"/>
+            <a:ext cx="6672579" cy="1045340"/>
+          </a:xfrm>
+          <a:prstGeom prst="rect">
+            <a:avLst/>
+          </a:prstGeom>
+          <a:blipFill>
+            <a:blip r:embed="rId2" cstate="print"/>
+            <a:stretch>
+              <a:fillRect/>
+            </a:stretch>
+          </a:blipFill>
+        </p:spPr>
+        <p:txBody>
+          <a:bodyPr wrap="square" lIns="0" tIns="0" rIns="0" bIns="0" rtlCol="0"/>
+          <a:lstStyle/>
+          <a:p>
+            <a:endParaRPr/>
+          </a:p>
+        </p:txBody>
+      </p:sp>
+      <p:sp>
+        <p:nvSpPr>
+          <p:cNvPr id="5" name="object 5"/>
           <p:cNvSpPr txBox="1">
             <a:spLocks noGrp="1"/>
           </p:cNvSpPr>
@@ -13262,116 +14023,6 @@
               <a:t>7</a:t>
             </a:fld>
             <a:endParaRPr dirty="0"/>
-          </a:p>
-        </p:txBody>
-      </p:sp>
-      <p:sp>
-        <p:nvSpPr>
-          <p:cNvPr id="3" name="object 3"/>
-          <p:cNvSpPr txBox="1"/>
-          <p:nvPr/>
-        </p:nvSpPr>
-        <p:spPr>
-          <a:xfrm>
-            <a:off x="914400" y="1486000"/>
-            <a:ext cx="10591800" cy="3886000"/>
-          </a:xfrm>
-          <a:prstGeom prst="rect">
-            <a:avLst/>
-          </a:prstGeom>
-        </p:spPr>
-        <p:txBody>
-          <a:bodyPr vert="horz" wrap="square" lIns="0" tIns="12700" rIns="0" bIns="0" rtlCol="0">
-            <a:spAutoFit/>
-          </a:bodyPr>
-          <a:lstStyle/>
-          <a:p>
-            <a:pPr marL="355600" marR="5080" indent="-342900" algn="just">
-              <a:lnSpc>
-                <a:spcPct val="150000"/>
-              </a:lnSpc>
-              <a:spcBef>
-                <a:spcPts val="100"/>
-              </a:spcBef>
-              <a:buFont typeface="Wingdings" panose="05000000000000000000" pitchFamily="2" charset="2"/>
-              <a:buChar char="q"/>
-            </a:pPr>
-            <a:r>
-              <a:rPr b="1" dirty="0">
-                <a:solidFill>
-                  <a:srgbClr val="000000"/>
-                </a:solidFill>
-                <a:cs typeface="Times New Roman" pitchFamily="16" charset="0"/>
-              </a:rPr>
-              <a:t>The second condition is the plastic has to be disturbed - either by  removing electrons from (oxidation), or inserting them into  (reduction), the material. The process is known as Doping.</a:t>
-            </a:r>
-          </a:p>
-          <a:p>
-            <a:pPr marL="165100">
-              <a:lnSpc>
-                <a:spcPct val="150000"/>
-              </a:lnSpc>
-              <a:spcBef>
-                <a:spcPts val="1900"/>
-              </a:spcBef>
-            </a:pPr>
-            <a:r>
-              <a:rPr b="1" dirty="0">
-                <a:solidFill>
-                  <a:srgbClr val="000000"/>
-                </a:solidFill>
-                <a:cs typeface="Times New Roman" pitchFamily="16" charset="0"/>
-              </a:rPr>
-              <a:t>There are two types of doping:</a:t>
-            </a:r>
-          </a:p>
-          <a:p>
-            <a:pPr marL="469900" indent="-457200">
-              <a:lnSpc>
-                <a:spcPct val="150000"/>
-              </a:lnSpc>
-              <a:spcBef>
-                <a:spcPts val="994"/>
-              </a:spcBef>
-              <a:buFont typeface="Wingdings" panose="05000000000000000000" pitchFamily="2" charset="2"/>
-              <a:buChar char="Ø"/>
-              <a:tabLst>
-                <a:tab pos="354965" algn="l"/>
-              </a:tabLst>
-            </a:pPr>
-            <a:r>
-              <a:rPr b="1" dirty="0">
-                <a:solidFill>
-                  <a:srgbClr val="000000"/>
-                </a:solidFill>
-                <a:cs typeface="Times New Roman" pitchFamily="16" charset="0"/>
-              </a:rPr>
-              <a:t>Oxidation with halogen (or p-doping).</a:t>
-            </a:r>
-          </a:p>
-          <a:p>
-            <a:pPr marL="469900" indent="-457200">
-              <a:lnSpc>
-                <a:spcPct val="150000"/>
-              </a:lnSpc>
-              <a:spcBef>
-                <a:spcPts val="1895"/>
-              </a:spcBef>
-              <a:buFont typeface="Wingdings" panose="05000000000000000000" pitchFamily="2" charset="2"/>
-              <a:buChar char="Ø"/>
-              <a:tabLst>
-                <a:tab pos="354965" algn="l"/>
-              </a:tabLst>
-            </a:pPr>
-            <a:r>
-              <a:rPr b="1" dirty="0">
-                <a:solidFill>
-                  <a:srgbClr val="000000"/>
-                </a:solidFill>
-                <a:cs typeface="Times New Roman" pitchFamily="16" charset="0"/>
-              </a:rPr>
-              <a:t>Reduction with alkali metal (called n-doping).</a:t>
-            </a:r>
           </a:p>
         </p:txBody>
       </p:sp>
@@ -13412,8 +14063,8 @@
         </p:nvSpPr>
         <p:spPr>
           <a:xfrm>
-            <a:off x="756310" y="697426"/>
-            <a:ext cx="5819647" cy="574040"/>
+            <a:off x="914400" y="685800"/>
+            <a:ext cx="3200400" cy="574040"/>
           </a:xfrm>
           <a:prstGeom prst="rect">
             <a:avLst/>
@@ -13434,150 +14085,18 @@
               </a:spcBef>
             </a:pPr>
             <a:r>
-              <a:rPr sz="3600" spc="-5" dirty="0"/>
-              <a:t>ICP</a:t>
-            </a:r>
-            <a:r>
-              <a:rPr sz="3600" spc="-200" dirty="0"/>
-              <a:t> </a:t>
-            </a:r>
-            <a:r>
-              <a:rPr sz="3600" spc="-50" dirty="0"/>
-              <a:t>MATERIAL</a:t>
-            </a:r>
-            <a:endParaRPr sz="3600" dirty="0"/>
-          </a:p>
-        </p:txBody>
-      </p:sp>
-      <p:sp>
-        <p:nvSpPr>
-          <p:cNvPr id="3" name="object 3"/>
-          <p:cNvSpPr txBox="1"/>
-          <p:nvPr/>
-        </p:nvSpPr>
-        <p:spPr>
-          <a:xfrm>
-            <a:off x="990600" y="1524000"/>
-            <a:ext cx="3129890" cy="2893421"/>
-          </a:xfrm>
-          <a:prstGeom prst="rect">
-            <a:avLst/>
-          </a:prstGeom>
-        </p:spPr>
-        <p:txBody>
-          <a:bodyPr vert="horz" wrap="square" lIns="0" tIns="12700" rIns="0" bIns="0" rtlCol="0">
-            <a:spAutoFit/>
-          </a:bodyPr>
-          <a:lstStyle/>
-          <a:p>
-            <a:pPr marL="355600" indent="-342900">
-              <a:lnSpc>
-                <a:spcPct val="150000"/>
-              </a:lnSpc>
-              <a:spcBef>
-                <a:spcPts val="100"/>
-              </a:spcBef>
-              <a:buFont typeface="Wingdings" panose="05000000000000000000" pitchFamily="2" charset="2"/>
-              <a:buChar char="q"/>
-              <a:tabLst>
-                <a:tab pos="354965" algn="l"/>
-              </a:tabLst>
-            </a:pPr>
-            <a:r>
-              <a:rPr b="1" dirty="0">
-                <a:solidFill>
-                  <a:srgbClr val="000000"/>
-                </a:solidFill>
-                <a:cs typeface="Times New Roman" pitchFamily="16" charset="0"/>
-              </a:rPr>
-              <a:t>Polyaniline</a:t>
-            </a:r>
-          </a:p>
-          <a:p>
-            <a:pPr marL="355600" indent="-342900">
-              <a:lnSpc>
-                <a:spcPct val="150000"/>
-              </a:lnSpc>
-              <a:spcBef>
-                <a:spcPts val="1895"/>
-              </a:spcBef>
-              <a:buFont typeface="Wingdings" panose="05000000000000000000" pitchFamily="2" charset="2"/>
-              <a:buChar char="q"/>
-              <a:tabLst>
-                <a:tab pos="354965" algn="l"/>
-              </a:tabLst>
-            </a:pPr>
-            <a:r>
-              <a:rPr b="1" dirty="0">
-                <a:solidFill>
-                  <a:srgbClr val="000000"/>
-                </a:solidFill>
-                <a:cs typeface="Times New Roman" pitchFamily="16" charset="0"/>
-              </a:rPr>
-              <a:t>Polythiophene</a:t>
-            </a:r>
-          </a:p>
-          <a:p>
-            <a:pPr marL="355600" indent="-342900">
-              <a:lnSpc>
-                <a:spcPct val="150000"/>
-              </a:lnSpc>
-              <a:spcBef>
-                <a:spcPts val="1880"/>
-              </a:spcBef>
-              <a:buFont typeface="Wingdings" panose="05000000000000000000" pitchFamily="2" charset="2"/>
-              <a:buChar char="q"/>
-              <a:tabLst>
-                <a:tab pos="354965" algn="l"/>
-              </a:tabLst>
-            </a:pPr>
-            <a:r>
-              <a:rPr lang="en-IN" b="1" dirty="0">
-                <a:solidFill>
-                  <a:srgbClr val="000000"/>
-                </a:solidFill>
-                <a:cs typeface="Times New Roman" pitchFamily="16" charset="0"/>
-              </a:rPr>
-              <a:t>P</a:t>
-            </a:r>
-            <a:r>
-              <a:rPr b="1" dirty="0" err="1">
-                <a:solidFill>
-                  <a:srgbClr val="000000"/>
-                </a:solidFill>
-                <a:cs typeface="Times New Roman" pitchFamily="16" charset="0"/>
-              </a:rPr>
-              <a:t>olypyrrole</a:t>
-            </a:r>
-            <a:endParaRPr lang="en-IN" b="1" dirty="0">
-              <a:solidFill>
-                <a:srgbClr val="000000"/>
-              </a:solidFill>
-              <a:cs typeface="Times New Roman" pitchFamily="16" charset="0"/>
-            </a:endParaRPr>
-          </a:p>
-          <a:p>
-            <a:pPr marL="355600" indent="-342900">
-              <a:lnSpc>
-                <a:spcPct val="150000"/>
-              </a:lnSpc>
-              <a:spcBef>
-                <a:spcPts val="1900"/>
-              </a:spcBef>
-              <a:buFont typeface="Wingdings" panose="05000000000000000000" pitchFamily="2" charset="2"/>
-              <a:buChar char="q"/>
-              <a:tabLst>
-                <a:tab pos="354965" algn="l"/>
-              </a:tabLst>
-            </a:pPr>
-            <a:r>
-              <a:rPr lang="en-IN" b="1" dirty="0">
-                <a:solidFill>
-                  <a:srgbClr val="000000"/>
-                </a:solidFill>
-                <a:cs typeface="Times New Roman" pitchFamily="16" charset="0"/>
-              </a:rPr>
-              <a:t>Polyacetylene</a:t>
+              <a:rPr sz="3600" spc="-5" dirty="0">
+                <a:latin typeface="Trebuchet MS"/>
+                <a:cs typeface="Trebuchet MS"/>
+              </a:rPr>
+              <a:t>Contd</a:t>
+            </a:r>
+            <a:r>
+              <a:rPr sz="3600" dirty="0">
+                <a:latin typeface="Trebuchet MS"/>
+                <a:cs typeface="Trebuchet MS"/>
+              </a:rPr>
+              <a:t>…</a:t>
             </a:r>
           </a:p>
         </p:txBody>
@@ -13585,35 +14104,6 @@
       <p:sp>
         <p:nvSpPr>
           <p:cNvPr id="4" name="object 4"/>
-          <p:cNvSpPr/>
-          <p:nvPr/>
-        </p:nvSpPr>
-        <p:spPr>
-          <a:xfrm>
-            <a:off x="6132163" y="1648459"/>
-            <a:ext cx="4629912" cy="3904488"/>
-          </a:xfrm>
-          <a:prstGeom prst="rect">
-            <a:avLst/>
-          </a:prstGeom>
-          <a:blipFill>
-            <a:blip r:embed="rId2" cstate="print"/>
-            <a:stretch>
-              <a:fillRect/>
-            </a:stretch>
-          </a:blipFill>
-        </p:spPr>
-        <p:txBody>
-          <a:bodyPr wrap="square" lIns="0" tIns="0" rIns="0" bIns="0" rtlCol="0"/>
-          <a:lstStyle/>
-          <a:p>
-            <a:endParaRPr/>
-          </a:p>
-        </p:txBody>
-      </p:sp>
-      <p:sp>
-        <p:nvSpPr>
-          <p:cNvPr id="5" name="object 5"/>
           <p:cNvSpPr txBox="1">
             <a:spLocks noGrp="1"/>
           </p:cNvSpPr>
@@ -13751,6 +14241,116 @@
               <a:t>8</a:t>
             </a:fld>
             <a:endParaRPr dirty="0"/>
+          </a:p>
+        </p:txBody>
+      </p:sp>
+      <p:sp>
+        <p:nvSpPr>
+          <p:cNvPr id="3" name="object 3"/>
+          <p:cNvSpPr txBox="1"/>
+          <p:nvPr/>
+        </p:nvSpPr>
+        <p:spPr>
+          <a:xfrm>
+            <a:off x="914400" y="1486000"/>
+            <a:ext cx="10591800" cy="3886000"/>
+          </a:xfrm>
+          <a:prstGeom prst="rect">
+            <a:avLst/>
+          </a:prstGeom>
+        </p:spPr>
+        <p:txBody>
+          <a:bodyPr vert="horz" wrap="square" lIns="0" tIns="12700" rIns="0" bIns="0" rtlCol="0">
+            <a:spAutoFit/>
+          </a:bodyPr>
+          <a:lstStyle/>
+          <a:p>
+            <a:pPr marL="355600" marR="5080" indent="-342900" algn="just">
+              <a:lnSpc>
+                <a:spcPct val="150000"/>
+              </a:lnSpc>
+              <a:spcBef>
+                <a:spcPts val="100"/>
+              </a:spcBef>
+              <a:buFont typeface="Wingdings" panose="05000000000000000000" pitchFamily="2" charset="2"/>
+              <a:buChar char="q"/>
+            </a:pPr>
+            <a:r>
+              <a:rPr b="1" dirty="0">
+                <a:solidFill>
+                  <a:srgbClr val="000000"/>
+                </a:solidFill>
+                <a:cs typeface="Times New Roman" pitchFamily="16" charset="0"/>
+              </a:rPr>
+              <a:t>The second condition is the plastic has to be disturbed - either by  removing electrons from (oxidation), or inserting them into  (reduction), the material. The process is known as Doping.</a:t>
+            </a:r>
+          </a:p>
+          <a:p>
+            <a:pPr marL="165100">
+              <a:lnSpc>
+                <a:spcPct val="150000"/>
+              </a:lnSpc>
+              <a:spcBef>
+                <a:spcPts val="1900"/>
+              </a:spcBef>
+            </a:pPr>
+            <a:r>
+              <a:rPr b="1" dirty="0">
+                <a:solidFill>
+                  <a:srgbClr val="000000"/>
+                </a:solidFill>
+                <a:cs typeface="Times New Roman" pitchFamily="16" charset="0"/>
+              </a:rPr>
+              <a:t>There are two types of doping:</a:t>
+            </a:r>
+          </a:p>
+          <a:p>
+            <a:pPr marL="469900" indent="-457200">
+              <a:lnSpc>
+                <a:spcPct val="150000"/>
+              </a:lnSpc>
+              <a:spcBef>
+                <a:spcPts val="994"/>
+              </a:spcBef>
+              <a:buFont typeface="Wingdings" panose="05000000000000000000" pitchFamily="2" charset="2"/>
+              <a:buChar char="Ø"/>
+              <a:tabLst>
+                <a:tab pos="354965" algn="l"/>
+              </a:tabLst>
+            </a:pPr>
+            <a:r>
+              <a:rPr b="1" dirty="0">
+                <a:solidFill>
+                  <a:srgbClr val="000000"/>
+                </a:solidFill>
+                <a:cs typeface="Times New Roman" pitchFamily="16" charset="0"/>
+              </a:rPr>
+              <a:t>Oxidation with halogen (or p-doping).</a:t>
+            </a:r>
+          </a:p>
+          <a:p>
+            <a:pPr marL="469900" indent="-457200">
+              <a:lnSpc>
+                <a:spcPct val="150000"/>
+              </a:lnSpc>
+              <a:spcBef>
+                <a:spcPts val="1895"/>
+              </a:spcBef>
+              <a:buFont typeface="Wingdings" panose="05000000000000000000" pitchFamily="2" charset="2"/>
+              <a:buChar char="Ø"/>
+              <a:tabLst>
+                <a:tab pos="354965" algn="l"/>
+              </a:tabLst>
+            </a:pPr>
+            <a:r>
+              <a:rPr b="1" dirty="0">
+                <a:solidFill>
+                  <a:srgbClr val="000000"/>
+                </a:solidFill>
+                <a:cs typeface="Times New Roman" pitchFamily="16" charset="0"/>
+              </a:rPr>
+              <a:t>Reduction with alkali metal (called n-doping).</a:t>
+            </a:r>
           </a:p>
         </p:txBody>
       </p:sp>
@@ -13791,8 +14391,8 @@
         </p:nvSpPr>
         <p:spPr>
           <a:xfrm>
-            <a:off x="756310" y="744556"/>
-            <a:ext cx="7799071" cy="574040"/>
+            <a:off x="756310" y="697426"/>
+            <a:ext cx="5819647" cy="574040"/>
           </a:xfrm>
           <a:prstGeom prst="rect">
             <a:avLst/>
@@ -13813,20 +14413,16 @@
               </a:spcBef>
             </a:pPr>
             <a:r>
-              <a:rPr sz="3600" spc="-25" dirty="0"/>
-              <a:t>PROPERTIES </a:t>
-            </a:r>
-            <a:r>
-              <a:rPr sz="3600" spc="-5" dirty="0"/>
-              <a:t>OF</a:t>
-            </a:r>
-            <a:r>
-              <a:rPr sz="3600" spc="-20" dirty="0"/>
-              <a:t> </a:t>
-            </a:r>
-            <a:r>
               <a:rPr sz="3600" spc="-5" dirty="0"/>
               <a:t>ICP</a:t>
+            </a:r>
+            <a:r>
+              <a:rPr sz="3600" spc="-200" dirty="0"/>
+              <a:t> </a:t>
+            </a:r>
+            <a:r>
+              <a:rPr sz="3600" spc="-50" dirty="0"/>
+              <a:t>MATERIAL</a:t>
             </a:r>
             <a:endParaRPr sz="3600" dirty="0"/>
           </a:p>
@@ -13840,8 +14436,8 @@
         </p:nvSpPr>
         <p:spPr>
           <a:xfrm>
-            <a:off x="756310" y="1489129"/>
-            <a:ext cx="4427220" cy="3757760"/>
+            <a:off x="990600" y="1524000"/>
+            <a:ext cx="3129890" cy="2893421"/>
           </a:xfrm>
           <a:prstGeom prst="rect">
             <a:avLst/>
@@ -13873,23 +14469,8 @@
                 </a:solidFill>
                 <a:cs typeface="Times New Roman" pitchFamily="16" charset="0"/>
               </a:rPr>
-              <a:t>Electrical conductivity</a:t>
-            </a:r>
-          </a:p>
-          <a:p>
-            <a:pPr marL="457200" indent="-457200">
-              <a:lnSpc>
-                <a:spcPct val="150000"/>
-              </a:lnSpc>
-              <a:buFont typeface="Wingdings" panose="05000000000000000000" pitchFamily="2" charset="2"/>
-              <a:buChar char="q"/>
-            </a:pPr>
-            <a:endParaRPr b="1" dirty="0">
-              <a:solidFill>
-                <a:srgbClr val="000000"/>
-              </a:solidFill>
-              <a:cs typeface="Times New Roman" pitchFamily="16" charset="0"/>
-            </a:endParaRPr>
+              <a:t>Polyaniline</a:t>
+            </a:r>
           </a:p>
           <a:p>
             <a:pPr marL="355600" indent="-342900">
@@ -13912,23 +14493,8 @@
                 </a:solidFill>
                 <a:cs typeface="Times New Roman" pitchFamily="16" charset="0"/>
               </a:rPr>
-              <a:t>Ability to store an electric charge</a:t>
-            </a:r>
-          </a:p>
-          <a:p>
-            <a:pPr marL="457200" indent="-457200">
-              <a:lnSpc>
-                <a:spcPct val="150000"/>
-              </a:lnSpc>
-              <a:buFont typeface="Wingdings" panose="05000000000000000000" pitchFamily="2" charset="2"/>
-              <a:buChar char="q"/>
-            </a:pPr>
-            <a:endParaRPr b="1" dirty="0">
-              <a:solidFill>
-                <a:srgbClr val="000000"/>
-              </a:solidFill>
-              <a:cs typeface="Times New Roman" pitchFamily="16" charset="0"/>
-            </a:endParaRPr>
+              <a:t>Polythiophene</a:t>
+            </a:r>
           </a:p>
           <a:p>
             <a:pPr marL="355600" indent="-342900">
@@ -13936,7 +14502,7 @@
                 <a:spcPct val="150000"/>
               </a:lnSpc>
               <a:spcBef>
-                <a:spcPts val="1885"/>
+                <a:spcPts val="1880"/>
               </a:spcBef>
               <a:buFont typeface="Wingdings" panose="05000000000000000000" pitchFamily="2" charset="2"/>
               <a:buChar char="q"/>
@@ -13945,13 +14511,52 @@
               </a:tabLst>
             </a:pPr>
             <a:r>
-              <a:rPr b="1" dirty="0">
+              <a:rPr lang="en-IN" b="1" dirty="0">
                 <a:solidFill>
                   <a:srgbClr val="000000"/>
                 </a:solidFill>
                 <a:cs typeface="Times New Roman" pitchFamily="16" charset="0"/>
               </a:rPr>
-              <a:t>Ability to exchange ions</a:t>
+              <a:t>P</a:t>
+            </a:r>
+            <a:r>
+              <a:rPr b="1" dirty="0" err="1">
+                <a:solidFill>
+                  <a:srgbClr val="000000"/>
+                </a:solidFill>
+                <a:cs typeface="Times New Roman" pitchFamily="16" charset="0"/>
+              </a:rPr>
+              <a:t>olypyrrole</a:t>
+            </a:r>
+            <a:endParaRPr lang="en-IN" b="1" dirty="0">
+              <a:solidFill>
+                <a:srgbClr val="000000"/>
+              </a:solidFill>
+              <a:cs typeface="Times New Roman" pitchFamily="16" charset="0"/>
+            </a:endParaRPr>
+          </a:p>
+          <a:p>
+            <a:pPr marL="355600" indent="-342900">
+              <a:lnSpc>
+                <a:spcPct val="150000"/>
+              </a:lnSpc>
+              <a:spcBef>
+                <a:spcPts val="1900"/>
+              </a:spcBef>
+              <a:buFont typeface="Wingdings" panose="05000000000000000000" pitchFamily="2" charset="2"/>
+              <a:buChar char="q"/>
+              <a:tabLst>
+                <a:tab pos="354965" algn="l"/>
+              </a:tabLst>
+            </a:pPr>
+            <a:r>
+              <a:rPr lang="en-IN" b="1" dirty="0">
+                <a:solidFill>
+                  <a:srgbClr val="000000"/>
+                </a:solidFill>
+                <a:cs typeface="Times New Roman" pitchFamily="16" charset="0"/>
+              </a:rPr>
+              <a:t>Polyacetylene</a:t>
             </a:r>
           </a:p>
         </p:txBody>
@@ -13964,8 +14569,8 @@
         </p:nvSpPr>
         <p:spPr>
           <a:xfrm>
-            <a:off x="6173976" y="1524000"/>
-            <a:ext cx="5637024" cy="4431330"/>
+            <a:off x="6132163" y="1648459"/>
+            <a:ext cx="4629912" cy="3904488"/>
           </a:xfrm>
           <a:prstGeom prst="rect">
             <a:avLst/>
